--- a/figures/statisticalModeling/statisticalModelingFigures.pptx
+++ b/figures/statisticalModeling/statisticalModelingFigures.pptx
@@ -7,6 +7,7 @@
   <p:sldIdLst>
     <p:sldId id="257" r:id="rId2"/>
     <p:sldId id="256" r:id="rId3"/>
+    <p:sldId id="258" r:id="rId4"/>
   </p:sldIdLst>
   <p:sldSz cx="12192000" cy="6858000"/>
   <p:notesSz cx="6858000" cy="9144000"/>
@@ -244,7 +245,7 @@
           <a:p>
             <a:fld id="{C7C35E5A-9A51-4AB7-A677-3D698A9948B7}" type="datetimeFigureOut">
               <a:rPr lang="en-US" smtClean="0"/>
-              <a:t>8/25/2018</a:t>
+              <a:t>10/29/2018</a:t>
             </a:fld>
             <a:endParaRPr lang="en-US"/>
           </a:p>
@@ -414,7 +415,7 @@
           <a:p>
             <a:fld id="{C7C35E5A-9A51-4AB7-A677-3D698A9948B7}" type="datetimeFigureOut">
               <a:rPr lang="en-US" smtClean="0"/>
-              <a:t>8/25/2018</a:t>
+              <a:t>10/29/2018</a:t>
             </a:fld>
             <a:endParaRPr lang="en-US"/>
           </a:p>
@@ -594,7 +595,7 @@
           <a:p>
             <a:fld id="{C7C35E5A-9A51-4AB7-A677-3D698A9948B7}" type="datetimeFigureOut">
               <a:rPr lang="en-US" smtClean="0"/>
-              <a:t>8/25/2018</a:t>
+              <a:t>10/29/2018</a:t>
             </a:fld>
             <a:endParaRPr lang="en-US"/>
           </a:p>
@@ -764,7 +765,7 @@
           <a:p>
             <a:fld id="{C7C35E5A-9A51-4AB7-A677-3D698A9948B7}" type="datetimeFigureOut">
               <a:rPr lang="en-US" smtClean="0"/>
-              <a:t>8/25/2018</a:t>
+              <a:t>10/29/2018</a:t>
             </a:fld>
             <a:endParaRPr lang="en-US"/>
           </a:p>
@@ -1010,7 +1011,7 @@
           <a:p>
             <a:fld id="{C7C35E5A-9A51-4AB7-A677-3D698A9948B7}" type="datetimeFigureOut">
               <a:rPr lang="en-US" smtClean="0"/>
-              <a:t>8/25/2018</a:t>
+              <a:t>10/29/2018</a:t>
             </a:fld>
             <a:endParaRPr lang="en-US"/>
           </a:p>
@@ -1242,7 +1243,7 @@
           <a:p>
             <a:fld id="{C7C35E5A-9A51-4AB7-A677-3D698A9948B7}" type="datetimeFigureOut">
               <a:rPr lang="en-US" smtClean="0"/>
-              <a:t>8/25/2018</a:t>
+              <a:t>10/29/2018</a:t>
             </a:fld>
             <a:endParaRPr lang="en-US"/>
           </a:p>
@@ -1609,7 +1610,7 @@
           <a:p>
             <a:fld id="{C7C35E5A-9A51-4AB7-A677-3D698A9948B7}" type="datetimeFigureOut">
               <a:rPr lang="en-US" smtClean="0"/>
-              <a:t>8/25/2018</a:t>
+              <a:t>10/29/2018</a:t>
             </a:fld>
             <a:endParaRPr lang="en-US"/>
           </a:p>
@@ -1727,7 +1728,7 @@
           <a:p>
             <a:fld id="{C7C35E5A-9A51-4AB7-A677-3D698A9948B7}" type="datetimeFigureOut">
               <a:rPr lang="en-US" smtClean="0"/>
-              <a:t>8/25/2018</a:t>
+              <a:t>10/29/2018</a:t>
             </a:fld>
             <a:endParaRPr lang="en-US"/>
           </a:p>
@@ -1822,7 +1823,7 @@
           <a:p>
             <a:fld id="{C7C35E5A-9A51-4AB7-A677-3D698A9948B7}" type="datetimeFigureOut">
               <a:rPr lang="en-US" smtClean="0"/>
-              <a:t>8/25/2018</a:t>
+              <a:t>10/29/2018</a:t>
             </a:fld>
             <a:endParaRPr lang="en-US"/>
           </a:p>
@@ -2099,7 +2100,7 @@
           <a:p>
             <a:fld id="{C7C35E5A-9A51-4AB7-A677-3D698A9948B7}" type="datetimeFigureOut">
               <a:rPr lang="en-US" smtClean="0"/>
-              <a:t>8/25/2018</a:t>
+              <a:t>10/29/2018</a:t>
             </a:fld>
             <a:endParaRPr lang="en-US"/>
           </a:p>
@@ -2352,7 +2353,7 @@
           <a:p>
             <a:fld id="{C7C35E5A-9A51-4AB7-A677-3D698A9948B7}" type="datetimeFigureOut">
               <a:rPr lang="en-US" smtClean="0"/>
-              <a:t>8/25/2018</a:t>
+              <a:t>10/29/2018</a:t>
             </a:fld>
             <a:endParaRPr lang="en-US"/>
           </a:p>
@@ -2565,7 +2566,7 @@
           <a:p>
             <a:fld id="{C7C35E5A-9A51-4AB7-A677-3D698A9948B7}" type="datetimeFigureOut">
               <a:rPr lang="en-US" smtClean="0"/>
-              <a:t>8/25/2018</a:t>
+              <a:t>10/29/2018</a:t>
             </a:fld>
             <a:endParaRPr lang="en-US"/>
           </a:p>
@@ -4892,8 +4893,8 @@
             <a:chExt cx="2623185" cy="1821894"/>
           </a:xfrm>
         </p:grpSpPr>
-        <mc:AlternateContent xmlns:mc="http://schemas.openxmlformats.org/markup-compatibility/2006">
-          <mc:Choice xmlns:a14="http://schemas.microsoft.com/office/drawing/2010/main" Requires="a14">
+        <mc:AlternateContent xmlns:mc="http://schemas.openxmlformats.org/markup-compatibility/2006" xmlns:a14="http://schemas.microsoft.com/office/drawing/2010/main">
+          <mc:Choice Requires="a14">
             <p:sp>
               <p:nvSpPr>
                 <p:cNvPr id="94" name="Oval 93"/>
@@ -4972,7 +4973,7 @@
               </p:txBody>
             </p:sp>
           </mc:Choice>
-          <mc:Fallback>
+          <mc:Fallback xmlns="">
             <p:sp>
               <p:nvSpPr>
                 <p:cNvPr id="94" name="Oval 93"/>
@@ -5016,8 +5017,8 @@
             </p:sp>
           </mc:Fallback>
         </mc:AlternateContent>
-        <mc:AlternateContent xmlns:mc="http://schemas.openxmlformats.org/markup-compatibility/2006">
-          <mc:Choice xmlns:a14="http://schemas.microsoft.com/office/drawing/2010/main" Requires="a14">
+        <mc:AlternateContent xmlns:mc="http://schemas.openxmlformats.org/markup-compatibility/2006" xmlns:a14="http://schemas.microsoft.com/office/drawing/2010/main">
+          <mc:Choice Requires="a14">
             <p:sp>
               <p:nvSpPr>
                 <p:cNvPr id="95" name="Oval 94"/>
@@ -5087,7 +5088,7 @@
               </p:txBody>
             </p:sp>
           </mc:Choice>
-          <mc:Fallback>
+          <mc:Fallback xmlns="">
             <p:sp>
               <p:nvSpPr>
                 <p:cNvPr id="95" name="Oval 94"/>
@@ -5131,8 +5132,8 @@
             </p:sp>
           </mc:Fallback>
         </mc:AlternateContent>
-        <mc:AlternateContent xmlns:mc="http://schemas.openxmlformats.org/markup-compatibility/2006">
-          <mc:Choice xmlns:a14="http://schemas.microsoft.com/office/drawing/2010/main" Requires="a14">
+        <mc:AlternateContent xmlns:mc="http://schemas.openxmlformats.org/markup-compatibility/2006" xmlns:a14="http://schemas.microsoft.com/office/drawing/2010/main">
+          <mc:Choice Requires="a14">
             <p:sp>
               <p:nvSpPr>
                 <p:cNvPr id="97" name="Oval 96"/>
@@ -5236,7 +5237,7 @@
               </p:txBody>
             </p:sp>
           </mc:Choice>
-          <mc:Fallback>
+          <mc:Fallback xmlns="">
             <p:sp>
               <p:nvSpPr>
                 <p:cNvPr id="97" name="Oval 96"/>
@@ -5280,8 +5281,8 @@
             </p:sp>
           </mc:Fallback>
         </mc:AlternateContent>
-        <mc:AlternateContent xmlns:mc="http://schemas.openxmlformats.org/markup-compatibility/2006">
-          <mc:Choice xmlns:a14="http://schemas.microsoft.com/office/drawing/2010/main" Requires="a14">
+        <mc:AlternateContent xmlns:mc="http://schemas.openxmlformats.org/markup-compatibility/2006" xmlns:a14="http://schemas.microsoft.com/office/drawing/2010/main">
+          <mc:Choice Requires="a14">
             <p:sp>
               <p:nvSpPr>
                 <p:cNvPr id="105" name="Oval 104"/>
@@ -5385,7 +5386,7 @@
               </p:txBody>
             </p:sp>
           </mc:Choice>
-          <mc:Fallback>
+          <mc:Fallback xmlns="">
             <p:sp>
               <p:nvSpPr>
                 <p:cNvPr id="105" name="Oval 104"/>
@@ -5429,8 +5430,8 @@
             </p:sp>
           </mc:Fallback>
         </mc:AlternateContent>
-        <mc:AlternateContent xmlns:mc="http://schemas.openxmlformats.org/markup-compatibility/2006">
-          <mc:Choice xmlns:a14="http://schemas.microsoft.com/office/drawing/2010/main" Requires="a14">
+        <mc:AlternateContent xmlns:mc="http://schemas.openxmlformats.org/markup-compatibility/2006" xmlns:a14="http://schemas.microsoft.com/office/drawing/2010/main">
+          <mc:Choice Requires="a14">
             <p:sp>
               <p:nvSpPr>
                 <p:cNvPr id="106" name="Oval 105"/>
@@ -5534,7 +5535,7 @@
               </p:txBody>
             </p:sp>
           </mc:Choice>
-          <mc:Fallback>
+          <mc:Fallback xmlns="">
             <p:sp>
               <p:nvSpPr>
                 <p:cNvPr id="106" name="Oval 105"/>
@@ -5805,8 +5806,8 @@
             </a:fontRef>
           </p:style>
         </p:cxnSp>
-        <mc:AlternateContent xmlns:mc="http://schemas.openxmlformats.org/markup-compatibility/2006">
-          <mc:Choice xmlns:a14="http://schemas.microsoft.com/office/drawing/2010/main" Requires="a14">
+        <mc:AlternateContent xmlns:mc="http://schemas.openxmlformats.org/markup-compatibility/2006" xmlns:a14="http://schemas.microsoft.com/office/drawing/2010/main">
+          <mc:Choice Requires="a14">
             <p:sp>
               <p:nvSpPr>
                 <p:cNvPr id="124" name="TextBox 123"/>
@@ -5829,6 +5830,7 @@
                 </a:bodyPr>
                 <a:lstStyle/>
                 <a:p>
+                  <a:pPr/>
                   <a14:m>
                     <m:oMathPara xmlns:m="http://schemas.openxmlformats.org/officeDocument/2006/math">
                       <m:oMathParaPr>
@@ -5849,7 +5851,7 @@
               </p:txBody>
             </p:sp>
           </mc:Choice>
-          <mc:Fallback>
+          <mc:Fallback xmlns="">
             <p:sp>
               <p:nvSpPr>
                 <p:cNvPr id="124" name="TextBox 123"/>
@@ -5903,8 +5905,8 @@
             <a:chExt cx="4215765" cy="415290"/>
           </a:xfrm>
         </p:grpSpPr>
-        <mc:AlternateContent xmlns:mc="http://schemas.openxmlformats.org/markup-compatibility/2006">
-          <mc:Choice xmlns:a14="http://schemas.microsoft.com/office/drawing/2010/main" Requires="a14">
+        <mc:AlternateContent xmlns:mc="http://schemas.openxmlformats.org/markup-compatibility/2006" xmlns:a14="http://schemas.microsoft.com/office/drawing/2010/main">
+          <mc:Choice Requires="a14">
             <p:sp>
               <p:nvSpPr>
                 <p:cNvPr id="146" name="Oval 145"/>
@@ -6008,7 +6010,7 @@
               </p:txBody>
             </p:sp>
           </mc:Choice>
-          <mc:Fallback>
+          <mc:Fallback xmlns="">
             <p:sp>
               <p:nvSpPr>
                 <p:cNvPr id="146" name="Oval 145"/>
@@ -6052,8 +6054,8 @@
             </p:sp>
           </mc:Fallback>
         </mc:AlternateContent>
-        <mc:AlternateContent xmlns:mc="http://schemas.openxmlformats.org/markup-compatibility/2006">
-          <mc:Choice xmlns:a14="http://schemas.microsoft.com/office/drawing/2010/main" Requires="a14">
+        <mc:AlternateContent xmlns:mc="http://schemas.openxmlformats.org/markup-compatibility/2006" xmlns:a14="http://schemas.microsoft.com/office/drawing/2010/main">
+          <mc:Choice Requires="a14">
             <p:sp>
               <p:nvSpPr>
                 <p:cNvPr id="147" name="Oval 146"/>
@@ -6157,7 +6159,7 @@
               </p:txBody>
             </p:sp>
           </mc:Choice>
-          <mc:Fallback>
+          <mc:Fallback xmlns="">
             <p:sp>
               <p:nvSpPr>
                 <p:cNvPr id="147" name="Oval 146"/>
@@ -6201,8 +6203,8 @@
             </p:sp>
           </mc:Fallback>
         </mc:AlternateContent>
-        <mc:AlternateContent xmlns:mc="http://schemas.openxmlformats.org/markup-compatibility/2006">
-          <mc:Choice xmlns:a14="http://schemas.microsoft.com/office/drawing/2010/main" Requires="a14">
+        <mc:AlternateContent xmlns:mc="http://schemas.openxmlformats.org/markup-compatibility/2006" xmlns:a14="http://schemas.microsoft.com/office/drawing/2010/main">
+          <mc:Choice Requires="a14">
             <p:sp>
               <p:nvSpPr>
                 <p:cNvPr id="148" name="Oval 147"/>
@@ -6306,7 +6308,7 @@
               </p:txBody>
             </p:sp>
           </mc:Choice>
-          <mc:Fallback>
+          <mc:Fallback xmlns="">
             <p:sp>
               <p:nvSpPr>
                 <p:cNvPr id="148" name="Oval 147"/>
@@ -6350,8 +6352,8 @@
             </p:sp>
           </mc:Fallback>
         </mc:AlternateContent>
-        <mc:AlternateContent xmlns:mc="http://schemas.openxmlformats.org/markup-compatibility/2006">
-          <mc:Choice xmlns:a14="http://schemas.microsoft.com/office/drawing/2010/main" Requires="a14">
+        <mc:AlternateContent xmlns:mc="http://schemas.openxmlformats.org/markup-compatibility/2006" xmlns:a14="http://schemas.microsoft.com/office/drawing/2010/main">
+          <mc:Choice Requires="a14">
             <p:sp>
               <p:nvSpPr>
                 <p:cNvPr id="149" name="Oval 148"/>
@@ -6455,7 +6457,7 @@
               </p:txBody>
             </p:sp>
           </mc:Choice>
-          <mc:Fallback>
+          <mc:Fallback xmlns="">
             <p:sp>
               <p:nvSpPr>
                 <p:cNvPr id="149" name="Oval 148"/>
@@ -6573,8 +6575,8 @@
             </a:fontRef>
           </p:style>
         </p:cxnSp>
-        <mc:AlternateContent xmlns:mc="http://schemas.openxmlformats.org/markup-compatibility/2006">
-          <mc:Choice xmlns:a14="http://schemas.microsoft.com/office/drawing/2010/main" Requires="a14">
+        <mc:AlternateContent xmlns:mc="http://schemas.openxmlformats.org/markup-compatibility/2006" xmlns:a14="http://schemas.microsoft.com/office/drawing/2010/main">
+          <mc:Choice Requires="a14">
             <p:sp>
               <p:nvSpPr>
                 <p:cNvPr id="152" name="TextBox 151"/>
@@ -6597,6 +6599,7 @@
                 </a:bodyPr>
                 <a:lstStyle/>
                 <a:p>
+                  <a:pPr/>
                   <a14:m>
                     <m:oMathPara xmlns:m="http://schemas.openxmlformats.org/officeDocument/2006/math">
                       <m:oMathParaPr>
@@ -6617,7 +6620,7 @@
               </p:txBody>
             </p:sp>
           </mc:Choice>
-          <mc:Fallback>
+          <mc:Fallback xmlns="">
             <p:sp>
               <p:nvSpPr>
                 <p:cNvPr id="152" name="TextBox 151"/>
@@ -6692,8 +6695,8 @@
             </a:fontRef>
           </p:style>
         </p:cxnSp>
-        <mc:AlternateContent xmlns:mc="http://schemas.openxmlformats.org/markup-compatibility/2006">
-          <mc:Choice xmlns:a14="http://schemas.microsoft.com/office/drawing/2010/main" Requires="a14">
+        <mc:AlternateContent xmlns:mc="http://schemas.openxmlformats.org/markup-compatibility/2006" xmlns:a14="http://schemas.microsoft.com/office/drawing/2010/main">
+          <mc:Choice Requires="a14">
             <p:sp>
               <p:nvSpPr>
                 <p:cNvPr id="156" name="Oval 155"/>
@@ -6797,7 +6800,7 @@
               </p:txBody>
             </p:sp>
           </mc:Choice>
-          <mc:Fallback>
+          <mc:Fallback xmlns="">
             <p:sp>
               <p:nvSpPr>
                 <p:cNvPr id="156" name="Oval 155"/>
@@ -6938,8 +6941,8 @@
             <a:chExt cx="3637320" cy="1438751"/>
           </a:xfrm>
         </p:grpSpPr>
-        <mc:AlternateContent xmlns:mc="http://schemas.openxmlformats.org/markup-compatibility/2006">
-          <mc:Choice xmlns:a14="http://schemas.microsoft.com/office/drawing/2010/main" Requires="a14">
+        <mc:AlternateContent xmlns:mc="http://schemas.openxmlformats.org/markup-compatibility/2006" xmlns:a14="http://schemas.microsoft.com/office/drawing/2010/main">
+          <mc:Choice Requires="a14">
             <p:sp>
               <p:nvSpPr>
                 <p:cNvPr id="129" name="Oval 128"/>
@@ -7043,7 +7046,7 @@
               </p:txBody>
             </p:sp>
           </mc:Choice>
-          <mc:Fallback>
+          <mc:Fallback xmlns="">
             <p:sp>
               <p:nvSpPr>
                 <p:cNvPr id="129" name="Oval 128"/>
@@ -7087,8 +7090,8 @@
             </p:sp>
           </mc:Fallback>
         </mc:AlternateContent>
-        <mc:AlternateContent xmlns:mc="http://schemas.openxmlformats.org/markup-compatibility/2006">
-          <mc:Choice xmlns:a14="http://schemas.microsoft.com/office/drawing/2010/main" Requires="a14">
+        <mc:AlternateContent xmlns:mc="http://schemas.openxmlformats.org/markup-compatibility/2006" xmlns:a14="http://schemas.microsoft.com/office/drawing/2010/main">
+          <mc:Choice Requires="a14">
             <p:sp>
               <p:nvSpPr>
                 <p:cNvPr id="130" name="Oval 129"/>
@@ -7192,7 +7195,7 @@
               </p:txBody>
             </p:sp>
           </mc:Choice>
-          <mc:Fallback>
+          <mc:Fallback xmlns="">
             <p:sp>
               <p:nvSpPr>
                 <p:cNvPr id="130" name="Oval 129"/>
@@ -7236,8 +7239,8 @@
             </p:sp>
           </mc:Fallback>
         </mc:AlternateContent>
-        <mc:AlternateContent xmlns:mc="http://schemas.openxmlformats.org/markup-compatibility/2006">
-          <mc:Choice xmlns:a14="http://schemas.microsoft.com/office/drawing/2010/main" Requires="a14">
+        <mc:AlternateContent xmlns:mc="http://schemas.openxmlformats.org/markup-compatibility/2006" xmlns:a14="http://schemas.microsoft.com/office/drawing/2010/main">
+          <mc:Choice Requires="a14">
             <p:sp>
               <p:nvSpPr>
                 <p:cNvPr id="131" name="Oval 130"/>
@@ -7341,7 +7344,7 @@
               </p:txBody>
             </p:sp>
           </mc:Choice>
-          <mc:Fallback>
+          <mc:Fallback xmlns="">
             <p:sp>
               <p:nvSpPr>
                 <p:cNvPr id="131" name="Oval 130"/>
@@ -7385,8 +7388,8 @@
             </p:sp>
           </mc:Fallback>
         </mc:AlternateContent>
-        <mc:AlternateContent xmlns:mc="http://schemas.openxmlformats.org/markup-compatibility/2006">
-          <mc:Choice xmlns:a14="http://schemas.microsoft.com/office/drawing/2010/main" Requires="a14">
+        <mc:AlternateContent xmlns:mc="http://schemas.openxmlformats.org/markup-compatibility/2006" xmlns:a14="http://schemas.microsoft.com/office/drawing/2010/main">
+          <mc:Choice Requires="a14">
             <p:sp>
               <p:nvSpPr>
                 <p:cNvPr id="139" name="Oval 138"/>
@@ -7490,7 +7493,7 @@
               </p:txBody>
             </p:sp>
           </mc:Choice>
-          <mc:Fallback>
+          <mc:Fallback xmlns="">
             <p:sp>
               <p:nvSpPr>
                 <p:cNvPr id="139" name="Oval 138"/>
@@ -7611,8 +7614,8 @@
             </a:fontRef>
           </p:style>
         </p:cxnSp>
-        <mc:AlternateContent xmlns:mc="http://schemas.openxmlformats.org/markup-compatibility/2006">
-          <mc:Choice xmlns:a14="http://schemas.microsoft.com/office/drawing/2010/main" Requires="a14">
+        <mc:AlternateContent xmlns:mc="http://schemas.openxmlformats.org/markup-compatibility/2006" xmlns:a14="http://schemas.microsoft.com/office/drawing/2010/main">
+          <mc:Choice Requires="a14">
             <p:sp>
               <p:nvSpPr>
                 <p:cNvPr id="143" name="TextBox 142"/>
@@ -7635,6 +7638,7 @@
                 </a:bodyPr>
                 <a:lstStyle/>
                 <a:p>
+                  <a:pPr/>
                   <a14:m>
                     <m:oMathPara xmlns:m="http://schemas.openxmlformats.org/officeDocument/2006/math">
                       <m:oMathParaPr>
@@ -7655,7 +7659,7 @@
               </p:txBody>
             </p:sp>
           </mc:Choice>
-          <mc:Fallback>
+          <mc:Fallback xmlns="">
             <p:sp>
               <p:nvSpPr>
                 <p:cNvPr id="143" name="TextBox 142"/>
@@ -7708,8 +7712,8 @@
               <a:chExt cx="3610650" cy="404971"/>
             </a:xfrm>
           </p:grpSpPr>
-          <mc:AlternateContent xmlns:mc="http://schemas.openxmlformats.org/markup-compatibility/2006">
-            <mc:Choice xmlns:a14="http://schemas.microsoft.com/office/drawing/2010/main" Requires="a14">
+          <mc:AlternateContent xmlns:mc="http://schemas.openxmlformats.org/markup-compatibility/2006" xmlns:a14="http://schemas.microsoft.com/office/drawing/2010/main">
+            <mc:Choice Requires="a14">
               <p:sp>
                 <p:nvSpPr>
                   <p:cNvPr id="163" name="Oval 162"/>
@@ -7813,7 +7817,7 @@
                 </p:txBody>
               </p:sp>
             </mc:Choice>
-            <mc:Fallback>
+            <mc:Fallback xmlns="">
               <p:sp>
                 <p:nvSpPr>
                   <p:cNvPr id="163" name="Oval 162"/>
@@ -7857,8 +7861,8 @@
               </p:sp>
             </mc:Fallback>
           </mc:AlternateContent>
-          <mc:AlternateContent xmlns:mc="http://schemas.openxmlformats.org/markup-compatibility/2006">
-            <mc:Choice xmlns:a14="http://schemas.microsoft.com/office/drawing/2010/main" Requires="a14">
+          <mc:AlternateContent xmlns:mc="http://schemas.openxmlformats.org/markup-compatibility/2006" xmlns:a14="http://schemas.microsoft.com/office/drawing/2010/main">
+            <mc:Choice Requires="a14">
               <p:sp>
                 <p:nvSpPr>
                   <p:cNvPr id="164" name="Oval 163"/>
@@ -7962,7 +7966,7 @@
                 </p:txBody>
               </p:sp>
             </mc:Choice>
-            <mc:Fallback>
+            <mc:Fallback xmlns="">
               <p:sp>
                 <p:nvSpPr>
                   <p:cNvPr id="164" name="Oval 163"/>
@@ -8006,8 +8010,8 @@
               </p:sp>
             </mc:Fallback>
           </mc:AlternateContent>
-          <mc:AlternateContent xmlns:mc="http://schemas.openxmlformats.org/markup-compatibility/2006">
-            <mc:Choice xmlns:a14="http://schemas.microsoft.com/office/drawing/2010/main" Requires="a14">
+          <mc:AlternateContent xmlns:mc="http://schemas.openxmlformats.org/markup-compatibility/2006" xmlns:a14="http://schemas.microsoft.com/office/drawing/2010/main">
+            <mc:Choice Requires="a14">
               <p:sp>
                 <p:nvSpPr>
                   <p:cNvPr id="165" name="Oval 164"/>
@@ -8111,7 +8115,7 @@
                 </p:txBody>
               </p:sp>
             </mc:Choice>
-            <mc:Fallback>
+            <mc:Fallback xmlns="">
               <p:sp>
                 <p:nvSpPr>
                   <p:cNvPr id="165" name="Oval 164"/>
@@ -8155,8 +8159,8 @@
               </p:sp>
             </mc:Fallback>
           </mc:AlternateContent>
-          <mc:AlternateContent xmlns:mc="http://schemas.openxmlformats.org/markup-compatibility/2006">
-            <mc:Choice xmlns:a14="http://schemas.microsoft.com/office/drawing/2010/main" Requires="a14">
+          <mc:AlternateContent xmlns:mc="http://schemas.openxmlformats.org/markup-compatibility/2006" xmlns:a14="http://schemas.microsoft.com/office/drawing/2010/main">
+            <mc:Choice Requires="a14">
               <p:sp>
                 <p:nvSpPr>
                   <p:cNvPr id="166" name="Oval 165"/>
@@ -8260,7 +8264,7 @@
                 </p:txBody>
               </p:sp>
             </mc:Choice>
-            <mc:Fallback>
+            <mc:Fallback xmlns="">
               <p:sp>
                 <p:nvSpPr>
                   <p:cNvPr id="166" name="Oval 165"/>
@@ -8378,8 +8382,8 @@
               </a:fontRef>
             </p:style>
           </p:cxnSp>
-          <mc:AlternateContent xmlns:mc="http://schemas.openxmlformats.org/markup-compatibility/2006">
-            <mc:Choice xmlns:a14="http://schemas.microsoft.com/office/drawing/2010/main" Requires="a14">
+          <mc:AlternateContent xmlns:mc="http://schemas.openxmlformats.org/markup-compatibility/2006" xmlns:a14="http://schemas.microsoft.com/office/drawing/2010/main">
+            <mc:Choice Requires="a14">
               <p:sp>
                 <p:nvSpPr>
                   <p:cNvPr id="169" name="TextBox 168"/>
@@ -8402,6 +8406,7 @@
                   </a:bodyPr>
                   <a:lstStyle/>
                   <a:p>
+                    <a:pPr/>
                     <a14:m>
                       <m:oMathPara xmlns:m="http://schemas.openxmlformats.org/officeDocument/2006/math">
                         <m:oMathParaPr>
@@ -8422,7 +8427,7 @@
                 </p:txBody>
               </p:sp>
             </mc:Choice>
-            <mc:Fallback>
+            <mc:Fallback xmlns="">
               <p:sp>
                 <p:nvSpPr>
                   <p:cNvPr id="169" name="TextBox 168"/>
@@ -8539,6 +8544,2742 @@
     <p:extLst>
       <p:ext uri="{BB962C8B-B14F-4D97-AF65-F5344CB8AC3E}">
         <p14:creationId xmlns:p14="http://schemas.microsoft.com/office/powerpoint/2010/main" val="717970160"/>
+      </p:ext>
+    </p:extLst>
+  </p:cSld>
+  <p:clrMapOvr>
+    <a:masterClrMapping/>
+  </p:clrMapOvr>
+</p:sld>
+</file>
+
+<file path=ppt/slides/slide3.xml><?xml version="1.0" encoding="utf-8"?>
+<p:sld xmlns:a="http://schemas.openxmlformats.org/drawingml/2006/main" xmlns:r="http://schemas.openxmlformats.org/officeDocument/2006/relationships" xmlns:p="http://schemas.openxmlformats.org/presentationml/2006/main">
+  <p:cSld>
+    <p:spTree>
+      <p:nvGrpSpPr>
+        <p:cNvPr id="1" name=""/>
+        <p:cNvGrpSpPr/>
+        <p:nvPr/>
+      </p:nvGrpSpPr>
+      <p:grpSpPr>
+        <a:xfrm>
+          <a:off x="0" y="0"/>
+          <a:ext cx="0" cy="0"/>
+          <a:chOff x="0" y="0"/>
+          <a:chExt cx="0" cy="0"/>
+        </a:xfrm>
+      </p:grpSpPr>
+      <p:grpSp>
+        <p:nvGrpSpPr>
+          <p:cNvPr id="68" name="Group 67"/>
+          <p:cNvGrpSpPr/>
+          <p:nvPr/>
+        </p:nvGrpSpPr>
+        <p:grpSpPr>
+          <a:xfrm>
+            <a:off x="1593409" y="896293"/>
+            <a:ext cx="10105228" cy="3013400"/>
+            <a:chOff x="1593409" y="896293"/>
+            <a:chExt cx="10105228" cy="3013400"/>
+          </a:xfrm>
+        </p:grpSpPr>
+        <p:cxnSp>
+          <p:nvCxnSpPr>
+            <p:cNvPr id="3" name="Straight Arrow Connector 2"/>
+            <p:cNvCxnSpPr/>
+            <p:nvPr/>
+          </p:nvCxnSpPr>
+          <p:spPr>
+            <a:xfrm flipV="1">
+              <a:off x="1964602" y="896293"/>
+              <a:ext cx="0" cy="2571184"/>
+            </a:xfrm>
+            <a:prstGeom prst="straightConnector1">
+              <a:avLst/>
+            </a:prstGeom>
+            <a:ln>
+              <a:solidFill>
+                <a:schemeClr val="tx1"/>
+              </a:solidFill>
+              <a:tailEnd type="triangle"/>
+            </a:ln>
+          </p:spPr>
+          <p:style>
+            <a:lnRef idx="1">
+              <a:schemeClr val="accent1"/>
+            </a:lnRef>
+            <a:fillRef idx="0">
+              <a:schemeClr val="accent1"/>
+            </a:fillRef>
+            <a:effectRef idx="0">
+              <a:schemeClr val="accent1"/>
+            </a:effectRef>
+            <a:fontRef idx="minor">
+              <a:schemeClr val="tx1"/>
+            </a:fontRef>
+          </p:style>
+        </p:cxnSp>
+        <p:cxnSp>
+          <p:nvCxnSpPr>
+            <p:cNvPr id="5" name="Straight Arrow Connector 4"/>
+            <p:cNvCxnSpPr/>
+            <p:nvPr/>
+          </p:nvCxnSpPr>
+          <p:spPr>
+            <a:xfrm>
+              <a:off x="1964602" y="3476531"/>
+              <a:ext cx="2826890" cy="0"/>
+            </a:xfrm>
+            <a:prstGeom prst="straightConnector1">
+              <a:avLst/>
+            </a:prstGeom>
+            <a:ln>
+              <a:solidFill>
+                <a:schemeClr val="tx1"/>
+              </a:solidFill>
+              <a:tailEnd type="triangle"/>
+            </a:ln>
+          </p:spPr>
+          <p:style>
+            <a:lnRef idx="1">
+              <a:schemeClr val="accent1"/>
+            </a:lnRef>
+            <a:fillRef idx="0">
+              <a:schemeClr val="accent1"/>
+            </a:fillRef>
+            <a:effectRef idx="0">
+              <a:schemeClr val="accent1"/>
+            </a:effectRef>
+            <a:fontRef idx="minor">
+              <a:schemeClr val="tx1"/>
+            </a:fontRef>
+          </p:style>
+        </p:cxnSp>
+        <mc:AlternateContent xmlns:mc="http://schemas.openxmlformats.org/markup-compatibility/2006">
+          <mc:Choice xmlns:a14="http://schemas.microsoft.com/office/drawing/2010/main" Requires="a14">
+            <p:sp>
+              <p:nvSpPr>
+                <p:cNvPr id="6" name="TextBox 5"/>
+                <p:cNvSpPr txBox="1"/>
+                <p:nvPr/>
+              </p:nvSpPr>
+              <p:spPr>
+                <a:xfrm>
+                  <a:off x="3313567" y="3485586"/>
+                  <a:ext cx="367985" cy="369332"/>
+                </a:xfrm>
+                <a:prstGeom prst="rect">
+                  <a:avLst/>
+                </a:prstGeom>
+                <a:noFill/>
+              </p:spPr>
+              <p:txBody>
+                <a:bodyPr wrap="none" rtlCol="0">
+                  <a:spAutoFit/>
+                </a:bodyPr>
+                <a:lstStyle/>
+                <a:p>
+                  <a14:m>
+                    <m:oMathPara xmlns:m="http://schemas.openxmlformats.org/officeDocument/2006/math">
+                      <m:oMathParaPr>
+                        <m:jc m:val="centerGroup"/>
+                      </m:oMathParaPr>
+                      <m:oMath xmlns:m="http://schemas.openxmlformats.org/officeDocument/2006/math">
+                        <m:r>
+                          <a:rPr lang="en-US" b="0" i="1" smtClean="0">
+                            <a:latin typeface="Cambria Math" panose="02040503050406030204" pitchFamily="18" charset="0"/>
+                          </a:rPr>
+                          <m:t>𝑥</m:t>
+                        </m:r>
+                      </m:oMath>
+                    </m:oMathPara>
+                  </a14:m>
+                  <a:endParaRPr lang="en-US" dirty="0"/>
+                </a:p>
+              </p:txBody>
+            </p:sp>
+          </mc:Choice>
+          <mc:Fallback>
+            <p:sp>
+              <p:nvSpPr>
+                <p:cNvPr id="6" name="TextBox 5"/>
+                <p:cNvSpPr txBox="1">
+                  <a:spLocks noRot="1" noChangeAspect="1" noMove="1" noResize="1" noEditPoints="1" noAdjustHandles="1" noChangeArrowheads="1" noChangeShapeType="1" noTextEdit="1"/>
+                </p:cNvSpPr>
+                <p:nvPr/>
+              </p:nvSpPr>
+              <p:spPr>
+                <a:xfrm>
+                  <a:off x="3313567" y="3485586"/>
+                  <a:ext cx="367985" cy="369332"/>
+                </a:xfrm>
+                <a:prstGeom prst="rect">
+                  <a:avLst/>
+                </a:prstGeom>
+                <a:blipFill rotWithShape="0">
+                  <a:blip r:embed="rId2"/>
+                  <a:stretch>
+                    <a:fillRect/>
+                  </a:stretch>
+                </a:blipFill>
+              </p:spPr>
+              <p:txBody>
+                <a:bodyPr/>
+                <a:lstStyle/>
+                <a:p>
+                  <a:r>
+                    <a:rPr lang="en-US">
+                      <a:noFill/>
+                    </a:rPr>
+                    <a:t> </a:t>
+                  </a:r>
+                </a:p>
+              </p:txBody>
+            </p:sp>
+          </mc:Fallback>
+        </mc:AlternateContent>
+        <mc:AlternateContent xmlns:mc="http://schemas.openxmlformats.org/markup-compatibility/2006">
+          <mc:Choice xmlns:a14="http://schemas.microsoft.com/office/drawing/2010/main" Requires="a14">
+            <p:sp>
+              <p:nvSpPr>
+                <p:cNvPr id="7" name="TextBox 6"/>
+                <p:cNvSpPr txBox="1"/>
+                <p:nvPr/>
+              </p:nvSpPr>
+              <p:spPr>
+                <a:xfrm>
+                  <a:off x="1593409" y="1908774"/>
+                  <a:ext cx="367985" cy="369332"/>
+                </a:xfrm>
+                <a:prstGeom prst="rect">
+                  <a:avLst/>
+                </a:prstGeom>
+                <a:noFill/>
+              </p:spPr>
+              <p:txBody>
+                <a:bodyPr wrap="none" rtlCol="0">
+                  <a:spAutoFit/>
+                </a:bodyPr>
+                <a:lstStyle/>
+                <a:p>
+                  <a14:m>
+                    <m:oMathPara xmlns:m="http://schemas.openxmlformats.org/officeDocument/2006/math">
+                      <m:oMathParaPr>
+                        <m:jc m:val="centerGroup"/>
+                      </m:oMathParaPr>
+                      <m:oMath xmlns:m="http://schemas.openxmlformats.org/officeDocument/2006/math">
+                        <m:r>
+                          <a:rPr lang="en-US" b="0" i="1" smtClean="0">
+                            <a:latin typeface="Cambria Math" panose="02040503050406030204" pitchFamily="18" charset="0"/>
+                          </a:rPr>
+                          <m:t>𝑦</m:t>
+                        </m:r>
+                      </m:oMath>
+                    </m:oMathPara>
+                  </a14:m>
+                  <a:endParaRPr lang="en-US" dirty="0"/>
+                </a:p>
+              </p:txBody>
+            </p:sp>
+          </mc:Choice>
+          <mc:Fallback>
+            <p:sp>
+              <p:nvSpPr>
+                <p:cNvPr id="7" name="TextBox 6"/>
+                <p:cNvSpPr txBox="1">
+                  <a:spLocks noRot="1" noChangeAspect="1" noMove="1" noResize="1" noEditPoints="1" noAdjustHandles="1" noChangeArrowheads="1" noChangeShapeType="1" noTextEdit="1"/>
+                </p:cNvSpPr>
+                <p:nvPr/>
+              </p:nvSpPr>
+              <p:spPr>
+                <a:xfrm>
+                  <a:off x="1593409" y="1908774"/>
+                  <a:ext cx="367985" cy="369332"/>
+                </a:xfrm>
+                <a:prstGeom prst="rect">
+                  <a:avLst/>
+                </a:prstGeom>
+                <a:blipFill rotWithShape="0">
+                  <a:blip r:embed="rId3"/>
+                  <a:stretch>
+                    <a:fillRect b="-6557"/>
+                  </a:stretch>
+                </a:blipFill>
+              </p:spPr>
+              <p:txBody>
+                <a:bodyPr/>
+                <a:lstStyle/>
+                <a:p>
+                  <a:r>
+                    <a:rPr lang="en-US">
+                      <a:noFill/>
+                    </a:rPr>
+                    <a:t> </a:t>
+                  </a:r>
+                </a:p>
+              </p:txBody>
+            </p:sp>
+          </mc:Fallback>
+        </mc:AlternateContent>
+        <p:sp>
+          <p:nvSpPr>
+            <p:cNvPr id="8" name="Oval 7"/>
+            <p:cNvSpPr>
+              <a:spLocks noChangeAspect="1"/>
+            </p:cNvSpPr>
+            <p:nvPr/>
+          </p:nvSpPr>
+          <p:spPr>
+            <a:xfrm>
+              <a:off x="2209046" y="3114392"/>
+              <a:ext cx="64008" cy="64008"/>
+            </a:xfrm>
+            <a:prstGeom prst="ellipse">
+              <a:avLst/>
+            </a:prstGeom>
+            <a:solidFill>
+              <a:schemeClr val="tx1"/>
+            </a:solidFill>
+            <a:ln>
+              <a:noFill/>
+            </a:ln>
+          </p:spPr>
+          <p:style>
+            <a:lnRef idx="2">
+              <a:schemeClr val="accent1">
+                <a:shade val="50000"/>
+              </a:schemeClr>
+            </a:lnRef>
+            <a:fillRef idx="1">
+              <a:schemeClr val="accent1"/>
+            </a:fillRef>
+            <a:effectRef idx="0">
+              <a:schemeClr val="accent1"/>
+            </a:effectRef>
+            <a:fontRef idx="minor">
+              <a:schemeClr val="lt1"/>
+            </a:fontRef>
+          </p:style>
+          <p:txBody>
+            <a:bodyPr rtlCol="0" anchor="ctr"/>
+            <a:lstStyle/>
+            <a:p>
+              <a:pPr algn="ctr"/>
+              <a:endParaRPr lang="en-US"/>
+            </a:p>
+          </p:txBody>
+        </p:sp>
+        <p:sp>
+          <p:nvSpPr>
+            <p:cNvPr id="9" name="Oval 8"/>
+            <p:cNvSpPr>
+              <a:spLocks noChangeAspect="1"/>
+            </p:cNvSpPr>
+            <p:nvPr/>
+          </p:nvSpPr>
+          <p:spPr>
+            <a:xfrm>
+              <a:off x="2468126" y="2996472"/>
+              <a:ext cx="64008" cy="64008"/>
+            </a:xfrm>
+            <a:prstGeom prst="ellipse">
+              <a:avLst/>
+            </a:prstGeom>
+            <a:solidFill>
+              <a:schemeClr val="tx1"/>
+            </a:solidFill>
+            <a:ln>
+              <a:noFill/>
+            </a:ln>
+          </p:spPr>
+          <p:style>
+            <a:lnRef idx="2">
+              <a:schemeClr val="accent1">
+                <a:shade val="50000"/>
+              </a:schemeClr>
+            </a:lnRef>
+            <a:fillRef idx="1">
+              <a:schemeClr val="accent1"/>
+            </a:fillRef>
+            <a:effectRef idx="0">
+              <a:schemeClr val="accent1"/>
+            </a:effectRef>
+            <a:fontRef idx="minor">
+              <a:schemeClr val="lt1"/>
+            </a:fontRef>
+          </p:style>
+          <p:txBody>
+            <a:bodyPr rtlCol="0" anchor="ctr"/>
+            <a:lstStyle/>
+            <a:p>
+              <a:pPr algn="ctr"/>
+              <a:endParaRPr lang="en-US"/>
+            </a:p>
+          </p:txBody>
+        </p:sp>
+        <p:sp>
+          <p:nvSpPr>
+            <p:cNvPr id="10" name="Oval 9"/>
+            <p:cNvSpPr>
+              <a:spLocks noChangeAspect="1"/>
+            </p:cNvSpPr>
+            <p:nvPr/>
+          </p:nvSpPr>
+          <p:spPr>
+            <a:xfrm>
+              <a:off x="2617232" y="2875093"/>
+              <a:ext cx="64008" cy="64008"/>
+            </a:xfrm>
+            <a:prstGeom prst="ellipse">
+              <a:avLst/>
+            </a:prstGeom>
+            <a:solidFill>
+              <a:schemeClr val="tx1"/>
+            </a:solidFill>
+            <a:ln>
+              <a:noFill/>
+            </a:ln>
+          </p:spPr>
+          <p:style>
+            <a:lnRef idx="2">
+              <a:schemeClr val="accent1">
+                <a:shade val="50000"/>
+              </a:schemeClr>
+            </a:lnRef>
+            <a:fillRef idx="1">
+              <a:schemeClr val="accent1"/>
+            </a:fillRef>
+            <a:effectRef idx="0">
+              <a:schemeClr val="accent1"/>
+            </a:effectRef>
+            <a:fontRef idx="minor">
+              <a:schemeClr val="lt1"/>
+            </a:fontRef>
+          </p:style>
+          <p:txBody>
+            <a:bodyPr rtlCol="0" anchor="ctr"/>
+            <a:lstStyle/>
+            <a:p>
+              <a:pPr algn="ctr"/>
+              <a:endParaRPr lang="en-US"/>
+            </a:p>
+          </p:txBody>
+        </p:sp>
+        <p:sp>
+          <p:nvSpPr>
+            <p:cNvPr id="11" name="Oval 10"/>
+            <p:cNvSpPr>
+              <a:spLocks noChangeAspect="1"/>
+            </p:cNvSpPr>
+            <p:nvPr/>
+          </p:nvSpPr>
+          <p:spPr>
+            <a:xfrm>
+              <a:off x="2778522" y="2897953"/>
+              <a:ext cx="64008" cy="64008"/>
+            </a:xfrm>
+            <a:prstGeom prst="ellipse">
+              <a:avLst/>
+            </a:prstGeom>
+            <a:solidFill>
+              <a:schemeClr val="tx1"/>
+            </a:solidFill>
+            <a:ln>
+              <a:noFill/>
+            </a:ln>
+          </p:spPr>
+          <p:style>
+            <a:lnRef idx="2">
+              <a:schemeClr val="accent1">
+                <a:shade val="50000"/>
+              </a:schemeClr>
+            </a:lnRef>
+            <a:fillRef idx="1">
+              <a:schemeClr val="accent1"/>
+            </a:fillRef>
+            <a:effectRef idx="0">
+              <a:schemeClr val="accent1"/>
+            </a:effectRef>
+            <a:fontRef idx="minor">
+              <a:schemeClr val="lt1"/>
+            </a:fontRef>
+          </p:style>
+          <p:txBody>
+            <a:bodyPr rtlCol="0" anchor="ctr"/>
+            <a:lstStyle/>
+            <a:p>
+              <a:pPr algn="ctr"/>
+              <a:endParaRPr lang="en-US"/>
+            </a:p>
+          </p:txBody>
+        </p:sp>
+        <p:sp>
+          <p:nvSpPr>
+            <p:cNvPr id="12" name="Oval 11"/>
+            <p:cNvSpPr>
+              <a:spLocks noChangeAspect="1"/>
+            </p:cNvSpPr>
+            <p:nvPr/>
+          </p:nvSpPr>
+          <p:spPr>
+            <a:xfrm>
+              <a:off x="2925326" y="2650842"/>
+              <a:ext cx="64008" cy="64008"/>
+            </a:xfrm>
+            <a:prstGeom prst="ellipse">
+              <a:avLst/>
+            </a:prstGeom>
+            <a:solidFill>
+              <a:schemeClr val="tx1"/>
+            </a:solidFill>
+            <a:ln>
+              <a:noFill/>
+            </a:ln>
+          </p:spPr>
+          <p:style>
+            <a:lnRef idx="2">
+              <a:schemeClr val="accent1">
+                <a:shade val="50000"/>
+              </a:schemeClr>
+            </a:lnRef>
+            <a:fillRef idx="1">
+              <a:schemeClr val="accent1"/>
+            </a:fillRef>
+            <a:effectRef idx="0">
+              <a:schemeClr val="accent1"/>
+            </a:effectRef>
+            <a:fontRef idx="minor">
+              <a:schemeClr val="lt1"/>
+            </a:fontRef>
+          </p:style>
+          <p:txBody>
+            <a:bodyPr rtlCol="0" anchor="ctr"/>
+            <a:lstStyle/>
+            <a:p>
+              <a:pPr algn="ctr"/>
+              <a:endParaRPr lang="en-US"/>
+            </a:p>
+          </p:txBody>
+        </p:sp>
+        <p:sp>
+          <p:nvSpPr>
+            <p:cNvPr id="13" name="Oval 12"/>
+            <p:cNvSpPr>
+              <a:spLocks noChangeAspect="1"/>
+            </p:cNvSpPr>
+            <p:nvPr/>
+          </p:nvSpPr>
+          <p:spPr>
+            <a:xfrm>
+              <a:off x="3122692" y="2674170"/>
+              <a:ext cx="64008" cy="64008"/>
+            </a:xfrm>
+            <a:prstGeom prst="ellipse">
+              <a:avLst/>
+            </a:prstGeom>
+            <a:solidFill>
+              <a:schemeClr val="tx1"/>
+            </a:solidFill>
+            <a:ln>
+              <a:noFill/>
+            </a:ln>
+          </p:spPr>
+          <p:style>
+            <a:lnRef idx="2">
+              <a:schemeClr val="accent1">
+                <a:shade val="50000"/>
+              </a:schemeClr>
+            </a:lnRef>
+            <a:fillRef idx="1">
+              <a:schemeClr val="accent1"/>
+            </a:fillRef>
+            <a:effectRef idx="0">
+              <a:schemeClr val="accent1"/>
+            </a:effectRef>
+            <a:fontRef idx="minor">
+              <a:schemeClr val="lt1"/>
+            </a:fontRef>
+          </p:style>
+          <p:txBody>
+            <a:bodyPr rtlCol="0" anchor="ctr"/>
+            <a:lstStyle/>
+            <a:p>
+              <a:pPr algn="ctr"/>
+              <a:endParaRPr lang="en-US"/>
+            </a:p>
+          </p:txBody>
+        </p:sp>
+        <p:sp>
+          <p:nvSpPr>
+            <p:cNvPr id="14" name="Oval 13"/>
+            <p:cNvSpPr>
+              <a:spLocks noChangeAspect="1"/>
+            </p:cNvSpPr>
+            <p:nvPr/>
+          </p:nvSpPr>
+          <p:spPr>
+            <a:xfrm>
+              <a:off x="3679528" y="2189318"/>
+              <a:ext cx="64008" cy="64008"/>
+            </a:xfrm>
+            <a:prstGeom prst="ellipse">
+              <a:avLst/>
+            </a:prstGeom>
+            <a:solidFill>
+              <a:schemeClr val="tx1"/>
+            </a:solidFill>
+            <a:ln>
+              <a:noFill/>
+            </a:ln>
+          </p:spPr>
+          <p:style>
+            <a:lnRef idx="2">
+              <a:schemeClr val="accent1">
+                <a:shade val="50000"/>
+              </a:schemeClr>
+            </a:lnRef>
+            <a:fillRef idx="1">
+              <a:schemeClr val="accent1"/>
+            </a:fillRef>
+            <a:effectRef idx="0">
+              <a:schemeClr val="accent1"/>
+            </a:effectRef>
+            <a:fontRef idx="minor">
+              <a:schemeClr val="lt1"/>
+            </a:fontRef>
+          </p:style>
+          <p:txBody>
+            <a:bodyPr rtlCol="0" anchor="ctr"/>
+            <a:lstStyle/>
+            <a:p>
+              <a:pPr algn="ctr"/>
+              <a:endParaRPr lang="en-US"/>
+            </a:p>
+          </p:txBody>
+        </p:sp>
+        <p:sp>
+          <p:nvSpPr>
+            <p:cNvPr id="15" name="Oval 14"/>
+            <p:cNvSpPr>
+              <a:spLocks noChangeAspect="1"/>
+            </p:cNvSpPr>
+            <p:nvPr/>
+          </p:nvSpPr>
+          <p:spPr>
+            <a:xfrm>
+              <a:off x="3580646" y="2466692"/>
+              <a:ext cx="64008" cy="64008"/>
+            </a:xfrm>
+            <a:prstGeom prst="ellipse">
+              <a:avLst/>
+            </a:prstGeom>
+            <a:solidFill>
+              <a:schemeClr val="tx1"/>
+            </a:solidFill>
+            <a:ln>
+              <a:noFill/>
+            </a:ln>
+          </p:spPr>
+          <p:style>
+            <a:lnRef idx="2">
+              <a:schemeClr val="accent1">
+                <a:shade val="50000"/>
+              </a:schemeClr>
+            </a:lnRef>
+            <a:fillRef idx="1">
+              <a:schemeClr val="accent1"/>
+            </a:fillRef>
+            <a:effectRef idx="0">
+              <a:schemeClr val="accent1"/>
+            </a:effectRef>
+            <a:fontRef idx="minor">
+              <a:schemeClr val="lt1"/>
+            </a:fontRef>
+          </p:style>
+          <p:txBody>
+            <a:bodyPr rtlCol="0" anchor="ctr"/>
+            <a:lstStyle/>
+            <a:p>
+              <a:pPr algn="ctr"/>
+              <a:endParaRPr lang="en-US"/>
+            </a:p>
+          </p:txBody>
+        </p:sp>
+        <p:sp>
+          <p:nvSpPr>
+            <p:cNvPr id="16" name="Oval 15"/>
+            <p:cNvSpPr>
+              <a:spLocks noChangeAspect="1"/>
+            </p:cNvSpPr>
+            <p:nvPr/>
+          </p:nvSpPr>
+          <p:spPr>
+            <a:xfrm>
+              <a:off x="3980696" y="2115382"/>
+              <a:ext cx="64008" cy="64008"/>
+            </a:xfrm>
+            <a:prstGeom prst="ellipse">
+              <a:avLst/>
+            </a:prstGeom>
+            <a:solidFill>
+              <a:schemeClr val="tx1"/>
+            </a:solidFill>
+            <a:ln>
+              <a:noFill/>
+            </a:ln>
+          </p:spPr>
+          <p:style>
+            <a:lnRef idx="2">
+              <a:schemeClr val="accent1">
+                <a:shade val="50000"/>
+              </a:schemeClr>
+            </a:lnRef>
+            <a:fillRef idx="1">
+              <a:schemeClr val="accent1"/>
+            </a:fillRef>
+            <a:effectRef idx="0">
+              <a:schemeClr val="accent1"/>
+            </a:effectRef>
+            <a:fontRef idx="minor">
+              <a:schemeClr val="lt1"/>
+            </a:fontRef>
+          </p:style>
+          <p:txBody>
+            <a:bodyPr rtlCol="0" anchor="ctr"/>
+            <a:lstStyle/>
+            <a:p>
+              <a:pPr algn="ctr"/>
+              <a:endParaRPr lang="en-US"/>
+            </a:p>
+          </p:txBody>
+        </p:sp>
+        <p:sp>
+          <p:nvSpPr>
+            <p:cNvPr id="17" name="Oval 16"/>
+            <p:cNvSpPr>
+              <a:spLocks noChangeAspect="1"/>
+            </p:cNvSpPr>
+            <p:nvPr/>
+          </p:nvSpPr>
+          <p:spPr>
+            <a:xfrm>
+              <a:off x="4250858" y="2143598"/>
+              <a:ext cx="64008" cy="64008"/>
+            </a:xfrm>
+            <a:prstGeom prst="ellipse">
+              <a:avLst/>
+            </a:prstGeom>
+            <a:solidFill>
+              <a:schemeClr val="tx1"/>
+            </a:solidFill>
+            <a:ln>
+              <a:noFill/>
+            </a:ln>
+          </p:spPr>
+          <p:style>
+            <a:lnRef idx="2">
+              <a:schemeClr val="accent1">
+                <a:shade val="50000"/>
+              </a:schemeClr>
+            </a:lnRef>
+            <a:fillRef idx="1">
+              <a:schemeClr val="accent1"/>
+            </a:fillRef>
+            <a:effectRef idx="0">
+              <a:schemeClr val="accent1"/>
+            </a:effectRef>
+            <a:fontRef idx="minor">
+              <a:schemeClr val="lt1"/>
+            </a:fontRef>
+          </p:style>
+          <p:txBody>
+            <a:bodyPr rtlCol="0" anchor="ctr"/>
+            <a:lstStyle/>
+            <a:p>
+              <a:pPr algn="ctr"/>
+              <a:endParaRPr lang="en-US"/>
+            </a:p>
+          </p:txBody>
+        </p:sp>
+        <p:sp>
+          <p:nvSpPr>
+            <p:cNvPr id="18" name="Oval 17"/>
+            <p:cNvSpPr>
+              <a:spLocks noChangeAspect="1"/>
+            </p:cNvSpPr>
+            <p:nvPr/>
+          </p:nvSpPr>
+          <p:spPr>
+            <a:xfrm>
+              <a:off x="3303923" y="2489552"/>
+              <a:ext cx="64008" cy="64008"/>
+            </a:xfrm>
+            <a:prstGeom prst="ellipse">
+              <a:avLst/>
+            </a:prstGeom>
+            <a:solidFill>
+              <a:schemeClr val="tx1"/>
+            </a:solidFill>
+            <a:ln>
+              <a:noFill/>
+            </a:ln>
+          </p:spPr>
+          <p:style>
+            <a:lnRef idx="2">
+              <a:schemeClr val="accent1">
+                <a:shade val="50000"/>
+              </a:schemeClr>
+            </a:lnRef>
+            <a:fillRef idx="1">
+              <a:schemeClr val="accent1"/>
+            </a:fillRef>
+            <a:effectRef idx="0">
+              <a:schemeClr val="accent1"/>
+            </a:effectRef>
+            <a:fontRef idx="minor">
+              <a:schemeClr val="lt1"/>
+            </a:fontRef>
+          </p:style>
+          <p:txBody>
+            <a:bodyPr rtlCol="0" anchor="ctr"/>
+            <a:lstStyle/>
+            <a:p>
+              <a:pPr algn="ctr"/>
+              <a:endParaRPr lang="en-US"/>
+            </a:p>
+          </p:txBody>
+        </p:sp>
+        <p:sp>
+          <p:nvSpPr>
+            <p:cNvPr id="19" name="Oval 18"/>
+            <p:cNvSpPr>
+              <a:spLocks noChangeAspect="1"/>
+            </p:cNvSpPr>
+            <p:nvPr/>
+          </p:nvSpPr>
+          <p:spPr>
+            <a:xfrm>
+              <a:off x="4507746" y="1799942"/>
+              <a:ext cx="64008" cy="64008"/>
+            </a:xfrm>
+            <a:prstGeom prst="ellipse">
+              <a:avLst/>
+            </a:prstGeom>
+            <a:solidFill>
+              <a:schemeClr val="tx1"/>
+            </a:solidFill>
+            <a:ln>
+              <a:noFill/>
+            </a:ln>
+          </p:spPr>
+          <p:style>
+            <a:lnRef idx="2">
+              <a:schemeClr val="accent1">
+                <a:shade val="50000"/>
+              </a:schemeClr>
+            </a:lnRef>
+            <a:fillRef idx="1">
+              <a:schemeClr val="accent1"/>
+            </a:fillRef>
+            <a:effectRef idx="0">
+              <a:schemeClr val="accent1"/>
+            </a:effectRef>
+            <a:fontRef idx="minor">
+              <a:schemeClr val="lt1"/>
+            </a:fontRef>
+          </p:style>
+          <p:txBody>
+            <a:bodyPr rtlCol="0" anchor="ctr"/>
+            <a:lstStyle/>
+            <a:p>
+              <a:pPr algn="ctr"/>
+              <a:endParaRPr lang="en-US"/>
+            </a:p>
+          </p:txBody>
+        </p:sp>
+        <p:cxnSp>
+          <p:nvCxnSpPr>
+            <p:cNvPr id="21" name="Straight Connector 20"/>
+            <p:cNvCxnSpPr/>
+            <p:nvPr/>
+          </p:nvCxnSpPr>
+          <p:spPr>
+            <a:xfrm flipV="1">
+              <a:off x="1967811" y="1852177"/>
+              <a:ext cx="2823681" cy="1384325"/>
+            </a:xfrm>
+            <a:prstGeom prst="line">
+              <a:avLst/>
+            </a:prstGeom>
+            <a:ln w="12700">
+              <a:solidFill>
+                <a:schemeClr val="tx1"/>
+              </a:solidFill>
+            </a:ln>
+          </p:spPr>
+          <p:style>
+            <a:lnRef idx="1">
+              <a:schemeClr val="accent1"/>
+            </a:lnRef>
+            <a:fillRef idx="0">
+              <a:schemeClr val="accent1"/>
+            </a:fillRef>
+            <a:effectRef idx="0">
+              <a:schemeClr val="accent1"/>
+            </a:effectRef>
+            <a:fontRef idx="minor">
+              <a:schemeClr val="tx1"/>
+            </a:fontRef>
+          </p:style>
+        </p:cxnSp>
+        <p:sp>
+          <p:nvSpPr>
+            <p:cNvPr id="22" name="Oval 21"/>
+            <p:cNvSpPr>
+              <a:spLocks noChangeAspect="1"/>
+            </p:cNvSpPr>
+            <p:nvPr/>
+          </p:nvSpPr>
+          <p:spPr>
+            <a:xfrm>
+              <a:off x="3391227" y="1621790"/>
+              <a:ext cx="64008" cy="64008"/>
+            </a:xfrm>
+            <a:prstGeom prst="ellipse">
+              <a:avLst/>
+            </a:prstGeom>
+            <a:solidFill>
+              <a:srgbClr val="FF0000"/>
+            </a:solidFill>
+            <a:ln>
+              <a:noFill/>
+            </a:ln>
+          </p:spPr>
+          <p:style>
+            <a:lnRef idx="2">
+              <a:schemeClr val="accent1">
+                <a:shade val="50000"/>
+              </a:schemeClr>
+            </a:lnRef>
+            <a:fillRef idx="1">
+              <a:schemeClr val="accent1"/>
+            </a:fillRef>
+            <a:effectRef idx="0">
+              <a:schemeClr val="accent1"/>
+            </a:effectRef>
+            <a:fontRef idx="minor">
+              <a:schemeClr val="lt1"/>
+            </a:fontRef>
+          </p:style>
+          <p:txBody>
+            <a:bodyPr rtlCol="0" anchor="ctr"/>
+            <a:lstStyle/>
+            <a:p>
+              <a:pPr algn="ctr"/>
+              <a:endParaRPr lang="en-US"/>
+            </a:p>
+          </p:txBody>
+        </p:sp>
+        <p:cxnSp>
+          <p:nvCxnSpPr>
+            <p:cNvPr id="23" name="Straight Arrow Connector 22"/>
+            <p:cNvCxnSpPr/>
+            <p:nvPr/>
+          </p:nvCxnSpPr>
+          <p:spPr>
+            <a:xfrm flipV="1">
+              <a:off x="5356371" y="914402"/>
+              <a:ext cx="0" cy="2571184"/>
+            </a:xfrm>
+            <a:prstGeom prst="straightConnector1">
+              <a:avLst/>
+            </a:prstGeom>
+            <a:ln>
+              <a:solidFill>
+                <a:schemeClr val="tx1"/>
+              </a:solidFill>
+              <a:tailEnd type="triangle"/>
+            </a:ln>
+          </p:spPr>
+          <p:style>
+            <a:lnRef idx="1">
+              <a:schemeClr val="accent1"/>
+            </a:lnRef>
+            <a:fillRef idx="0">
+              <a:schemeClr val="accent1"/>
+            </a:fillRef>
+            <a:effectRef idx="0">
+              <a:schemeClr val="accent1"/>
+            </a:effectRef>
+            <a:fontRef idx="minor">
+              <a:schemeClr val="tx1"/>
+            </a:fontRef>
+          </p:style>
+        </p:cxnSp>
+        <p:cxnSp>
+          <p:nvCxnSpPr>
+            <p:cNvPr id="24" name="Straight Arrow Connector 23"/>
+            <p:cNvCxnSpPr/>
+            <p:nvPr/>
+          </p:nvCxnSpPr>
+          <p:spPr>
+            <a:xfrm>
+              <a:off x="5356371" y="3494640"/>
+              <a:ext cx="2844174" cy="0"/>
+            </a:xfrm>
+            <a:prstGeom prst="straightConnector1">
+              <a:avLst/>
+            </a:prstGeom>
+            <a:ln>
+              <a:solidFill>
+                <a:schemeClr val="tx1"/>
+              </a:solidFill>
+              <a:tailEnd type="triangle"/>
+            </a:ln>
+          </p:spPr>
+          <p:style>
+            <a:lnRef idx="1">
+              <a:schemeClr val="accent1"/>
+            </a:lnRef>
+            <a:fillRef idx="0">
+              <a:schemeClr val="accent1"/>
+            </a:fillRef>
+            <a:effectRef idx="0">
+              <a:schemeClr val="accent1"/>
+            </a:effectRef>
+            <a:fontRef idx="minor">
+              <a:schemeClr val="tx1"/>
+            </a:fontRef>
+          </p:style>
+        </p:cxnSp>
+        <mc:AlternateContent xmlns:mc="http://schemas.openxmlformats.org/markup-compatibility/2006">
+          <mc:Choice xmlns:a14="http://schemas.microsoft.com/office/drawing/2010/main" Requires="a14">
+            <p:sp>
+              <p:nvSpPr>
+                <p:cNvPr id="25" name="TextBox 24"/>
+                <p:cNvSpPr txBox="1"/>
+                <p:nvPr/>
+              </p:nvSpPr>
+              <p:spPr>
+                <a:xfrm>
+                  <a:off x="6705336" y="3503695"/>
+                  <a:ext cx="367985" cy="369332"/>
+                </a:xfrm>
+                <a:prstGeom prst="rect">
+                  <a:avLst/>
+                </a:prstGeom>
+                <a:noFill/>
+              </p:spPr>
+              <p:txBody>
+                <a:bodyPr wrap="none" rtlCol="0">
+                  <a:spAutoFit/>
+                </a:bodyPr>
+                <a:lstStyle/>
+                <a:p>
+                  <a14:m>
+                    <m:oMathPara xmlns:m="http://schemas.openxmlformats.org/officeDocument/2006/math">
+                      <m:oMathParaPr>
+                        <m:jc m:val="centerGroup"/>
+                      </m:oMathParaPr>
+                      <m:oMath xmlns:m="http://schemas.openxmlformats.org/officeDocument/2006/math">
+                        <m:r>
+                          <a:rPr lang="en-US" b="0" i="1" smtClean="0">
+                            <a:latin typeface="Cambria Math" panose="02040503050406030204" pitchFamily="18" charset="0"/>
+                          </a:rPr>
+                          <m:t>𝑥</m:t>
+                        </m:r>
+                      </m:oMath>
+                    </m:oMathPara>
+                  </a14:m>
+                  <a:endParaRPr lang="en-US" dirty="0"/>
+                </a:p>
+              </p:txBody>
+            </p:sp>
+          </mc:Choice>
+          <mc:Fallback>
+            <p:sp>
+              <p:nvSpPr>
+                <p:cNvPr id="25" name="TextBox 24"/>
+                <p:cNvSpPr txBox="1">
+                  <a:spLocks noRot="1" noChangeAspect="1" noMove="1" noResize="1" noEditPoints="1" noAdjustHandles="1" noChangeArrowheads="1" noChangeShapeType="1" noTextEdit="1"/>
+                </p:cNvSpPr>
+                <p:nvPr/>
+              </p:nvSpPr>
+              <p:spPr>
+                <a:xfrm>
+                  <a:off x="6705336" y="3503695"/>
+                  <a:ext cx="367985" cy="369332"/>
+                </a:xfrm>
+                <a:prstGeom prst="rect">
+                  <a:avLst/>
+                </a:prstGeom>
+                <a:blipFill rotWithShape="0">
+                  <a:blip r:embed="rId4"/>
+                  <a:stretch>
+                    <a:fillRect/>
+                  </a:stretch>
+                </a:blipFill>
+              </p:spPr>
+              <p:txBody>
+                <a:bodyPr/>
+                <a:lstStyle/>
+                <a:p>
+                  <a:r>
+                    <a:rPr lang="en-US">
+                      <a:noFill/>
+                    </a:rPr>
+                    <a:t> </a:t>
+                  </a:r>
+                </a:p>
+              </p:txBody>
+            </p:sp>
+          </mc:Fallback>
+        </mc:AlternateContent>
+        <mc:AlternateContent xmlns:mc="http://schemas.openxmlformats.org/markup-compatibility/2006">
+          <mc:Choice xmlns:a14="http://schemas.microsoft.com/office/drawing/2010/main" Requires="a14">
+            <p:sp>
+              <p:nvSpPr>
+                <p:cNvPr id="26" name="TextBox 25"/>
+                <p:cNvSpPr txBox="1"/>
+                <p:nvPr/>
+              </p:nvSpPr>
+              <p:spPr>
+                <a:xfrm>
+                  <a:off x="4985178" y="1926883"/>
+                  <a:ext cx="367985" cy="369332"/>
+                </a:xfrm>
+                <a:prstGeom prst="rect">
+                  <a:avLst/>
+                </a:prstGeom>
+                <a:noFill/>
+              </p:spPr>
+              <p:txBody>
+                <a:bodyPr wrap="none" rtlCol="0">
+                  <a:spAutoFit/>
+                </a:bodyPr>
+                <a:lstStyle/>
+                <a:p>
+                  <a14:m>
+                    <m:oMathPara xmlns:m="http://schemas.openxmlformats.org/officeDocument/2006/math">
+                      <m:oMathParaPr>
+                        <m:jc m:val="centerGroup"/>
+                      </m:oMathParaPr>
+                      <m:oMath xmlns:m="http://schemas.openxmlformats.org/officeDocument/2006/math">
+                        <m:r>
+                          <a:rPr lang="en-US" b="0" i="1" smtClean="0">
+                            <a:latin typeface="Cambria Math" panose="02040503050406030204" pitchFamily="18" charset="0"/>
+                          </a:rPr>
+                          <m:t>𝑦</m:t>
+                        </m:r>
+                      </m:oMath>
+                    </m:oMathPara>
+                  </a14:m>
+                  <a:endParaRPr lang="en-US" dirty="0"/>
+                </a:p>
+              </p:txBody>
+            </p:sp>
+          </mc:Choice>
+          <mc:Fallback>
+            <p:sp>
+              <p:nvSpPr>
+                <p:cNvPr id="26" name="TextBox 25"/>
+                <p:cNvSpPr txBox="1">
+                  <a:spLocks noRot="1" noChangeAspect="1" noMove="1" noResize="1" noEditPoints="1" noAdjustHandles="1" noChangeArrowheads="1" noChangeShapeType="1" noTextEdit="1"/>
+                </p:cNvSpPr>
+                <p:nvPr/>
+              </p:nvSpPr>
+              <p:spPr>
+                <a:xfrm>
+                  <a:off x="4985178" y="1926883"/>
+                  <a:ext cx="367985" cy="369332"/>
+                </a:xfrm>
+                <a:prstGeom prst="rect">
+                  <a:avLst/>
+                </a:prstGeom>
+                <a:blipFill rotWithShape="0">
+                  <a:blip r:embed="rId5"/>
+                  <a:stretch>
+                    <a:fillRect b="-6557"/>
+                  </a:stretch>
+                </a:blipFill>
+              </p:spPr>
+              <p:txBody>
+                <a:bodyPr/>
+                <a:lstStyle/>
+                <a:p>
+                  <a:r>
+                    <a:rPr lang="en-US">
+                      <a:noFill/>
+                    </a:rPr>
+                    <a:t> </a:t>
+                  </a:r>
+                </a:p>
+              </p:txBody>
+            </p:sp>
+          </mc:Fallback>
+        </mc:AlternateContent>
+        <p:sp>
+          <p:nvSpPr>
+            <p:cNvPr id="27" name="Oval 26"/>
+            <p:cNvSpPr>
+              <a:spLocks noChangeAspect="1"/>
+            </p:cNvSpPr>
+            <p:nvPr/>
+          </p:nvSpPr>
+          <p:spPr>
+            <a:xfrm>
+              <a:off x="5600815" y="3132501"/>
+              <a:ext cx="64008" cy="64008"/>
+            </a:xfrm>
+            <a:prstGeom prst="ellipse">
+              <a:avLst/>
+            </a:prstGeom>
+            <a:solidFill>
+              <a:schemeClr val="tx1"/>
+            </a:solidFill>
+            <a:ln>
+              <a:noFill/>
+            </a:ln>
+          </p:spPr>
+          <p:style>
+            <a:lnRef idx="2">
+              <a:schemeClr val="accent1">
+                <a:shade val="50000"/>
+              </a:schemeClr>
+            </a:lnRef>
+            <a:fillRef idx="1">
+              <a:schemeClr val="accent1"/>
+            </a:fillRef>
+            <a:effectRef idx="0">
+              <a:schemeClr val="accent1"/>
+            </a:effectRef>
+            <a:fontRef idx="minor">
+              <a:schemeClr val="lt1"/>
+            </a:fontRef>
+          </p:style>
+          <p:txBody>
+            <a:bodyPr rtlCol="0" anchor="ctr"/>
+            <a:lstStyle/>
+            <a:p>
+              <a:pPr algn="ctr"/>
+              <a:endParaRPr lang="en-US"/>
+            </a:p>
+          </p:txBody>
+        </p:sp>
+        <p:sp>
+          <p:nvSpPr>
+            <p:cNvPr id="28" name="Oval 27"/>
+            <p:cNvSpPr>
+              <a:spLocks noChangeAspect="1"/>
+            </p:cNvSpPr>
+            <p:nvPr/>
+          </p:nvSpPr>
+          <p:spPr>
+            <a:xfrm>
+              <a:off x="5859895" y="3014581"/>
+              <a:ext cx="64008" cy="64008"/>
+            </a:xfrm>
+            <a:prstGeom prst="ellipse">
+              <a:avLst/>
+            </a:prstGeom>
+            <a:solidFill>
+              <a:schemeClr val="tx1"/>
+            </a:solidFill>
+            <a:ln>
+              <a:noFill/>
+            </a:ln>
+          </p:spPr>
+          <p:style>
+            <a:lnRef idx="2">
+              <a:schemeClr val="accent1">
+                <a:shade val="50000"/>
+              </a:schemeClr>
+            </a:lnRef>
+            <a:fillRef idx="1">
+              <a:schemeClr val="accent1"/>
+            </a:fillRef>
+            <a:effectRef idx="0">
+              <a:schemeClr val="accent1"/>
+            </a:effectRef>
+            <a:fontRef idx="minor">
+              <a:schemeClr val="lt1"/>
+            </a:fontRef>
+          </p:style>
+          <p:txBody>
+            <a:bodyPr rtlCol="0" anchor="ctr"/>
+            <a:lstStyle/>
+            <a:p>
+              <a:pPr algn="ctr"/>
+              <a:endParaRPr lang="en-US"/>
+            </a:p>
+          </p:txBody>
+        </p:sp>
+        <p:sp>
+          <p:nvSpPr>
+            <p:cNvPr id="29" name="Oval 28"/>
+            <p:cNvSpPr>
+              <a:spLocks noChangeAspect="1"/>
+            </p:cNvSpPr>
+            <p:nvPr/>
+          </p:nvSpPr>
+          <p:spPr>
+            <a:xfrm>
+              <a:off x="6009001" y="2893202"/>
+              <a:ext cx="64008" cy="64008"/>
+            </a:xfrm>
+            <a:prstGeom prst="ellipse">
+              <a:avLst/>
+            </a:prstGeom>
+            <a:solidFill>
+              <a:schemeClr val="tx1"/>
+            </a:solidFill>
+            <a:ln>
+              <a:noFill/>
+            </a:ln>
+          </p:spPr>
+          <p:style>
+            <a:lnRef idx="2">
+              <a:schemeClr val="accent1">
+                <a:shade val="50000"/>
+              </a:schemeClr>
+            </a:lnRef>
+            <a:fillRef idx="1">
+              <a:schemeClr val="accent1"/>
+            </a:fillRef>
+            <a:effectRef idx="0">
+              <a:schemeClr val="accent1"/>
+            </a:effectRef>
+            <a:fontRef idx="minor">
+              <a:schemeClr val="lt1"/>
+            </a:fontRef>
+          </p:style>
+          <p:txBody>
+            <a:bodyPr rtlCol="0" anchor="ctr"/>
+            <a:lstStyle/>
+            <a:p>
+              <a:pPr algn="ctr"/>
+              <a:endParaRPr lang="en-US"/>
+            </a:p>
+          </p:txBody>
+        </p:sp>
+        <p:sp>
+          <p:nvSpPr>
+            <p:cNvPr id="30" name="Oval 29"/>
+            <p:cNvSpPr>
+              <a:spLocks noChangeAspect="1"/>
+            </p:cNvSpPr>
+            <p:nvPr/>
+          </p:nvSpPr>
+          <p:spPr>
+            <a:xfrm>
+              <a:off x="6170291" y="2916062"/>
+              <a:ext cx="64008" cy="64008"/>
+            </a:xfrm>
+            <a:prstGeom prst="ellipse">
+              <a:avLst/>
+            </a:prstGeom>
+            <a:solidFill>
+              <a:schemeClr val="tx1"/>
+            </a:solidFill>
+            <a:ln>
+              <a:noFill/>
+            </a:ln>
+          </p:spPr>
+          <p:style>
+            <a:lnRef idx="2">
+              <a:schemeClr val="accent1">
+                <a:shade val="50000"/>
+              </a:schemeClr>
+            </a:lnRef>
+            <a:fillRef idx="1">
+              <a:schemeClr val="accent1"/>
+            </a:fillRef>
+            <a:effectRef idx="0">
+              <a:schemeClr val="accent1"/>
+            </a:effectRef>
+            <a:fontRef idx="minor">
+              <a:schemeClr val="lt1"/>
+            </a:fontRef>
+          </p:style>
+          <p:txBody>
+            <a:bodyPr rtlCol="0" anchor="ctr"/>
+            <a:lstStyle/>
+            <a:p>
+              <a:pPr algn="ctr"/>
+              <a:endParaRPr lang="en-US"/>
+            </a:p>
+          </p:txBody>
+        </p:sp>
+        <p:sp>
+          <p:nvSpPr>
+            <p:cNvPr id="31" name="Oval 30"/>
+            <p:cNvSpPr>
+              <a:spLocks noChangeAspect="1"/>
+            </p:cNvSpPr>
+            <p:nvPr/>
+          </p:nvSpPr>
+          <p:spPr>
+            <a:xfrm>
+              <a:off x="6317095" y="2668951"/>
+              <a:ext cx="64008" cy="64008"/>
+            </a:xfrm>
+            <a:prstGeom prst="ellipse">
+              <a:avLst/>
+            </a:prstGeom>
+            <a:solidFill>
+              <a:schemeClr val="tx1"/>
+            </a:solidFill>
+            <a:ln>
+              <a:noFill/>
+            </a:ln>
+          </p:spPr>
+          <p:style>
+            <a:lnRef idx="2">
+              <a:schemeClr val="accent1">
+                <a:shade val="50000"/>
+              </a:schemeClr>
+            </a:lnRef>
+            <a:fillRef idx="1">
+              <a:schemeClr val="accent1"/>
+            </a:fillRef>
+            <a:effectRef idx="0">
+              <a:schemeClr val="accent1"/>
+            </a:effectRef>
+            <a:fontRef idx="minor">
+              <a:schemeClr val="lt1"/>
+            </a:fontRef>
+          </p:style>
+          <p:txBody>
+            <a:bodyPr rtlCol="0" anchor="ctr"/>
+            <a:lstStyle/>
+            <a:p>
+              <a:pPr algn="ctr"/>
+              <a:endParaRPr lang="en-US"/>
+            </a:p>
+          </p:txBody>
+        </p:sp>
+        <p:sp>
+          <p:nvSpPr>
+            <p:cNvPr id="32" name="Oval 31"/>
+            <p:cNvSpPr>
+              <a:spLocks noChangeAspect="1"/>
+            </p:cNvSpPr>
+            <p:nvPr/>
+          </p:nvSpPr>
+          <p:spPr>
+            <a:xfrm>
+              <a:off x="6514461" y="2692279"/>
+              <a:ext cx="64008" cy="64008"/>
+            </a:xfrm>
+            <a:prstGeom prst="ellipse">
+              <a:avLst/>
+            </a:prstGeom>
+            <a:solidFill>
+              <a:schemeClr val="tx1"/>
+            </a:solidFill>
+            <a:ln>
+              <a:noFill/>
+            </a:ln>
+          </p:spPr>
+          <p:style>
+            <a:lnRef idx="2">
+              <a:schemeClr val="accent1">
+                <a:shade val="50000"/>
+              </a:schemeClr>
+            </a:lnRef>
+            <a:fillRef idx="1">
+              <a:schemeClr val="accent1"/>
+            </a:fillRef>
+            <a:effectRef idx="0">
+              <a:schemeClr val="accent1"/>
+            </a:effectRef>
+            <a:fontRef idx="minor">
+              <a:schemeClr val="lt1"/>
+            </a:fontRef>
+          </p:style>
+          <p:txBody>
+            <a:bodyPr rtlCol="0" anchor="ctr"/>
+            <a:lstStyle/>
+            <a:p>
+              <a:pPr algn="ctr"/>
+              <a:endParaRPr lang="en-US"/>
+            </a:p>
+          </p:txBody>
+        </p:sp>
+        <p:sp>
+          <p:nvSpPr>
+            <p:cNvPr id="33" name="Oval 32"/>
+            <p:cNvSpPr>
+              <a:spLocks noChangeAspect="1"/>
+            </p:cNvSpPr>
+            <p:nvPr/>
+          </p:nvSpPr>
+          <p:spPr>
+            <a:xfrm>
+              <a:off x="7071297" y="2207427"/>
+              <a:ext cx="64008" cy="64008"/>
+            </a:xfrm>
+            <a:prstGeom prst="ellipse">
+              <a:avLst/>
+            </a:prstGeom>
+            <a:solidFill>
+              <a:schemeClr val="tx1"/>
+            </a:solidFill>
+            <a:ln>
+              <a:noFill/>
+            </a:ln>
+          </p:spPr>
+          <p:style>
+            <a:lnRef idx="2">
+              <a:schemeClr val="accent1">
+                <a:shade val="50000"/>
+              </a:schemeClr>
+            </a:lnRef>
+            <a:fillRef idx="1">
+              <a:schemeClr val="accent1"/>
+            </a:fillRef>
+            <a:effectRef idx="0">
+              <a:schemeClr val="accent1"/>
+            </a:effectRef>
+            <a:fontRef idx="minor">
+              <a:schemeClr val="lt1"/>
+            </a:fontRef>
+          </p:style>
+          <p:txBody>
+            <a:bodyPr rtlCol="0" anchor="ctr"/>
+            <a:lstStyle/>
+            <a:p>
+              <a:pPr algn="ctr"/>
+              <a:endParaRPr lang="en-US"/>
+            </a:p>
+          </p:txBody>
+        </p:sp>
+        <p:sp>
+          <p:nvSpPr>
+            <p:cNvPr id="34" name="Oval 33"/>
+            <p:cNvSpPr>
+              <a:spLocks noChangeAspect="1"/>
+            </p:cNvSpPr>
+            <p:nvPr/>
+          </p:nvSpPr>
+          <p:spPr>
+            <a:xfrm>
+              <a:off x="6972415" y="2484801"/>
+              <a:ext cx="64008" cy="64008"/>
+            </a:xfrm>
+            <a:prstGeom prst="ellipse">
+              <a:avLst/>
+            </a:prstGeom>
+            <a:solidFill>
+              <a:schemeClr val="tx1"/>
+            </a:solidFill>
+            <a:ln>
+              <a:noFill/>
+            </a:ln>
+          </p:spPr>
+          <p:style>
+            <a:lnRef idx="2">
+              <a:schemeClr val="accent1">
+                <a:shade val="50000"/>
+              </a:schemeClr>
+            </a:lnRef>
+            <a:fillRef idx="1">
+              <a:schemeClr val="accent1"/>
+            </a:fillRef>
+            <a:effectRef idx="0">
+              <a:schemeClr val="accent1"/>
+            </a:effectRef>
+            <a:fontRef idx="minor">
+              <a:schemeClr val="lt1"/>
+            </a:fontRef>
+          </p:style>
+          <p:txBody>
+            <a:bodyPr rtlCol="0" anchor="ctr"/>
+            <a:lstStyle/>
+            <a:p>
+              <a:pPr algn="ctr"/>
+              <a:endParaRPr lang="en-US"/>
+            </a:p>
+          </p:txBody>
+        </p:sp>
+        <p:sp>
+          <p:nvSpPr>
+            <p:cNvPr id="35" name="Oval 34"/>
+            <p:cNvSpPr>
+              <a:spLocks noChangeAspect="1"/>
+            </p:cNvSpPr>
+            <p:nvPr/>
+          </p:nvSpPr>
+          <p:spPr>
+            <a:xfrm>
+              <a:off x="7372465" y="2133491"/>
+              <a:ext cx="64008" cy="64008"/>
+            </a:xfrm>
+            <a:prstGeom prst="ellipse">
+              <a:avLst/>
+            </a:prstGeom>
+            <a:solidFill>
+              <a:schemeClr val="tx1"/>
+            </a:solidFill>
+            <a:ln>
+              <a:noFill/>
+            </a:ln>
+          </p:spPr>
+          <p:style>
+            <a:lnRef idx="2">
+              <a:schemeClr val="accent1">
+                <a:shade val="50000"/>
+              </a:schemeClr>
+            </a:lnRef>
+            <a:fillRef idx="1">
+              <a:schemeClr val="accent1"/>
+            </a:fillRef>
+            <a:effectRef idx="0">
+              <a:schemeClr val="accent1"/>
+            </a:effectRef>
+            <a:fontRef idx="minor">
+              <a:schemeClr val="lt1"/>
+            </a:fontRef>
+          </p:style>
+          <p:txBody>
+            <a:bodyPr rtlCol="0" anchor="ctr"/>
+            <a:lstStyle/>
+            <a:p>
+              <a:pPr algn="ctr"/>
+              <a:endParaRPr lang="en-US"/>
+            </a:p>
+          </p:txBody>
+        </p:sp>
+        <p:sp>
+          <p:nvSpPr>
+            <p:cNvPr id="36" name="Oval 35"/>
+            <p:cNvSpPr>
+              <a:spLocks noChangeAspect="1"/>
+            </p:cNvSpPr>
+            <p:nvPr/>
+          </p:nvSpPr>
+          <p:spPr>
+            <a:xfrm>
+              <a:off x="7418185" y="2298593"/>
+              <a:ext cx="64008" cy="64008"/>
+            </a:xfrm>
+            <a:prstGeom prst="ellipse">
+              <a:avLst/>
+            </a:prstGeom>
+            <a:solidFill>
+              <a:schemeClr val="tx1"/>
+            </a:solidFill>
+            <a:ln>
+              <a:noFill/>
+            </a:ln>
+          </p:spPr>
+          <p:style>
+            <a:lnRef idx="2">
+              <a:schemeClr val="accent1">
+                <a:shade val="50000"/>
+              </a:schemeClr>
+            </a:lnRef>
+            <a:fillRef idx="1">
+              <a:schemeClr val="accent1"/>
+            </a:fillRef>
+            <a:effectRef idx="0">
+              <a:schemeClr val="accent1"/>
+            </a:effectRef>
+            <a:fontRef idx="minor">
+              <a:schemeClr val="lt1"/>
+            </a:fontRef>
+          </p:style>
+          <p:txBody>
+            <a:bodyPr rtlCol="0" anchor="ctr"/>
+            <a:lstStyle/>
+            <a:p>
+              <a:pPr algn="ctr"/>
+              <a:endParaRPr lang="en-US"/>
+            </a:p>
+          </p:txBody>
+        </p:sp>
+        <p:sp>
+          <p:nvSpPr>
+            <p:cNvPr id="37" name="Oval 36"/>
+            <p:cNvSpPr>
+              <a:spLocks noChangeAspect="1"/>
+            </p:cNvSpPr>
+            <p:nvPr/>
+          </p:nvSpPr>
+          <p:spPr>
+            <a:xfrm>
+              <a:off x="6695692" y="2507661"/>
+              <a:ext cx="64008" cy="64008"/>
+            </a:xfrm>
+            <a:prstGeom prst="ellipse">
+              <a:avLst/>
+            </a:prstGeom>
+            <a:solidFill>
+              <a:schemeClr val="tx1"/>
+            </a:solidFill>
+            <a:ln>
+              <a:noFill/>
+            </a:ln>
+          </p:spPr>
+          <p:style>
+            <a:lnRef idx="2">
+              <a:schemeClr val="accent1">
+                <a:shade val="50000"/>
+              </a:schemeClr>
+            </a:lnRef>
+            <a:fillRef idx="1">
+              <a:schemeClr val="accent1"/>
+            </a:fillRef>
+            <a:effectRef idx="0">
+              <a:schemeClr val="accent1"/>
+            </a:effectRef>
+            <a:fontRef idx="minor">
+              <a:schemeClr val="lt1"/>
+            </a:fontRef>
+          </p:style>
+          <p:txBody>
+            <a:bodyPr rtlCol="0" anchor="ctr"/>
+            <a:lstStyle/>
+            <a:p>
+              <a:pPr algn="ctr"/>
+              <a:endParaRPr lang="en-US"/>
+            </a:p>
+          </p:txBody>
+        </p:sp>
+        <p:sp>
+          <p:nvSpPr>
+            <p:cNvPr id="38" name="Oval 37"/>
+            <p:cNvSpPr>
+              <a:spLocks noChangeAspect="1"/>
+            </p:cNvSpPr>
+            <p:nvPr/>
+          </p:nvSpPr>
+          <p:spPr>
+            <a:xfrm>
+              <a:off x="6468741" y="2826848"/>
+              <a:ext cx="64008" cy="64008"/>
+            </a:xfrm>
+            <a:prstGeom prst="ellipse">
+              <a:avLst/>
+            </a:prstGeom>
+            <a:solidFill>
+              <a:schemeClr val="tx1"/>
+            </a:solidFill>
+            <a:ln>
+              <a:noFill/>
+            </a:ln>
+          </p:spPr>
+          <p:style>
+            <a:lnRef idx="2">
+              <a:schemeClr val="accent1">
+                <a:shade val="50000"/>
+              </a:schemeClr>
+            </a:lnRef>
+            <a:fillRef idx="1">
+              <a:schemeClr val="accent1"/>
+            </a:fillRef>
+            <a:effectRef idx="0">
+              <a:schemeClr val="accent1"/>
+            </a:effectRef>
+            <a:fontRef idx="minor">
+              <a:schemeClr val="lt1"/>
+            </a:fontRef>
+          </p:style>
+          <p:txBody>
+            <a:bodyPr rtlCol="0" anchor="ctr"/>
+            <a:lstStyle/>
+            <a:p>
+              <a:pPr algn="ctr"/>
+              <a:endParaRPr lang="en-US"/>
+            </a:p>
+          </p:txBody>
+        </p:sp>
+        <p:cxnSp>
+          <p:nvCxnSpPr>
+            <p:cNvPr id="39" name="Straight Connector 38"/>
+            <p:cNvCxnSpPr/>
+            <p:nvPr/>
+          </p:nvCxnSpPr>
+          <p:spPr>
+            <a:xfrm flipV="1">
+              <a:off x="5366744" y="1818051"/>
+              <a:ext cx="2930228" cy="1436560"/>
+            </a:xfrm>
+            <a:prstGeom prst="line">
+              <a:avLst/>
+            </a:prstGeom>
+            <a:ln w="12700">
+              <a:solidFill>
+                <a:schemeClr val="tx1"/>
+              </a:solidFill>
+            </a:ln>
+          </p:spPr>
+          <p:style>
+            <a:lnRef idx="1">
+              <a:schemeClr val="accent1"/>
+            </a:lnRef>
+            <a:fillRef idx="0">
+              <a:schemeClr val="accent1"/>
+            </a:fillRef>
+            <a:effectRef idx="0">
+              <a:schemeClr val="accent1"/>
+            </a:effectRef>
+            <a:fontRef idx="minor">
+              <a:schemeClr val="tx1"/>
+            </a:fontRef>
+          </p:style>
+        </p:cxnSp>
+        <p:sp>
+          <p:nvSpPr>
+            <p:cNvPr id="40" name="Oval 39"/>
+            <p:cNvSpPr>
+              <a:spLocks noChangeAspect="1"/>
+            </p:cNvSpPr>
+            <p:nvPr/>
+          </p:nvSpPr>
+          <p:spPr>
+            <a:xfrm>
+              <a:off x="8332407" y="1823131"/>
+              <a:ext cx="64008" cy="64008"/>
+            </a:xfrm>
+            <a:prstGeom prst="ellipse">
+              <a:avLst/>
+            </a:prstGeom>
+            <a:solidFill>
+              <a:srgbClr val="FF0000"/>
+            </a:solidFill>
+            <a:ln>
+              <a:noFill/>
+            </a:ln>
+          </p:spPr>
+          <p:style>
+            <a:lnRef idx="2">
+              <a:schemeClr val="accent1">
+                <a:shade val="50000"/>
+              </a:schemeClr>
+            </a:lnRef>
+            <a:fillRef idx="1">
+              <a:schemeClr val="accent1"/>
+            </a:fillRef>
+            <a:effectRef idx="0">
+              <a:schemeClr val="accent1"/>
+            </a:effectRef>
+            <a:fontRef idx="minor">
+              <a:schemeClr val="lt1"/>
+            </a:fontRef>
+          </p:style>
+          <p:txBody>
+            <a:bodyPr rtlCol="0" anchor="ctr"/>
+            <a:lstStyle/>
+            <a:p>
+              <a:pPr algn="ctr"/>
+              <a:endParaRPr lang="en-US"/>
+            </a:p>
+          </p:txBody>
+        </p:sp>
+        <p:cxnSp>
+          <p:nvCxnSpPr>
+            <p:cNvPr id="49" name="Straight Arrow Connector 48"/>
+            <p:cNvCxnSpPr/>
+            <p:nvPr/>
+          </p:nvCxnSpPr>
+          <p:spPr>
+            <a:xfrm flipV="1">
+              <a:off x="8758036" y="951068"/>
+              <a:ext cx="0" cy="2571184"/>
+            </a:xfrm>
+            <a:prstGeom prst="straightConnector1">
+              <a:avLst/>
+            </a:prstGeom>
+            <a:ln>
+              <a:solidFill>
+                <a:schemeClr val="tx1"/>
+              </a:solidFill>
+              <a:tailEnd type="triangle"/>
+            </a:ln>
+          </p:spPr>
+          <p:style>
+            <a:lnRef idx="1">
+              <a:schemeClr val="accent1"/>
+            </a:lnRef>
+            <a:fillRef idx="0">
+              <a:schemeClr val="accent1"/>
+            </a:fillRef>
+            <a:effectRef idx="0">
+              <a:schemeClr val="accent1"/>
+            </a:effectRef>
+            <a:fontRef idx="minor">
+              <a:schemeClr val="tx1"/>
+            </a:fontRef>
+          </p:style>
+        </p:cxnSp>
+        <p:cxnSp>
+          <p:nvCxnSpPr>
+            <p:cNvPr id="50" name="Straight Arrow Connector 49"/>
+            <p:cNvCxnSpPr/>
+            <p:nvPr/>
+          </p:nvCxnSpPr>
+          <p:spPr>
+            <a:xfrm>
+              <a:off x="8758036" y="3531306"/>
+              <a:ext cx="2844174" cy="0"/>
+            </a:xfrm>
+            <a:prstGeom prst="straightConnector1">
+              <a:avLst/>
+            </a:prstGeom>
+            <a:ln>
+              <a:solidFill>
+                <a:schemeClr val="tx1"/>
+              </a:solidFill>
+              <a:tailEnd type="triangle"/>
+            </a:ln>
+          </p:spPr>
+          <p:style>
+            <a:lnRef idx="1">
+              <a:schemeClr val="accent1"/>
+            </a:lnRef>
+            <a:fillRef idx="0">
+              <a:schemeClr val="accent1"/>
+            </a:fillRef>
+            <a:effectRef idx="0">
+              <a:schemeClr val="accent1"/>
+            </a:effectRef>
+            <a:fontRef idx="minor">
+              <a:schemeClr val="tx1"/>
+            </a:fontRef>
+          </p:style>
+        </p:cxnSp>
+        <mc:AlternateContent xmlns:mc="http://schemas.openxmlformats.org/markup-compatibility/2006">
+          <mc:Choice xmlns:a14="http://schemas.microsoft.com/office/drawing/2010/main" Requires="a14">
+            <p:sp>
+              <p:nvSpPr>
+                <p:cNvPr id="51" name="TextBox 50"/>
+                <p:cNvSpPr txBox="1"/>
+                <p:nvPr/>
+              </p:nvSpPr>
+              <p:spPr>
+                <a:xfrm>
+                  <a:off x="10107001" y="3540361"/>
+                  <a:ext cx="367985" cy="369332"/>
+                </a:xfrm>
+                <a:prstGeom prst="rect">
+                  <a:avLst/>
+                </a:prstGeom>
+                <a:noFill/>
+              </p:spPr>
+              <p:txBody>
+                <a:bodyPr wrap="none" rtlCol="0">
+                  <a:spAutoFit/>
+                </a:bodyPr>
+                <a:lstStyle/>
+                <a:p>
+                  <a14:m>
+                    <m:oMathPara xmlns:m="http://schemas.openxmlformats.org/officeDocument/2006/math">
+                      <m:oMathParaPr>
+                        <m:jc m:val="centerGroup"/>
+                      </m:oMathParaPr>
+                      <m:oMath xmlns:m="http://schemas.openxmlformats.org/officeDocument/2006/math">
+                        <m:r>
+                          <a:rPr lang="en-US" b="0" i="1" smtClean="0">
+                            <a:latin typeface="Cambria Math" panose="02040503050406030204" pitchFamily="18" charset="0"/>
+                          </a:rPr>
+                          <m:t>𝑥</m:t>
+                        </m:r>
+                      </m:oMath>
+                    </m:oMathPara>
+                  </a14:m>
+                  <a:endParaRPr lang="en-US" dirty="0"/>
+                </a:p>
+              </p:txBody>
+            </p:sp>
+          </mc:Choice>
+          <mc:Fallback>
+            <p:sp>
+              <p:nvSpPr>
+                <p:cNvPr id="51" name="TextBox 50"/>
+                <p:cNvSpPr txBox="1">
+                  <a:spLocks noRot="1" noChangeAspect="1" noMove="1" noResize="1" noEditPoints="1" noAdjustHandles="1" noChangeArrowheads="1" noChangeShapeType="1" noTextEdit="1"/>
+                </p:cNvSpPr>
+                <p:nvPr/>
+              </p:nvSpPr>
+              <p:spPr>
+                <a:xfrm>
+                  <a:off x="10107001" y="3540361"/>
+                  <a:ext cx="367985" cy="369332"/>
+                </a:xfrm>
+                <a:prstGeom prst="rect">
+                  <a:avLst/>
+                </a:prstGeom>
+                <a:blipFill rotWithShape="0">
+                  <a:blip r:embed="rId6"/>
+                  <a:stretch>
+                    <a:fillRect/>
+                  </a:stretch>
+                </a:blipFill>
+              </p:spPr>
+              <p:txBody>
+                <a:bodyPr/>
+                <a:lstStyle/>
+                <a:p>
+                  <a:r>
+                    <a:rPr lang="en-US">
+                      <a:noFill/>
+                    </a:rPr>
+                    <a:t> </a:t>
+                  </a:r>
+                </a:p>
+              </p:txBody>
+            </p:sp>
+          </mc:Fallback>
+        </mc:AlternateContent>
+        <mc:AlternateContent xmlns:mc="http://schemas.openxmlformats.org/markup-compatibility/2006">
+          <mc:Choice xmlns:a14="http://schemas.microsoft.com/office/drawing/2010/main" Requires="a14">
+            <p:sp>
+              <p:nvSpPr>
+                <p:cNvPr id="52" name="TextBox 51"/>
+                <p:cNvSpPr txBox="1"/>
+                <p:nvPr/>
+              </p:nvSpPr>
+              <p:spPr>
+                <a:xfrm>
+                  <a:off x="8386843" y="1963549"/>
+                  <a:ext cx="367985" cy="369332"/>
+                </a:xfrm>
+                <a:prstGeom prst="rect">
+                  <a:avLst/>
+                </a:prstGeom>
+                <a:noFill/>
+              </p:spPr>
+              <p:txBody>
+                <a:bodyPr wrap="none" rtlCol="0">
+                  <a:spAutoFit/>
+                </a:bodyPr>
+                <a:lstStyle/>
+                <a:p>
+                  <a14:m>
+                    <m:oMathPara xmlns:m="http://schemas.openxmlformats.org/officeDocument/2006/math">
+                      <m:oMathParaPr>
+                        <m:jc m:val="centerGroup"/>
+                      </m:oMathParaPr>
+                      <m:oMath xmlns:m="http://schemas.openxmlformats.org/officeDocument/2006/math">
+                        <m:r>
+                          <a:rPr lang="en-US" b="0" i="1" smtClean="0">
+                            <a:latin typeface="Cambria Math" panose="02040503050406030204" pitchFamily="18" charset="0"/>
+                          </a:rPr>
+                          <m:t>𝑦</m:t>
+                        </m:r>
+                      </m:oMath>
+                    </m:oMathPara>
+                  </a14:m>
+                  <a:endParaRPr lang="en-US" dirty="0"/>
+                </a:p>
+              </p:txBody>
+            </p:sp>
+          </mc:Choice>
+          <mc:Fallback>
+            <p:sp>
+              <p:nvSpPr>
+                <p:cNvPr id="52" name="TextBox 51"/>
+                <p:cNvSpPr txBox="1">
+                  <a:spLocks noRot="1" noChangeAspect="1" noMove="1" noResize="1" noEditPoints="1" noAdjustHandles="1" noChangeArrowheads="1" noChangeShapeType="1" noTextEdit="1"/>
+                </p:cNvSpPr>
+                <p:nvPr/>
+              </p:nvSpPr>
+              <p:spPr>
+                <a:xfrm>
+                  <a:off x="8386843" y="1963549"/>
+                  <a:ext cx="367985" cy="369332"/>
+                </a:xfrm>
+                <a:prstGeom prst="rect">
+                  <a:avLst/>
+                </a:prstGeom>
+                <a:blipFill rotWithShape="0">
+                  <a:blip r:embed="rId7"/>
+                  <a:stretch>
+                    <a:fillRect b="-6557"/>
+                  </a:stretch>
+                </a:blipFill>
+              </p:spPr>
+              <p:txBody>
+                <a:bodyPr/>
+                <a:lstStyle/>
+                <a:p>
+                  <a:r>
+                    <a:rPr lang="en-US">
+                      <a:noFill/>
+                    </a:rPr>
+                    <a:t> </a:t>
+                  </a:r>
+                </a:p>
+              </p:txBody>
+            </p:sp>
+          </mc:Fallback>
+        </mc:AlternateContent>
+        <p:sp>
+          <p:nvSpPr>
+            <p:cNvPr id="53" name="Oval 52"/>
+            <p:cNvSpPr>
+              <a:spLocks noChangeAspect="1"/>
+            </p:cNvSpPr>
+            <p:nvPr/>
+          </p:nvSpPr>
+          <p:spPr>
+            <a:xfrm>
+              <a:off x="9002480" y="3169167"/>
+              <a:ext cx="64008" cy="64008"/>
+            </a:xfrm>
+            <a:prstGeom prst="ellipse">
+              <a:avLst/>
+            </a:prstGeom>
+            <a:solidFill>
+              <a:schemeClr val="tx1"/>
+            </a:solidFill>
+            <a:ln>
+              <a:noFill/>
+            </a:ln>
+          </p:spPr>
+          <p:style>
+            <a:lnRef idx="2">
+              <a:schemeClr val="accent1">
+                <a:shade val="50000"/>
+              </a:schemeClr>
+            </a:lnRef>
+            <a:fillRef idx="1">
+              <a:schemeClr val="accent1"/>
+            </a:fillRef>
+            <a:effectRef idx="0">
+              <a:schemeClr val="accent1"/>
+            </a:effectRef>
+            <a:fontRef idx="minor">
+              <a:schemeClr val="lt1"/>
+            </a:fontRef>
+          </p:style>
+          <p:txBody>
+            <a:bodyPr rtlCol="0" anchor="ctr"/>
+            <a:lstStyle/>
+            <a:p>
+              <a:pPr algn="ctr"/>
+              <a:endParaRPr lang="en-US"/>
+            </a:p>
+          </p:txBody>
+        </p:sp>
+        <p:sp>
+          <p:nvSpPr>
+            <p:cNvPr id="54" name="Oval 53"/>
+            <p:cNvSpPr>
+              <a:spLocks noChangeAspect="1"/>
+            </p:cNvSpPr>
+            <p:nvPr/>
+          </p:nvSpPr>
+          <p:spPr>
+            <a:xfrm>
+              <a:off x="9261560" y="3051247"/>
+              <a:ext cx="64008" cy="64008"/>
+            </a:xfrm>
+            <a:prstGeom prst="ellipse">
+              <a:avLst/>
+            </a:prstGeom>
+            <a:solidFill>
+              <a:schemeClr val="tx1"/>
+            </a:solidFill>
+            <a:ln>
+              <a:noFill/>
+            </a:ln>
+          </p:spPr>
+          <p:style>
+            <a:lnRef idx="2">
+              <a:schemeClr val="accent1">
+                <a:shade val="50000"/>
+              </a:schemeClr>
+            </a:lnRef>
+            <a:fillRef idx="1">
+              <a:schemeClr val="accent1"/>
+            </a:fillRef>
+            <a:effectRef idx="0">
+              <a:schemeClr val="accent1"/>
+            </a:effectRef>
+            <a:fontRef idx="minor">
+              <a:schemeClr val="lt1"/>
+            </a:fontRef>
+          </p:style>
+          <p:txBody>
+            <a:bodyPr rtlCol="0" anchor="ctr"/>
+            <a:lstStyle/>
+            <a:p>
+              <a:pPr algn="ctr"/>
+              <a:endParaRPr lang="en-US"/>
+            </a:p>
+          </p:txBody>
+        </p:sp>
+        <p:sp>
+          <p:nvSpPr>
+            <p:cNvPr id="55" name="Oval 54"/>
+            <p:cNvSpPr>
+              <a:spLocks noChangeAspect="1"/>
+            </p:cNvSpPr>
+            <p:nvPr/>
+          </p:nvSpPr>
+          <p:spPr>
+            <a:xfrm>
+              <a:off x="9410666" y="2929868"/>
+              <a:ext cx="64008" cy="64008"/>
+            </a:xfrm>
+            <a:prstGeom prst="ellipse">
+              <a:avLst/>
+            </a:prstGeom>
+            <a:solidFill>
+              <a:schemeClr val="tx1"/>
+            </a:solidFill>
+            <a:ln>
+              <a:noFill/>
+            </a:ln>
+          </p:spPr>
+          <p:style>
+            <a:lnRef idx="2">
+              <a:schemeClr val="accent1">
+                <a:shade val="50000"/>
+              </a:schemeClr>
+            </a:lnRef>
+            <a:fillRef idx="1">
+              <a:schemeClr val="accent1"/>
+            </a:fillRef>
+            <a:effectRef idx="0">
+              <a:schemeClr val="accent1"/>
+            </a:effectRef>
+            <a:fontRef idx="minor">
+              <a:schemeClr val="lt1"/>
+            </a:fontRef>
+          </p:style>
+          <p:txBody>
+            <a:bodyPr rtlCol="0" anchor="ctr"/>
+            <a:lstStyle/>
+            <a:p>
+              <a:pPr algn="ctr"/>
+              <a:endParaRPr lang="en-US"/>
+            </a:p>
+          </p:txBody>
+        </p:sp>
+        <p:sp>
+          <p:nvSpPr>
+            <p:cNvPr id="56" name="Oval 55"/>
+            <p:cNvSpPr>
+              <a:spLocks noChangeAspect="1"/>
+            </p:cNvSpPr>
+            <p:nvPr/>
+          </p:nvSpPr>
+          <p:spPr>
+            <a:xfrm>
+              <a:off x="9571956" y="2952728"/>
+              <a:ext cx="64008" cy="64008"/>
+            </a:xfrm>
+            <a:prstGeom prst="ellipse">
+              <a:avLst/>
+            </a:prstGeom>
+            <a:solidFill>
+              <a:schemeClr val="tx1"/>
+            </a:solidFill>
+            <a:ln>
+              <a:noFill/>
+            </a:ln>
+          </p:spPr>
+          <p:style>
+            <a:lnRef idx="2">
+              <a:schemeClr val="accent1">
+                <a:shade val="50000"/>
+              </a:schemeClr>
+            </a:lnRef>
+            <a:fillRef idx="1">
+              <a:schemeClr val="accent1"/>
+            </a:fillRef>
+            <a:effectRef idx="0">
+              <a:schemeClr val="accent1"/>
+            </a:effectRef>
+            <a:fontRef idx="minor">
+              <a:schemeClr val="lt1"/>
+            </a:fontRef>
+          </p:style>
+          <p:txBody>
+            <a:bodyPr rtlCol="0" anchor="ctr"/>
+            <a:lstStyle/>
+            <a:p>
+              <a:pPr algn="ctr"/>
+              <a:endParaRPr lang="en-US"/>
+            </a:p>
+          </p:txBody>
+        </p:sp>
+        <p:sp>
+          <p:nvSpPr>
+            <p:cNvPr id="57" name="Oval 56"/>
+            <p:cNvSpPr>
+              <a:spLocks noChangeAspect="1"/>
+            </p:cNvSpPr>
+            <p:nvPr/>
+          </p:nvSpPr>
+          <p:spPr>
+            <a:xfrm>
+              <a:off x="9718760" y="2705617"/>
+              <a:ext cx="64008" cy="64008"/>
+            </a:xfrm>
+            <a:prstGeom prst="ellipse">
+              <a:avLst/>
+            </a:prstGeom>
+            <a:solidFill>
+              <a:schemeClr val="tx1"/>
+            </a:solidFill>
+            <a:ln>
+              <a:noFill/>
+            </a:ln>
+          </p:spPr>
+          <p:style>
+            <a:lnRef idx="2">
+              <a:schemeClr val="accent1">
+                <a:shade val="50000"/>
+              </a:schemeClr>
+            </a:lnRef>
+            <a:fillRef idx="1">
+              <a:schemeClr val="accent1"/>
+            </a:fillRef>
+            <a:effectRef idx="0">
+              <a:schemeClr val="accent1"/>
+            </a:effectRef>
+            <a:fontRef idx="minor">
+              <a:schemeClr val="lt1"/>
+            </a:fontRef>
+          </p:style>
+          <p:txBody>
+            <a:bodyPr rtlCol="0" anchor="ctr"/>
+            <a:lstStyle/>
+            <a:p>
+              <a:pPr algn="ctr"/>
+              <a:endParaRPr lang="en-US"/>
+            </a:p>
+          </p:txBody>
+        </p:sp>
+        <p:sp>
+          <p:nvSpPr>
+            <p:cNvPr id="58" name="Oval 57"/>
+            <p:cNvSpPr>
+              <a:spLocks noChangeAspect="1"/>
+            </p:cNvSpPr>
+            <p:nvPr/>
+          </p:nvSpPr>
+          <p:spPr>
+            <a:xfrm>
+              <a:off x="9916126" y="2728945"/>
+              <a:ext cx="64008" cy="64008"/>
+            </a:xfrm>
+            <a:prstGeom prst="ellipse">
+              <a:avLst/>
+            </a:prstGeom>
+            <a:solidFill>
+              <a:schemeClr val="tx1"/>
+            </a:solidFill>
+            <a:ln>
+              <a:noFill/>
+            </a:ln>
+          </p:spPr>
+          <p:style>
+            <a:lnRef idx="2">
+              <a:schemeClr val="accent1">
+                <a:shade val="50000"/>
+              </a:schemeClr>
+            </a:lnRef>
+            <a:fillRef idx="1">
+              <a:schemeClr val="accent1"/>
+            </a:fillRef>
+            <a:effectRef idx="0">
+              <a:schemeClr val="accent1"/>
+            </a:effectRef>
+            <a:fontRef idx="minor">
+              <a:schemeClr val="lt1"/>
+            </a:fontRef>
+          </p:style>
+          <p:txBody>
+            <a:bodyPr rtlCol="0" anchor="ctr"/>
+            <a:lstStyle/>
+            <a:p>
+              <a:pPr algn="ctr"/>
+              <a:endParaRPr lang="en-US"/>
+            </a:p>
+          </p:txBody>
+        </p:sp>
+        <p:sp>
+          <p:nvSpPr>
+            <p:cNvPr id="59" name="Oval 58"/>
+            <p:cNvSpPr>
+              <a:spLocks noChangeAspect="1"/>
+            </p:cNvSpPr>
+            <p:nvPr/>
+          </p:nvSpPr>
+          <p:spPr>
+            <a:xfrm>
+              <a:off x="10472962" y="2244093"/>
+              <a:ext cx="64008" cy="64008"/>
+            </a:xfrm>
+            <a:prstGeom prst="ellipse">
+              <a:avLst/>
+            </a:prstGeom>
+            <a:solidFill>
+              <a:schemeClr val="tx1"/>
+            </a:solidFill>
+            <a:ln>
+              <a:noFill/>
+            </a:ln>
+          </p:spPr>
+          <p:style>
+            <a:lnRef idx="2">
+              <a:schemeClr val="accent1">
+                <a:shade val="50000"/>
+              </a:schemeClr>
+            </a:lnRef>
+            <a:fillRef idx="1">
+              <a:schemeClr val="accent1"/>
+            </a:fillRef>
+            <a:effectRef idx="0">
+              <a:schemeClr val="accent1"/>
+            </a:effectRef>
+            <a:fontRef idx="minor">
+              <a:schemeClr val="lt1"/>
+            </a:fontRef>
+          </p:style>
+          <p:txBody>
+            <a:bodyPr rtlCol="0" anchor="ctr"/>
+            <a:lstStyle/>
+            <a:p>
+              <a:pPr algn="ctr"/>
+              <a:endParaRPr lang="en-US"/>
+            </a:p>
+          </p:txBody>
+        </p:sp>
+        <p:sp>
+          <p:nvSpPr>
+            <p:cNvPr id="60" name="Oval 59"/>
+            <p:cNvSpPr>
+              <a:spLocks noChangeAspect="1"/>
+            </p:cNvSpPr>
+            <p:nvPr/>
+          </p:nvSpPr>
+          <p:spPr>
+            <a:xfrm>
+              <a:off x="10374080" y="2521467"/>
+              <a:ext cx="64008" cy="64008"/>
+            </a:xfrm>
+            <a:prstGeom prst="ellipse">
+              <a:avLst/>
+            </a:prstGeom>
+            <a:solidFill>
+              <a:schemeClr val="tx1"/>
+            </a:solidFill>
+            <a:ln>
+              <a:noFill/>
+            </a:ln>
+          </p:spPr>
+          <p:style>
+            <a:lnRef idx="2">
+              <a:schemeClr val="accent1">
+                <a:shade val="50000"/>
+              </a:schemeClr>
+            </a:lnRef>
+            <a:fillRef idx="1">
+              <a:schemeClr val="accent1"/>
+            </a:fillRef>
+            <a:effectRef idx="0">
+              <a:schemeClr val="accent1"/>
+            </a:effectRef>
+            <a:fontRef idx="minor">
+              <a:schemeClr val="lt1"/>
+            </a:fontRef>
+          </p:style>
+          <p:txBody>
+            <a:bodyPr rtlCol="0" anchor="ctr"/>
+            <a:lstStyle/>
+            <a:p>
+              <a:pPr algn="ctr"/>
+              <a:endParaRPr lang="en-US"/>
+            </a:p>
+          </p:txBody>
+        </p:sp>
+        <p:sp>
+          <p:nvSpPr>
+            <p:cNvPr id="61" name="Oval 60"/>
+            <p:cNvSpPr>
+              <a:spLocks noChangeAspect="1"/>
+            </p:cNvSpPr>
+            <p:nvPr/>
+          </p:nvSpPr>
+          <p:spPr>
+            <a:xfrm>
+              <a:off x="10774130" y="2170157"/>
+              <a:ext cx="64008" cy="64008"/>
+            </a:xfrm>
+            <a:prstGeom prst="ellipse">
+              <a:avLst/>
+            </a:prstGeom>
+            <a:solidFill>
+              <a:schemeClr val="tx1"/>
+            </a:solidFill>
+            <a:ln>
+              <a:noFill/>
+            </a:ln>
+          </p:spPr>
+          <p:style>
+            <a:lnRef idx="2">
+              <a:schemeClr val="accent1">
+                <a:shade val="50000"/>
+              </a:schemeClr>
+            </a:lnRef>
+            <a:fillRef idx="1">
+              <a:schemeClr val="accent1"/>
+            </a:fillRef>
+            <a:effectRef idx="0">
+              <a:schemeClr val="accent1"/>
+            </a:effectRef>
+            <a:fontRef idx="minor">
+              <a:schemeClr val="lt1"/>
+            </a:fontRef>
+          </p:style>
+          <p:txBody>
+            <a:bodyPr rtlCol="0" anchor="ctr"/>
+            <a:lstStyle/>
+            <a:p>
+              <a:pPr algn="ctr"/>
+              <a:endParaRPr lang="en-US"/>
+            </a:p>
+          </p:txBody>
+        </p:sp>
+        <p:sp>
+          <p:nvSpPr>
+            <p:cNvPr id="62" name="Oval 61"/>
+            <p:cNvSpPr>
+              <a:spLocks noChangeAspect="1"/>
+            </p:cNvSpPr>
+            <p:nvPr/>
+          </p:nvSpPr>
+          <p:spPr>
+            <a:xfrm>
+              <a:off x="10819850" y="2335259"/>
+              <a:ext cx="64008" cy="64008"/>
+            </a:xfrm>
+            <a:prstGeom prst="ellipse">
+              <a:avLst/>
+            </a:prstGeom>
+            <a:solidFill>
+              <a:schemeClr val="tx1"/>
+            </a:solidFill>
+            <a:ln>
+              <a:noFill/>
+            </a:ln>
+          </p:spPr>
+          <p:style>
+            <a:lnRef idx="2">
+              <a:schemeClr val="accent1">
+                <a:shade val="50000"/>
+              </a:schemeClr>
+            </a:lnRef>
+            <a:fillRef idx="1">
+              <a:schemeClr val="accent1"/>
+            </a:fillRef>
+            <a:effectRef idx="0">
+              <a:schemeClr val="accent1"/>
+            </a:effectRef>
+            <a:fontRef idx="minor">
+              <a:schemeClr val="lt1"/>
+            </a:fontRef>
+          </p:style>
+          <p:txBody>
+            <a:bodyPr rtlCol="0" anchor="ctr"/>
+            <a:lstStyle/>
+            <a:p>
+              <a:pPr algn="ctr"/>
+              <a:endParaRPr lang="en-US"/>
+            </a:p>
+          </p:txBody>
+        </p:sp>
+        <p:sp>
+          <p:nvSpPr>
+            <p:cNvPr id="63" name="Oval 62"/>
+            <p:cNvSpPr>
+              <a:spLocks noChangeAspect="1"/>
+            </p:cNvSpPr>
+            <p:nvPr/>
+          </p:nvSpPr>
+          <p:spPr>
+            <a:xfrm>
+              <a:off x="10097357" y="2544327"/>
+              <a:ext cx="64008" cy="64008"/>
+            </a:xfrm>
+            <a:prstGeom prst="ellipse">
+              <a:avLst/>
+            </a:prstGeom>
+            <a:solidFill>
+              <a:schemeClr val="tx1"/>
+            </a:solidFill>
+            <a:ln>
+              <a:noFill/>
+            </a:ln>
+          </p:spPr>
+          <p:style>
+            <a:lnRef idx="2">
+              <a:schemeClr val="accent1">
+                <a:shade val="50000"/>
+              </a:schemeClr>
+            </a:lnRef>
+            <a:fillRef idx="1">
+              <a:schemeClr val="accent1"/>
+            </a:fillRef>
+            <a:effectRef idx="0">
+              <a:schemeClr val="accent1"/>
+            </a:effectRef>
+            <a:fontRef idx="minor">
+              <a:schemeClr val="lt1"/>
+            </a:fontRef>
+          </p:style>
+          <p:txBody>
+            <a:bodyPr rtlCol="0" anchor="ctr"/>
+            <a:lstStyle/>
+            <a:p>
+              <a:pPr algn="ctr"/>
+              <a:endParaRPr lang="en-US"/>
+            </a:p>
+          </p:txBody>
+        </p:sp>
+        <p:sp>
+          <p:nvSpPr>
+            <p:cNvPr id="64" name="Oval 63"/>
+            <p:cNvSpPr>
+              <a:spLocks noChangeAspect="1"/>
+            </p:cNvSpPr>
+            <p:nvPr/>
+          </p:nvSpPr>
+          <p:spPr>
+            <a:xfrm>
+              <a:off x="9870406" y="2863514"/>
+              <a:ext cx="64008" cy="64008"/>
+            </a:xfrm>
+            <a:prstGeom prst="ellipse">
+              <a:avLst/>
+            </a:prstGeom>
+            <a:solidFill>
+              <a:schemeClr val="tx1"/>
+            </a:solidFill>
+            <a:ln>
+              <a:noFill/>
+            </a:ln>
+          </p:spPr>
+          <p:style>
+            <a:lnRef idx="2">
+              <a:schemeClr val="accent1">
+                <a:shade val="50000"/>
+              </a:schemeClr>
+            </a:lnRef>
+            <a:fillRef idx="1">
+              <a:schemeClr val="accent1"/>
+            </a:fillRef>
+            <a:effectRef idx="0">
+              <a:schemeClr val="accent1"/>
+            </a:effectRef>
+            <a:fontRef idx="minor">
+              <a:schemeClr val="lt1"/>
+            </a:fontRef>
+          </p:style>
+          <p:txBody>
+            <a:bodyPr rtlCol="0" anchor="ctr"/>
+            <a:lstStyle/>
+            <a:p>
+              <a:pPr algn="ctr"/>
+              <a:endParaRPr lang="en-US"/>
+            </a:p>
+          </p:txBody>
+        </p:sp>
+        <p:cxnSp>
+          <p:nvCxnSpPr>
+            <p:cNvPr id="65" name="Straight Connector 64"/>
+            <p:cNvCxnSpPr/>
+            <p:nvPr/>
+          </p:nvCxnSpPr>
+          <p:spPr>
+            <a:xfrm flipV="1">
+              <a:off x="8768409" y="1854717"/>
+              <a:ext cx="2930228" cy="1436560"/>
+            </a:xfrm>
+            <a:prstGeom prst="line">
+              <a:avLst/>
+            </a:prstGeom>
+            <a:ln w="12700">
+              <a:solidFill>
+                <a:schemeClr val="tx1"/>
+              </a:solidFill>
+            </a:ln>
+          </p:spPr>
+          <p:style>
+            <a:lnRef idx="1">
+              <a:schemeClr val="accent1"/>
+            </a:lnRef>
+            <a:fillRef idx="0">
+              <a:schemeClr val="accent1"/>
+            </a:fillRef>
+            <a:effectRef idx="0">
+              <a:schemeClr val="accent1"/>
+            </a:effectRef>
+            <a:fontRef idx="minor">
+              <a:schemeClr val="tx1"/>
+            </a:fontRef>
+          </p:style>
+        </p:cxnSp>
+        <p:sp>
+          <p:nvSpPr>
+            <p:cNvPr id="66" name="Oval 65"/>
+            <p:cNvSpPr>
+              <a:spLocks noChangeAspect="1"/>
+            </p:cNvSpPr>
+            <p:nvPr/>
+          </p:nvSpPr>
+          <p:spPr>
+            <a:xfrm>
+              <a:off x="11570206" y="2916062"/>
+              <a:ext cx="64008" cy="64008"/>
+            </a:xfrm>
+            <a:prstGeom prst="ellipse">
+              <a:avLst/>
+            </a:prstGeom>
+            <a:solidFill>
+              <a:srgbClr val="FF0000"/>
+            </a:solidFill>
+            <a:ln>
+              <a:noFill/>
+            </a:ln>
+          </p:spPr>
+          <p:style>
+            <a:lnRef idx="2">
+              <a:schemeClr val="accent1">
+                <a:shade val="50000"/>
+              </a:schemeClr>
+            </a:lnRef>
+            <a:fillRef idx="1">
+              <a:schemeClr val="accent1"/>
+            </a:fillRef>
+            <a:effectRef idx="0">
+              <a:schemeClr val="accent1"/>
+            </a:effectRef>
+            <a:fontRef idx="minor">
+              <a:schemeClr val="lt1"/>
+            </a:fontRef>
+          </p:style>
+          <p:txBody>
+            <a:bodyPr rtlCol="0" anchor="ctr"/>
+            <a:lstStyle/>
+            <a:p>
+              <a:pPr algn="ctr"/>
+              <a:endParaRPr lang="en-US"/>
+            </a:p>
+          </p:txBody>
+        </p:sp>
+      </p:grpSp>
+    </p:spTree>
+    <p:extLst>
+      <p:ext uri="{BB962C8B-B14F-4D97-AF65-F5344CB8AC3E}">
+        <p14:creationId xmlns:p14="http://schemas.microsoft.com/office/powerpoint/2010/main" val="1475956550"/>
       </p:ext>
     </p:extLst>
   </p:cSld>

--- a/figures/statisticalModeling/statisticalModelingFigures.pptx
+++ b/figures/statisticalModeling/statisticalModelingFigures.pptx
@@ -8,6 +8,8 @@
     <p:sldId id="257" r:id="rId2"/>
     <p:sldId id="256" r:id="rId3"/>
     <p:sldId id="258" r:id="rId4"/>
+    <p:sldId id="259" r:id="rId5"/>
+    <p:sldId id="260" r:id="rId6"/>
   </p:sldIdLst>
   <p:sldSz cx="12192000" cy="6858000"/>
   <p:notesSz cx="6858000" cy="9144000"/>
@@ -245,7 +247,7 @@
           <a:p>
             <a:fld id="{C7C35E5A-9A51-4AB7-A677-3D698A9948B7}" type="datetimeFigureOut">
               <a:rPr lang="en-US" smtClean="0"/>
-              <a:t>10/29/2018</a:t>
+              <a:t>11/17/2018</a:t>
             </a:fld>
             <a:endParaRPr lang="en-US"/>
           </a:p>
@@ -415,7 +417,7 @@
           <a:p>
             <a:fld id="{C7C35E5A-9A51-4AB7-A677-3D698A9948B7}" type="datetimeFigureOut">
               <a:rPr lang="en-US" smtClean="0"/>
-              <a:t>10/29/2018</a:t>
+              <a:t>11/17/2018</a:t>
             </a:fld>
             <a:endParaRPr lang="en-US"/>
           </a:p>
@@ -595,7 +597,7 @@
           <a:p>
             <a:fld id="{C7C35E5A-9A51-4AB7-A677-3D698A9948B7}" type="datetimeFigureOut">
               <a:rPr lang="en-US" smtClean="0"/>
-              <a:t>10/29/2018</a:t>
+              <a:t>11/17/2018</a:t>
             </a:fld>
             <a:endParaRPr lang="en-US"/>
           </a:p>
@@ -765,7 +767,7 @@
           <a:p>
             <a:fld id="{C7C35E5A-9A51-4AB7-A677-3D698A9948B7}" type="datetimeFigureOut">
               <a:rPr lang="en-US" smtClean="0"/>
-              <a:t>10/29/2018</a:t>
+              <a:t>11/17/2018</a:t>
             </a:fld>
             <a:endParaRPr lang="en-US"/>
           </a:p>
@@ -1011,7 +1013,7 @@
           <a:p>
             <a:fld id="{C7C35E5A-9A51-4AB7-A677-3D698A9948B7}" type="datetimeFigureOut">
               <a:rPr lang="en-US" smtClean="0"/>
-              <a:t>10/29/2018</a:t>
+              <a:t>11/17/2018</a:t>
             </a:fld>
             <a:endParaRPr lang="en-US"/>
           </a:p>
@@ -1243,7 +1245,7 @@
           <a:p>
             <a:fld id="{C7C35E5A-9A51-4AB7-A677-3D698A9948B7}" type="datetimeFigureOut">
               <a:rPr lang="en-US" smtClean="0"/>
-              <a:t>10/29/2018</a:t>
+              <a:t>11/17/2018</a:t>
             </a:fld>
             <a:endParaRPr lang="en-US"/>
           </a:p>
@@ -1610,7 +1612,7 @@
           <a:p>
             <a:fld id="{C7C35E5A-9A51-4AB7-A677-3D698A9948B7}" type="datetimeFigureOut">
               <a:rPr lang="en-US" smtClean="0"/>
-              <a:t>10/29/2018</a:t>
+              <a:t>11/17/2018</a:t>
             </a:fld>
             <a:endParaRPr lang="en-US"/>
           </a:p>
@@ -1728,7 +1730,7 @@
           <a:p>
             <a:fld id="{C7C35E5A-9A51-4AB7-A677-3D698A9948B7}" type="datetimeFigureOut">
               <a:rPr lang="en-US" smtClean="0"/>
-              <a:t>10/29/2018</a:t>
+              <a:t>11/17/2018</a:t>
             </a:fld>
             <a:endParaRPr lang="en-US"/>
           </a:p>
@@ -1823,7 +1825,7 @@
           <a:p>
             <a:fld id="{C7C35E5A-9A51-4AB7-A677-3D698A9948B7}" type="datetimeFigureOut">
               <a:rPr lang="en-US" smtClean="0"/>
-              <a:t>10/29/2018</a:t>
+              <a:t>11/17/2018</a:t>
             </a:fld>
             <a:endParaRPr lang="en-US"/>
           </a:p>
@@ -2100,7 +2102,7 @@
           <a:p>
             <a:fld id="{C7C35E5A-9A51-4AB7-A677-3D698A9948B7}" type="datetimeFigureOut">
               <a:rPr lang="en-US" smtClean="0"/>
-              <a:t>10/29/2018</a:t>
+              <a:t>11/17/2018</a:t>
             </a:fld>
             <a:endParaRPr lang="en-US"/>
           </a:p>
@@ -2353,7 +2355,7 @@
           <a:p>
             <a:fld id="{C7C35E5A-9A51-4AB7-A677-3D698A9948B7}" type="datetimeFigureOut">
               <a:rPr lang="en-US" smtClean="0"/>
-              <a:t>10/29/2018</a:t>
+              <a:t>11/17/2018</a:t>
             </a:fld>
             <a:endParaRPr lang="en-US"/>
           </a:p>
@@ -2566,7 +2568,7 @@
           <a:p>
             <a:fld id="{C7C35E5A-9A51-4AB7-A677-3D698A9948B7}" type="datetimeFigureOut">
               <a:rPr lang="en-US" smtClean="0"/>
-              <a:t>10/29/2018</a:t>
+              <a:t>11/17/2018</a:t>
             </a:fld>
             <a:endParaRPr lang="en-US"/>
           </a:p>
@@ -8656,8 +8658,8 @@
             </a:fontRef>
           </p:style>
         </p:cxnSp>
-        <mc:AlternateContent xmlns:mc="http://schemas.openxmlformats.org/markup-compatibility/2006">
-          <mc:Choice xmlns:a14="http://schemas.microsoft.com/office/drawing/2010/main" Requires="a14">
+        <mc:AlternateContent xmlns:mc="http://schemas.openxmlformats.org/markup-compatibility/2006" xmlns:a14="http://schemas.microsoft.com/office/drawing/2010/main">
+          <mc:Choice Requires="a14">
             <p:sp>
               <p:nvSpPr>
                 <p:cNvPr id="6" name="TextBox 5"/>
@@ -8680,6 +8682,7 @@
                 </a:bodyPr>
                 <a:lstStyle/>
                 <a:p>
+                  <a:pPr/>
                   <a14:m>
                     <m:oMathPara xmlns:m="http://schemas.openxmlformats.org/officeDocument/2006/math">
                       <m:oMathParaPr>
@@ -8700,7 +8703,7 @@
               </p:txBody>
             </p:sp>
           </mc:Choice>
-          <mc:Fallback>
+          <mc:Fallback xmlns="">
             <p:sp>
               <p:nvSpPr>
                 <p:cNvPr id="6" name="TextBox 5"/>
@@ -8739,8 +8742,8 @@
             </p:sp>
           </mc:Fallback>
         </mc:AlternateContent>
-        <mc:AlternateContent xmlns:mc="http://schemas.openxmlformats.org/markup-compatibility/2006">
-          <mc:Choice xmlns:a14="http://schemas.microsoft.com/office/drawing/2010/main" Requires="a14">
+        <mc:AlternateContent xmlns:mc="http://schemas.openxmlformats.org/markup-compatibility/2006" xmlns:a14="http://schemas.microsoft.com/office/drawing/2010/main">
+          <mc:Choice Requires="a14">
             <p:sp>
               <p:nvSpPr>
                 <p:cNvPr id="7" name="TextBox 6"/>
@@ -8763,6 +8766,7 @@
                 </a:bodyPr>
                 <a:lstStyle/>
                 <a:p>
+                  <a:pPr/>
                   <a14:m>
                     <m:oMathPara xmlns:m="http://schemas.openxmlformats.org/officeDocument/2006/math">
                       <m:oMathParaPr>
@@ -8783,7 +8787,7 @@
               </p:txBody>
             </p:sp>
           </mc:Choice>
-          <mc:Fallback>
+          <mc:Fallback xmlns="">
             <p:sp>
               <p:nvSpPr>
                 <p:cNvPr id="7" name="TextBox 6"/>
@@ -9553,8 +9557,8 @@
             </a:fontRef>
           </p:style>
         </p:cxnSp>
-        <mc:AlternateContent xmlns:mc="http://schemas.openxmlformats.org/markup-compatibility/2006">
-          <mc:Choice xmlns:a14="http://schemas.microsoft.com/office/drawing/2010/main" Requires="a14">
+        <mc:AlternateContent xmlns:mc="http://schemas.openxmlformats.org/markup-compatibility/2006" xmlns:a14="http://schemas.microsoft.com/office/drawing/2010/main">
+          <mc:Choice Requires="a14">
             <p:sp>
               <p:nvSpPr>
                 <p:cNvPr id="25" name="TextBox 24"/>
@@ -9577,6 +9581,7 @@
                 </a:bodyPr>
                 <a:lstStyle/>
                 <a:p>
+                  <a:pPr/>
                   <a14:m>
                     <m:oMathPara xmlns:m="http://schemas.openxmlformats.org/officeDocument/2006/math">
                       <m:oMathParaPr>
@@ -9597,7 +9602,7 @@
               </p:txBody>
             </p:sp>
           </mc:Choice>
-          <mc:Fallback>
+          <mc:Fallback xmlns="">
             <p:sp>
               <p:nvSpPr>
                 <p:cNvPr id="25" name="TextBox 24"/>
@@ -9636,8 +9641,8 @@
             </p:sp>
           </mc:Fallback>
         </mc:AlternateContent>
-        <mc:AlternateContent xmlns:mc="http://schemas.openxmlformats.org/markup-compatibility/2006">
-          <mc:Choice xmlns:a14="http://schemas.microsoft.com/office/drawing/2010/main" Requires="a14">
+        <mc:AlternateContent xmlns:mc="http://schemas.openxmlformats.org/markup-compatibility/2006" xmlns:a14="http://schemas.microsoft.com/office/drawing/2010/main">
+          <mc:Choice Requires="a14">
             <p:sp>
               <p:nvSpPr>
                 <p:cNvPr id="26" name="TextBox 25"/>
@@ -9660,6 +9665,7 @@
                 </a:bodyPr>
                 <a:lstStyle/>
                 <a:p>
+                  <a:pPr/>
                   <a14:m>
                     <m:oMathPara xmlns:m="http://schemas.openxmlformats.org/officeDocument/2006/math">
                       <m:oMathParaPr>
@@ -9680,7 +9686,7 @@
               </p:txBody>
             </p:sp>
           </mc:Choice>
-          <mc:Fallback>
+          <mc:Fallback xmlns="">
             <p:sp>
               <p:nvSpPr>
                 <p:cNvPr id="26" name="TextBox 25"/>
@@ -10450,8 +10456,8 @@
             </a:fontRef>
           </p:style>
         </p:cxnSp>
-        <mc:AlternateContent xmlns:mc="http://schemas.openxmlformats.org/markup-compatibility/2006">
-          <mc:Choice xmlns:a14="http://schemas.microsoft.com/office/drawing/2010/main" Requires="a14">
+        <mc:AlternateContent xmlns:mc="http://schemas.openxmlformats.org/markup-compatibility/2006" xmlns:a14="http://schemas.microsoft.com/office/drawing/2010/main">
+          <mc:Choice Requires="a14">
             <p:sp>
               <p:nvSpPr>
                 <p:cNvPr id="51" name="TextBox 50"/>
@@ -10474,6 +10480,7 @@
                 </a:bodyPr>
                 <a:lstStyle/>
                 <a:p>
+                  <a:pPr/>
                   <a14:m>
                     <m:oMathPara xmlns:m="http://schemas.openxmlformats.org/officeDocument/2006/math">
                       <m:oMathParaPr>
@@ -10494,7 +10501,7 @@
               </p:txBody>
             </p:sp>
           </mc:Choice>
-          <mc:Fallback>
+          <mc:Fallback xmlns="">
             <p:sp>
               <p:nvSpPr>
                 <p:cNvPr id="51" name="TextBox 50"/>
@@ -10533,8 +10540,8 @@
             </p:sp>
           </mc:Fallback>
         </mc:AlternateContent>
-        <mc:AlternateContent xmlns:mc="http://schemas.openxmlformats.org/markup-compatibility/2006">
-          <mc:Choice xmlns:a14="http://schemas.microsoft.com/office/drawing/2010/main" Requires="a14">
+        <mc:AlternateContent xmlns:mc="http://schemas.openxmlformats.org/markup-compatibility/2006" xmlns:a14="http://schemas.microsoft.com/office/drawing/2010/main">
+          <mc:Choice Requires="a14">
             <p:sp>
               <p:nvSpPr>
                 <p:cNvPr id="52" name="TextBox 51"/>
@@ -10557,6 +10564,7 @@
                 </a:bodyPr>
                 <a:lstStyle/>
                 <a:p>
+                  <a:pPr/>
                   <a14:m>
                     <m:oMathPara xmlns:m="http://schemas.openxmlformats.org/officeDocument/2006/math">
                       <m:oMathParaPr>
@@ -10577,7 +10585,7 @@
               </p:txBody>
             </p:sp>
           </mc:Choice>
-          <mc:Fallback>
+          <mc:Fallback xmlns="">
             <p:sp>
               <p:nvSpPr>
                 <p:cNvPr id="52" name="TextBox 51"/>
@@ -11280,6 +11288,264 @@
     <p:extLst>
       <p:ext uri="{BB962C8B-B14F-4D97-AF65-F5344CB8AC3E}">
         <p14:creationId xmlns:p14="http://schemas.microsoft.com/office/powerpoint/2010/main" val="1475956550"/>
+      </p:ext>
+    </p:extLst>
+  </p:cSld>
+  <p:clrMapOvr>
+    <a:masterClrMapping/>
+  </p:clrMapOvr>
+</p:sld>
+</file>
+
+<file path=ppt/slides/slide4.xml><?xml version="1.0" encoding="utf-8"?>
+<p:sld xmlns:a="http://schemas.openxmlformats.org/drawingml/2006/main" xmlns:r="http://schemas.openxmlformats.org/officeDocument/2006/relationships" xmlns:p="http://schemas.openxmlformats.org/presentationml/2006/main">
+  <p:cSld>
+    <p:spTree>
+      <p:nvGrpSpPr>
+        <p:cNvPr id="1" name=""/>
+        <p:cNvGrpSpPr/>
+        <p:nvPr/>
+      </p:nvGrpSpPr>
+      <p:grpSpPr>
+        <a:xfrm>
+          <a:off x="0" y="0"/>
+          <a:ext cx="0" cy="0"/>
+          <a:chOff x="0" y="0"/>
+          <a:chExt cx="0" cy="0"/>
+        </a:xfrm>
+      </p:grpSpPr>
+      <p:grpSp>
+        <p:nvGrpSpPr>
+          <p:cNvPr id="7" name="Group 6"/>
+          <p:cNvGrpSpPr/>
+          <p:nvPr/>
+        </p:nvGrpSpPr>
+        <p:grpSpPr>
+          <a:xfrm>
+            <a:off x="2312003" y="590140"/>
+            <a:ext cx="5135880" cy="4254648"/>
+            <a:chOff x="2312003" y="590140"/>
+            <a:chExt cx="5135880" cy="4254648"/>
+          </a:xfrm>
+        </p:grpSpPr>
+        <p:grpSp>
+          <p:nvGrpSpPr>
+            <p:cNvPr id="5" name="Group 4"/>
+            <p:cNvGrpSpPr/>
+            <p:nvPr/>
+          </p:nvGrpSpPr>
+          <p:grpSpPr>
+            <a:xfrm>
+              <a:off x="2312003" y="844288"/>
+              <a:ext cx="5135880" cy="4000500"/>
+              <a:chOff x="2264869" y="844288"/>
+              <a:chExt cx="5135880" cy="4000500"/>
+            </a:xfrm>
+          </p:grpSpPr>
+          <p:pic>
+            <p:nvPicPr>
+              <p:cNvPr id="2" name="Picture 1"/>
+              <p:cNvPicPr>
+                <a:picLocks noChangeAspect="1"/>
+              </p:cNvPicPr>
+              <p:nvPr/>
+            </p:nvPicPr>
+            <p:blipFill>
+              <a:blip r:embed="rId2">
+                <a:extLst>
+                  <a:ext uri="{28A0092B-C50C-407E-A947-70E740481C1C}">
+                    <a14:useLocalDpi xmlns:a14="http://schemas.microsoft.com/office/drawing/2010/main" val="0"/>
+                  </a:ext>
+                </a:extLst>
+              </a:blip>
+              <a:stretch>
+                <a:fillRect/>
+              </a:stretch>
+            </p:blipFill>
+            <p:spPr>
+              <a:xfrm>
+                <a:off x="2264869" y="844288"/>
+                <a:ext cx="5135880" cy="4000500"/>
+              </a:xfrm>
+              <a:prstGeom prst="rect">
+                <a:avLst/>
+              </a:prstGeom>
+            </p:spPr>
+          </p:pic>
+          <p:cxnSp>
+            <p:nvCxnSpPr>
+              <p:cNvPr id="4" name="Straight Connector 3"/>
+              <p:cNvCxnSpPr/>
+              <p:nvPr/>
+            </p:nvCxnSpPr>
+            <p:spPr>
+              <a:xfrm flipV="1">
+                <a:off x="4920791" y="1074656"/>
+                <a:ext cx="0" cy="3148553"/>
+              </a:xfrm>
+              <a:prstGeom prst="line">
+                <a:avLst/>
+              </a:prstGeom>
+              <a:ln w="28575">
+                <a:solidFill>
+                  <a:schemeClr val="tx1"/>
+                </a:solidFill>
+                <a:prstDash val="dash"/>
+              </a:ln>
+            </p:spPr>
+            <p:style>
+              <a:lnRef idx="1">
+                <a:schemeClr val="accent1"/>
+              </a:lnRef>
+              <a:fillRef idx="0">
+                <a:schemeClr val="accent1"/>
+              </a:fillRef>
+              <a:effectRef idx="0">
+                <a:schemeClr val="accent1"/>
+              </a:effectRef>
+              <a:fontRef idx="minor">
+                <a:schemeClr val="tx1"/>
+              </a:fontRef>
+            </p:style>
+          </p:cxnSp>
+        </p:grpSp>
+        <mc:AlternateContent xmlns:mc="http://schemas.openxmlformats.org/markup-compatibility/2006">
+          <mc:Choice xmlns:a14="http://schemas.microsoft.com/office/drawing/2010/main" Requires="a14">
+            <p:sp>
+              <p:nvSpPr>
+                <p:cNvPr id="6" name="TextBox 5"/>
+                <p:cNvSpPr txBox="1"/>
+                <p:nvPr/>
+              </p:nvSpPr>
+              <p:spPr>
+                <a:xfrm>
+                  <a:off x="4734625" y="590140"/>
+                  <a:ext cx="466602" cy="369332"/>
+                </a:xfrm>
+                <a:prstGeom prst="rect">
+                  <a:avLst/>
+                </a:prstGeom>
+                <a:noFill/>
+              </p:spPr>
+              <p:txBody>
+                <a:bodyPr wrap="none" rtlCol="0">
+                  <a:spAutoFit/>
+                </a:bodyPr>
+                <a:lstStyle/>
+                <a:p>
+                  <a14:m>
+                    <m:oMathPara xmlns:m="http://schemas.openxmlformats.org/officeDocument/2006/math">
+                      <m:oMathParaPr>
+                        <m:jc m:val="centerGroup"/>
+                      </m:oMathParaPr>
+                      <m:oMath xmlns:m="http://schemas.openxmlformats.org/officeDocument/2006/math">
+                        <m:sSub>
+                          <m:sSubPr>
+                            <m:ctrlPr>
+                              <a:rPr lang="en-US" b="0" i="1" smtClean="0">
+                                <a:latin typeface="Cambria Math" panose="02040503050406030204" pitchFamily="18" charset="0"/>
+                              </a:rPr>
+                            </m:ctrlPr>
+                          </m:sSubPr>
+                          <m:e>
+                            <m:r>
+                              <a:rPr lang="en-US" b="0" i="1" smtClean="0">
+                                <a:latin typeface="Cambria Math" panose="02040503050406030204" pitchFamily="18" charset="0"/>
+                              </a:rPr>
+                              <m:t>𝜃</m:t>
+                            </m:r>
+                          </m:e>
+                          <m:sub>
+                            <m:r>
+                              <a:rPr lang="en-US" b="0" i="1" smtClean="0">
+                                <a:latin typeface="Cambria Math" panose="02040503050406030204" pitchFamily="18" charset="0"/>
+                              </a:rPr>
+                              <m:t>0</m:t>
+                            </m:r>
+                          </m:sub>
+                        </m:sSub>
+                      </m:oMath>
+                    </m:oMathPara>
+                  </a14:m>
+                  <a:endParaRPr lang="en-US" dirty="0"/>
+                </a:p>
+              </p:txBody>
+            </p:sp>
+          </mc:Choice>
+          <mc:Fallback>
+            <p:sp>
+              <p:nvSpPr>
+                <p:cNvPr id="6" name="TextBox 5"/>
+                <p:cNvSpPr txBox="1">
+                  <a:spLocks noRot="1" noChangeAspect="1" noMove="1" noResize="1" noEditPoints="1" noAdjustHandles="1" noChangeArrowheads="1" noChangeShapeType="1" noTextEdit="1"/>
+                </p:cNvSpPr>
+                <p:nvPr/>
+              </p:nvSpPr>
+              <p:spPr>
+                <a:xfrm>
+                  <a:off x="4734625" y="590140"/>
+                  <a:ext cx="466602" cy="369332"/>
+                </a:xfrm>
+                <a:prstGeom prst="rect">
+                  <a:avLst/>
+                </a:prstGeom>
+                <a:blipFill rotWithShape="0">
+                  <a:blip r:embed="rId3"/>
+                  <a:stretch>
+                    <a:fillRect/>
+                  </a:stretch>
+                </a:blipFill>
+              </p:spPr>
+              <p:txBody>
+                <a:bodyPr/>
+                <a:lstStyle/>
+                <a:p>
+                  <a:r>
+                    <a:rPr lang="en-US">
+                      <a:noFill/>
+                    </a:rPr>
+                    <a:t> </a:t>
+                  </a:r>
+                </a:p>
+              </p:txBody>
+            </p:sp>
+          </mc:Fallback>
+        </mc:AlternateContent>
+      </p:grpSp>
+    </p:spTree>
+    <p:extLst>
+      <p:ext uri="{BB962C8B-B14F-4D97-AF65-F5344CB8AC3E}">
+        <p14:creationId xmlns:p14="http://schemas.microsoft.com/office/powerpoint/2010/main" val="4203132346"/>
+      </p:ext>
+    </p:extLst>
+  </p:cSld>
+  <p:clrMapOvr>
+    <a:masterClrMapping/>
+  </p:clrMapOvr>
+</p:sld>
+</file>
+
+<file path=ppt/slides/slide5.xml><?xml version="1.0" encoding="utf-8"?>
+<p:sld xmlns:a="http://schemas.openxmlformats.org/drawingml/2006/main" xmlns:r="http://schemas.openxmlformats.org/officeDocument/2006/relationships" xmlns:p="http://schemas.openxmlformats.org/presentationml/2006/main">
+  <p:cSld>
+    <p:spTree>
+      <p:nvGrpSpPr>
+        <p:cNvPr id="1" name=""/>
+        <p:cNvGrpSpPr/>
+        <p:nvPr/>
+      </p:nvGrpSpPr>
+      <p:grpSpPr>
+        <a:xfrm>
+          <a:off x="0" y="0"/>
+          <a:ext cx="0" cy="0"/>
+          <a:chOff x="0" y="0"/>
+          <a:chExt cx="0" cy="0"/>
+        </a:xfrm>
+      </p:grpSpPr>
+    </p:spTree>
+    <p:extLst>
+      <p:ext uri="{BB962C8B-B14F-4D97-AF65-F5344CB8AC3E}">
+        <p14:creationId xmlns:p14="http://schemas.microsoft.com/office/powerpoint/2010/main" val="2375539813"/>
       </p:ext>
     </p:extLst>
   </p:cSld>

--- a/figures/statisticalModeling/statisticalModelingFigures.pptx
+++ b/figures/statisticalModeling/statisticalModelingFigures.pptx
@@ -6,10 +6,11 @@
   </p:sldMasterIdLst>
   <p:sldIdLst>
     <p:sldId id="257" r:id="rId2"/>
-    <p:sldId id="256" r:id="rId3"/>
-    <p:sldId id="258" r:id="rId4"/>
-    <p:sldId id="259" r:id="rId5"/>
-    <p:sldId id="260" r:id="rId6"/>
+    <p:sldId id="261" r:id="rId3"/>
+    <p:sldId id="256" r:id="rId4"/>
+    <p:sldId id="258" r:id="rId5"/>
+    <p:sldId id="259" r:id="rId6"/>
+    <p:sldId id="260" r:id="rId7"/>
   </p:sldIdLst>
   <p:sldSz cx="12192000" cy="6858000"/>
   <p:notesSz cx="6858000" cy="9144000"/>
@@ -158,10 +159,9 @@
           </a:lstStyle>
           <a:p>
             <a:r>
-              <a:rPr lang="en-US" smtClean="0"/>
+              <a:rPr lang="en-US"/>
               <a:t>Click to edit Master title style</a:t>
             </a:r>
-            <a:endParaRPr lang="en-US"/>
           </a:p>
         </p:txBody>
       </p:sp>
@@ -223,10 +223,9 @@
           </a:lstStyle>
           <a:p>
             <a:r>
-              <a:rPr lang="en-US" smtClean="0"/>
+              <a:rPr lang="en-US"/>
               <a:t>Click to edit Master subtitle style</a:t>
             </a:r>
-            <a:endParaRPr lang="en-US"/>
           </a:p>
         </p:txBody>
       </p:sp>
@@ -247,7 +246,7 @@
           <a:p>
             <a:fld id="{C7C35E5A-9A51-4AB7-A677-3D698A9948B7}" type="datetimeFigureOut">
               <a:rPr lang="en-US" smtClean="0"/>
-              <a:t>11/17/2018</a:t>
+              <a:t>3/15/2020</a:t>
             </a:fld>
             <a:endParaRPr lang="en-US"/>
           </a:p>
@@ -341,10 +340,9 @@
           <a:lstStyle/>
           <a:p>
             <a:r>
-              <a:rPr lang="en-US" smtClean="0"/>
+              <a:rPr lang="en-US"/>
               <a:t>Click to edit Master title style</a:t>
             </a:r>
-            <a:endParaRPr lang="en-US"/>
           </a:p>
         </p:txBody>
       </p:sp>
@@ -365,38 +363,37 @@
           <a:p>
             <a:pPr lvl="0"/>
             <a:r>
-              <a:rPr lang="en-US" smtClean="0"/>
+              <a:rPr lang="en-US"/>
               <a:t>Click to edit Master text styles</a:t>
             </a:r>
           </a:p>
           <a:p>
             <a:pPr lvl="1"/>
             <a:r>
-              <a:rPr lang="en-US" smtClean="0"/>
+              <a:rPr lang="en-US"/>
               <a:t>Second level</a:t>
             </a:r>
           </a:p>
           <a:p>
             <a:pPr lvl="2"/>
             <a:r>
-              <a:rPr lang="en-US" smtClean="0"/>
+              <a:rPr lang="en-US"/>
               <a:t>Third level</a:t>
             </a:r>
           </a:p>
           <a:p>
             <a:pPr lvl="3"/>
             <a:r>
-              <a:rPr lang="en-US" smtClean="0"/>
+              <a:rPr lang="en-US"/>
               <a:t>Fourth level</a:t>
             </a:r>
           </a:p>
           <a:p>
             <a:pPr lvl="4"/>
             <a:r>
-              <a:rPr lang="en-US" smtClean="0"/>
+              <a:rPr lang="en-US"/>
               <a:t>Fifth level</a:t>
             </a:r>
-            <a:endParaRPr lang="en-US"/>
           </a:p>
         </p:txBody>
       </p:sp>
@@ -417,7 +414,7 @@
           <a:p>
             <a:fld id="{C7C35E5A-9A51-4AB7-A677-3D698A9948B7}" type="datetimeFigureOut">
               <a:rPr lang="en-US" smtClean="0"/>
-              <a:t>11/17/2018</a:t>
+              <a:t>3/15/2020</a:t>
             </a:fld>
             <a:endParaRPr lang="en-US"/>
           </a:p>
@@ -516,10 +513,9 @@
           <a:lstStyle/>
           <a:p>
             <a:r>
-              <a:rPr lang="en-US" smtClean="0"/>
+              <a:rPr lang="en-US"/>
               <a:t>Click to edit Master title style</a:t>
             </a:r>
-            <a:endParaRPr lang="en-US"/>
           </a:p>
         </p:txBody>
       </p:sp>
@@ -545,38 +541,37 @@
           <a:p>
             <a:pPr lvl="0"/>
             <a:r>
-              <a:rPr lang="en-US" smtClean="0"/>
+              <a:rPr lang="en-US"/>
               <a:t>Click to edit Master text styles</a:t>
             </a:r>
           </a:p>
           <a:p>
             <a:pPr lvl="1"/>
             <a:r>
-              <a:rPr lang="en-US" smtClean="0"/>
+              <a:rPr lang="en-US"/>
               <a:t>Second level</a:t>
             </a:r>
           </a:p>
           <a:p>
             <a:pPr lvl="2"/>
             <a:r>
-              <a:rPr lang="en-US" smtClean="0"/>
+              <a:rPr lang="en-US"/>
               <a:t>Third level</a:t>
             </a:r>
           </a:p>
           <a:p>
             <a:pPr lvl="3"/>
             <a:r>
-              <a:rPr lang="en-US" smtClean="0"/>
+              <a:rPr lang="en-US"/>
               <a:t>Fourth level</a:t>
             </a:r>
           </a:p>
           <a:p>
             <a:pPr lvl="4"/>
             <a:r>
-              <a:rPr lang="en-US" smtClean="0"/>
+              <a:rPr lang="en-US"/>
               <a:t>Fifth level</a:t>
             </a:r>
-            <a:endParaRPr lang="en-US"/>
           </a:p>
         </p:txBody>
       </p:sp>
@@ -597,7 +592,7 @@
           <a:p>
             <a:fld id="{C7C35E5A-9A51-4AB7-A677-3D698A9948B7}" type="datetimeFigureOut">
               <a:rPr lang="en-US" smtClean="0"/>
-              <a:t>11/17/2018</a:t>
+              <a:t>3/15/2020</a:t>
             </a:fld>
             <a:endParaRPr lang="en-US"/>
           </a:p>
@@ -691,10 +686,9 @@
           <a:lstStyle/>
           <a:p>
             <a:r>
-              <a:rPr lang="en-US" smtClean="0"/>
+              <a:rPr lang="en-US"/>
               <a:t>Click to edit Master title style</a:t>
             </a:r>
-            <a:endParaRPr lang="en-US"/>
           </a:p>
         </p:txBody>
       </p:sp>
@@ -715,38 +709,37 @@
           <a:p>
             <a:pPr lvl="0"/>
             <a:r>
-              <a:rPr lang="en-US" smtClean="0"/>
+              <a:rPr lang="en-US"/>
               <a:t>Click to edit Master text styles</a:t>
             </a:r>
           </a:p>
           <a:p>
             <a:pPr lvl="1"/>
             <a:r>
-              <a:rPr lang="en-US" smtClean="0"/>
+              <a:rPr lang="en-US"/>
               <a:t>Second level</a:t>
             </a:r>
           </a:p>
           <a:p>
             <a:pPr lvl="2"/>
             <a:r>
-              <a:rPr lang="en-US" smtClean="0"/>
+              <a:rPr lang="en-US"/>
               <a:t>Third level</a:t>
             </a:r>
           </a:p>
           <a:p>
             <a:pPr lvl="3"/>
             <a:r>
-              <a:rPr lang="en-US" smtClean="0"/>
+              <a:rPr lang="en-US"/>
               <a:t>Fourth level</a:t>
             </a:r>
           </a:p>
           <a:p>
             <a:pPr lvl="4"/>
             <a:r>
-              <a:rPr lang="en-US" smtClean="0"/>
+              <a:rPr lang="en-US"/>
               <a:t>Fifth level</a:t>
             </a:r>
-            <a:endParaRPr lang="en-US"/>
           </a:p>
         </p:txBody>
       </p:sp>
@@ -767,7 +760,7 @@
           <a:p>
             <a:fld id="{C7C35E5A-9A51-4AB7-A677-3D698A9948B7}" type="datetimeFigureOut">
               <a:rPr lang="en-US" smtClean="0"/>
-              <a:t>11/17/2018</a:t>
+              <a:t>3/15/2020</a:t>
             </a:fld>
             <a:endParaRPr lang="en-US"/>
           </a:p>
@@ -870,10 +863,9 @@
           </a:lstStyle>
           <a:p>
             <a:r>
-              <a:rPr lang="en-US" smtClean="0"/>
+              <a:rPr lang="en-US"/>
               <a:t>Click to edit Master title style</a:t>
             </a:r>
-            <a:endParaRPr lang="en-US"/>
           </a:p>
         </p:txBody>
       </p:sp>
@@ -990,7 +982,7 @@
           <a:p>
             <a:pPr lvl="0"/>
             <a:r>
-              <a:rPr lang="en-US" smtClean="0"/>
+              <a:rPr lang="en-US"/>
               <a:t>Click to edit Master text styles</a:t>
             </a:r>
           </a:p>
@@ -1013,7 +1005,7 @@
           <a:p>
             <a:fld id="{C7C35E5A-9A51-4AB7-A677-3D698A9948B7}" type="datetimeFigureOut">
               <a:rPr lang="en-US" smtClean="0"/>
-              <a:t>11/17/2018</a:t>
+              <a:t>3/15/2020</a:t>
             </a:fld>
             <a:endParaRPr lang="en-US"/>
           </a:p>
@@ -1107,10 +1099,9 @@
           <a:lstStyle/>
           <a:p>
             <a:r>
-              <a:rPr lang="en-US" smtClean="0"/>
+              <a:rPr lang="en-US"/>
               <a:t>Click to edit Master title style</a:t>
             </a:r>
-            <a:endParaRPr lang="en-US"/>
           </a:p>
         </p:txBody>
       </p:sp>
@@ -1136,38 +1127,37 @@
           <a:p>
             <a:pPr lvl="0"/>
             <a:r>
-              <a:rPr lang="en-US" smtClean="0"/>
+              <a:rPr lang="en-US"/>
               <a:t>Click to edit Master text styles</a:t>
             </a:r>
           </a:p>
           <a:p>
             <a:pPr lvl="1"/>
             <a:r>
-              <a:rPr lang="en-US" smtClean="0"/>
+              <a:rPr lang="en-US"/>
               <a:t>Second level</a:t>
             </a:r>
           </a:p>
           <a:p>
             <a:pPr lvl="2"/>
             <a:r>
-              <a:rPr lang="en-US" smtClean="0"/>
+              <a:rPr lang="en-US"/>
               <a:t>Third level</a:t>
             </a:r>
           </a:p>
           <a:p>
             <a:pPr lvl="3"/>
             <a:r>
-              <a:rPr lang="en-US" smtClean="0"/>
+              <a:rPr lang="en-US"/>
               <a:t>Fourth level</a:t>
             </a:r>
           </a:p>
           <a:p>
             <a:pPr lvl="4"/>
             <a:r>
-              <a:rPr lang="en-US" smtClean="0"/>
+              <a:rPr lang="en-US"/>
               <a:t>Fifth level</a:t>
             </a:r>
-            <a:endParaRPr lang="en-US"/>
           </a:p>
         </p:txBody>
       </p:sp>
@@ -1193,38 +1183,37 @@
           <a:p>
             <a:pPr lvl="0"/>
             <a:r>
-              <a:rPr lang="en-US" smtClean="0"/>
+              <a:rPr lang="en-US"/>
               <a:t>Click to edit Master text styles</a:t>
             </a:r>
           </a:p>
           <a:p>
             <a:pPr lvl="1"/>
             <a:r>
-              <a:rPr lang="en-US" smtClean="0"/>
+              <a:rPr lang="en-US"/>
               <a:t>Second level</a:t>
             </a:r>
           </a:p>
           <a:p>
             <a:pPr lvl="2"/>
             <a:r>
-              <a:rPr lang="en-US" smtClean="0"/>
+              <a:rPr lang="en-US"/>
               <a:t>Third level</a:t>
             </a:r>
           </a:p>
           <a:p>
             <a:pPr lvl="3"/>
             <a:r>
-              <a:rPr lang="en-US" smtClean="0"/>
+              <a:rPr lang="en-US"/>
               <a:t>Fourth level</a:t>
             </a:r>
           </a:p>
           <a:p>
             <a:pPr lvl="4"/>
             <a:r>
-              <a:rPr lang="en-US" smtClean="0"/>
+              <a:rPr lang="en-US"/>
               <a:t>Fifth level</a:t>
             </a:r>
-            <a:endParaRPr lang="en-US"/>
           </a:p>
         </p:txBody>
       </p:sp>
@@ -1245,7 +1234,7 @@
           <a:p>
             <a:fld id="{C7C35E5A-9A51-4AB7-A677-3D698A9948B7}" type="datetimeFigureOut">
               <a:rPr lang="en-US" smtClean="0"/>
-              <a:t>11/17/2018</a:t>
+              <a:t>3/15/2020</a:t>
             </a:fld>
             <a:endParaRPr lang="en-US"/>
           </a:p>
@@ -1344,10 +1333,9 @@
           <a:lstStyle/>
           <a:p>
             <a:r>
-              <a:rPr lang="en-US" smtClean="0"/>
+              <a:rPr lang="en-US"/>
               <a:t>Click to edit Master title style</a:t>
             </a:r>
-            <a:endParaRPr lang="en-US"/>
           </a:p>
         </p:txBody>
       </p:sp>
@@ -1410,7 +1398,7 @@
           <a:p>
             <a:pPr lvl="0"/>
             <a:r>
-              <a:rPr lang="en-US" smtClean="0"/>
+              <a:rPr lang="en-US"/>
               <a:t>Click to edit Master text styles</a:t>
             </a:r>
           </a:p>
@@ -1438,38 +1426,37 @@
           <a:p>
             <a:pPr lvl="0"/>
             <a:r>
-              <a:rPr lang="en-US" smtClean="0"/>
+              <a:rPr lang="en-US"/>
               <a:t>Click to edit Master text styles</a:t>
             </a:r>
           </a:p>
           <a:p>
             <a:pPr lvl="1"/>
             <a:r>
-              <a:rPr lang="en-US" smtClean="0"/>
+              <a:rPr lang="en-US"/>
               <a:t>Second level</a:t>
             </a:r>
           </a:p>
           <a:p>
             <a:pPr lvl="2"/>
             <a:r>
-              <a:rPr lang="en-US" smtClean="0"/>
+              <a:rPr lang="en-US"/>
               <a:t>Third level</a:t>
             </a:r>
           </a:p>
           <a:p>
             <a:pPr lvl="3"/>
             <a:r>
-              <a:rPr lang="en-US" smtClean="0"/>
+              <a:rPr lang="en-US"/>
               <a:t>Fourth level</a:t>
             </a:r>
           </a:p>
           <a:p>
             <a:pPr lvl="4"/>
             <a:r>
-              <a:rPr lang="en-US" smtClean="0"/>
+              <a:rPr lang="en-US"/>
               <a:t>Fifth level</a:t>
             </a:r>
-            <a:endParaRPr lang="en-US"/>
           </a:p>
         </p:txBody>
       </p:sp>
@@ -1532,7 +1519,7 @@
           <a:p>
             <a:pPr lvl="0"/>
             <a:r>
-              <a:rPr lang="en-US" smtClean="0"/>
+              <a:rPr lang="en-US"/>
               <a:t>Click to edit Master text styles</a:t>
             </a:r>
           </a:p>
@@ -1560,38 +1547,37 @@
           <a:p>
             <a:pPr lvl="0"/>
             <a:r>
-              <a:rPr lang="en-US" smtClean="0"/>
+              <a:rPr lang="en-US"/>
               <a:t>Click to edit Master text styles</a:t>
             </a:r>
           </a:p>
           <a:p>
             <a:pPr lvl="1"/>
             <a:r>
-              <a:rPr lang="en-US" smtClean="0"/>
+              <a:rPr lang="en-US"/>
               <a:t>Second level</a:t>
             </a:r>
           </a:p>
           <a:p>
             <a:pPr lvl="2"/>
             <a:r>
-              <a:rPr lang="en-US" smtClean="0"/>
+              <a:rPr lang="en-US"/>
               <a:t>Third level</a:t>
             </a:r>
           </a:p>
           <a:p>
             <a:pPr lvl="3"/>
             <a:r>
-              <a:rPr lang="en-US" smtClean="0"/>
+              <a:rPr lang="en-US"/>
               <a:t>Fourth level</a:t>
             </a:r>
           </a:p>
           <a:p>
             <a:pPr lvl="4"/>
             <a:r>
-              <a:rPr lang="en-US" smtClean="0"/>
+              <a:rPr lang="en-US"/>
               <a:t>Fifth level</a:t>
             </a:r>
-            <a:endParaRPr lang="en-US"/>
           </a:p>
         </p:txBody>
       </p:sp>
@@ -1612,7 +1598,7 @@
           <a:p>
             <a:fld id="{C7C35E5A-9A51-4AB7-A677-3D698A9948B7}" type="datetimeFigureOut">
               <a:rPr lang="en-US" smtClean="0"/>
-              <a:t>11/17/2018</a:t>
+              <a:t>3/15/2020</a:t>
             </a:fld>
             <a:endParaRPr lang="en-US"/>
           </a:p>
@@ -1706,10 +1692,9 @@
           <a:lstStyle/>
           <a:p>
             <a:r>
-              <a:rPr lang="en-US" smtClean="0"/>
+              <a:rPr lang="en-US"/>
               <a:t>Click to edit Master title style</a:t>
             </a:r>
-            <a:endParaRPr lang="en-US"/>
           </a:p>
         </p:txBody>
       </p:sp>
@@ -1730,7 +1715,7 @@
           <a:p>
             <a:fld id="{C7C35E5A-9A51-4AB7-A677-3D698A9948B7}" type="datetimeFigureOut">
               <a:rPr lang="en-US" smtClean="0"/>
-              <a:t>11/17/2018</a:t>
+              <a:t>3/15/2020</a:t>
             </a:fld>
             <a:endParaRPr lang="en-US"/>
           </a:p>
@@ -1825,7 +1810,7 @@
           <a:p>
             <a:fld id="{C7C35E5A-9A51-4AB7-A677-3D698A9948B7}" type="datetimeFigureOut">
               <a:rPr lang="en-US" smtClean="0"/>
-              <a:t>11/17/2018</a:t>
+              <a:t>3/15/2020</a:t>
             </a:fld>
             <a:endParaRPr lang="en-US"/>
           </a:p>
@@ -1928,10 +1913,9 @@
           </a:lstStyle>
           <a:p>
             <a:r>
-              <a:rPr lang="en-US" smtClean="0"/>
+              <a:rPr lang="en-US"/>
               <a:t>Click to edit Master title style</a:t>
             </a:r>
-            <a:endParaRPr lang="en-US"/>
           </a:p>
         </p:txBody>
       </p:sp>
@@ -1985,38 +1969,37 @@
           <a:p>
             <a:pPr lvl="0"/>
             <a:r>
-              <a:rPr lang="en-US" smtClean="0"/>
+              <a:rPr lang="en-US"/>
               <a:t>Click to edit Master text styles</a:t>
             </a:r>
           </a:p>
           <a:p>
             <a:pPr lvl="1"/>
             <a:r>
-              <a:rPr lang="en-US" smtClean="0"/>
+              <a:rPr lang="en-US"/>
               <a:t>Second level</a:t>
             </a:r>
           </a:p>
           <a:p>
             <a:pPr lvl="2"/>
             <a:r>
-              <a:rPr lang="en-US" smtClean="0"/>
+              <a:rPr lang="en-US"/>
               <a:t>Third level</a:t>
             </a:r>
           </a:p>
           <a:p>
             <a:pPr lvl="3"/>
             <a:r>
-              <a:rPr lang="en-US" smtClean="0"/>
+              <a:rPr lang="en-US"/>
               <a:t>Fourth level</a:t>
             </a:r>
           </a:p>
           <a:p>
             <a:pPr lvl="4"/>
             <a:r>
-              <a:rPr lang="en-US" smtClean="0"/>
+              <a:rPr lang="en-US"/>
               <a:t>Fifth level</a:t>
             </a:r>
-            <a:endParaRPr lang="en-US"/>
           </a:p>
         </p:txBody>
       </p:sp>
@@ -2079,7 +2062,7 @@
           <a:p>
             <a:pPr lvl="0"/>
             <a:r>
-              <a:rPr lang="en-US" smtClean="0"/>
+              <a:rPr lang="en-US"/>
               <a:t>Click to edit Master text styles</a:t>
             </a:r>
           </a:p>
@@ -2102,7 +2085,7 @@
           <a:p>
             <a:fld id="{C7C35E5A-9A51-4AB7-A677-3D698A9948B7}" type="datetimeFigureOut">
               <a:rPr lang="en-US" smtClean="0"/>
-              <a:t>11/17/2018</a:t>
+              <a:t>3/15/2020</a:t>
             </a:fld>
             <a:endParaRPr lang="en-US"/>
           </a:p>
@@ -2205,10 +2188,9 @@
           </a:lstStyle>
           <a:p>
             <a:r>
-              <a:rPr lang="en-US" smtClean="0"/>
+              <a:rPr lang="en-US"/>
               <a:t>Click to edit Master title style</a:t>
             </a:r>
-            <a:endParaRPr lang="en-US"/>
           </a:p>
         </p:txBody>
       </p:sp>
@@ -2332,7 +2314,7 @@
           <a:p>
             <a:pPr lvl="0"/>
             <a:r>
-              <a:rPr lang="en-US" smtClean="0"/>
+              <a:rPr lang="en-US"/>
               <a:t>Click to edit Master text styles</a:t>
             </a:r>
           </a:p>
@@ -2355,7 +2337,7 @@
           <a:p>
             <a:fld id="{C7C35E5A-9A51-4AB7-A677-3D698A9948B7}" type="datetimeFigureOut">
               <a:rPr lang="en-US" smtClean="0"/>
-              <a:t>11/17/2018</a:t>
+              <a:t>3/15/2020</a:t>
             </a:fld>
             <a:endParaRPr lang="en-US"/>
           </a:p>
@@ -2464,10 +2446,9 @@
           <a:lstStyle/>
           <a:p>
             <a:r>
-              <a:rPr lang="en-US" smtClean="0"/>
+              <a:rPr lang="en-US"/>
               <a:t>Click to edit Master title style</a:t>
             </a:r>
-            <a:endParaRPr lang="en-US"/>
           </a:p>
         </p:txBody>
       </p:sp>
@@ -2498,38 +2479,37 @@
           <a:p>
             <a:pPr lvl="0"/>
             <a:r>
-              <a:rPr lang="en-US" smtClean="0"/>
+              <a:rPr lang="en-US"/>
               <a:t>Click to edit Master text styles</a:t>
             </a:r>
           </a:p>
           <a:p>
             <a:pPr lvl="1"/>
             <a:r>
-              <a:rPr lang="en-US" smtClean="0"/>
+              <a:rPr lang="en-US"/>
               <a:t>Second level</a:t>
             </a:r>
           </a:p>
           <a:p>
             <a:pPr lvl="2"/>
             <a:r>
-              <a:rPr lang="en-US" smtClean="0"/>
+              <a:rPr lang="en-US"/>
               <a:t>Third level</a:t>
             </a:r>
           </a:p>
           <a:p>
             <a:pPr lvl="3"/>
             <a:r>
-              <a:rPr lang="en-US" smtClean="0"/>
+              <a:rPr lang="en-US"/>
               <a:t>Fourth level</a:t>
             </a:r>
           </a:p>
           <a:p>
             <a:pPr lvl="4"/>
             <a:r>
-              <a:rPr lang="en-US" smtClean="0"/>
+              <a:rPr lang="en-US"/>
               <a:t>Fifth level</a:t>
             </a:r>
-            <a:endParaRPr lang="en-US"/>
           </a:p>
         </p:txBody>
       </p:sp>
@@ -2568,7 +2548,7 @@
           <a:p>
             <a:fld id="{C7C35E5A-9A51-4AB7-A677-3D698A9948B7}" type="datetimeFigureOut">
               <a:rPr lang="en-US" smtClean="0"/>
-              <a:t>11/17/2018</a:t>
+              <a:t>3/15/2020</a:t>
             </a:fld>
             <a:endParaRPr lang="en-US"/>
           </a:p>
@@ -3030,18 +3010,13 @@
             <a:p>
               <a:pPr algn="ctr"/>
               <a:r>
-                <a:rPr lang="en-US" dirty="0" smtClean="0">
+                <a:rPr lang="en-US" dirty="0">
                   <a:solidFill>
                     <a:schemeClr val="tx1"/>
                   </a:solidFill>
                 </a:rPr>
                 <a:t>Y</a:t>
               </a:r>
-              <a:endParaRPr lang="en-US" dirty="0">
-                <a:solidFill>
-                  <a:schemeClr val="tx1"/>
-                </a:solidFill>
-              </a:endParaRPr>
             </a:p>
           </p:txBody>
         </p:sp>
@@ -3088,7 +3063,7 @@
             <a:p>
               <a:pPr algn="ctr"/>
               <a:r>
-                <a:rPr lang="en-US" altLang="zh-CN" dirty="0" smtClean="0">
+                <a:rPr lang="en-US" altLang="zh-CN" dirty="0">
                   <a:solidFill>
                     <a:schemeClr val="tx1"/>
                   </a:solidFill>
@@ -3146,18 +3121,13 @@
             <a:p>
               <a:pPr algn="ctr"/>
               <a:r>
-                <a:rPr lang="en-US" dirty="0" smtClean="0">
+                <a:rPr lang="en-US" dirty="0">
                   <a:solidFill>
                     <a:schemeClr val="tx1"/>
                   </a:solidFill>
                 </a:rPr>
                 <a:t>W</a:t>
               </a:r>
-              <a:endParaRPr lang="en-US" dirty="0">
-                <a:solidFill>
-                  <a:schemeClr val="tx1"/>
-                </a:solidFill>
-              </a:endParaRPr>
             </a:p>
           </p:txBody>
         </p:sp>
@@ -3282,18 +3252,13 @@
             <a:p>
               <a:pPr algn="ctr"/>
               <a:r>
-                <a:rPr lang="en-US" dirty="0" smtClean="0">
+                <a:rPr lang="en-US" dirty="0">
                   <a:solidFill>
                     <a:schemeClr val="tx1"/>
                   </a:solidFill>
                 </a:rPr>
                 <a:t>Y</a:t>
               </a:r>
-              <a:endParaRPr lang="en-US" dirty="0">
-                <a:solidFill>
-                  <a:schemeClr val="tx1"/>
-                </a:solidFill>
-              </a:endParaRPr>
             </a:p>
           </p:txBody>
         </p:sp>
@@ -3340,7 +3305,7 @@
             <a:p>
               <a:pPr algn="ctr"/>
               <a:r>
-                <a:rPr lang="en-US" altLang="zh-CN" dirty="0" smtClean="0">
+                <a:rPr lang="en-US" altLang="zh-CN" dirty="0">
                   <a:solidFill>
                     <a:schemeClr val="tx1"/>
                   </a:solidFill>
@@ -3398,18 +3363,13 @@
             <a:p>
               <a:pPr algn="ctr"/>
               <a:r>
-                <a:rPr lang="en-US" dirty="0" smtClean="0">
+                <a:rPr lang="en-US" dirty="0">
                   <a:solidFill>
                     <a:schemeClr val="tx1"/>
                   </a:solidFill>
                 </a:rPr>
                 <a:t>W</a:t>
               </a:r>
-              <a:endParaRPr lang="en-US" dirty="0">
-                <a:solidFill>
-                  <a:schemeClr val="tx1"/>
-                </a:solidFill>
-              </a:endParaRPr>
             </a:p>
           </p:txBody>
         </p:sp>
@@ -3534,18 +3494,13 @@
             <a:p>
               <a:pPr algn="ctr"/>
               <a:r>
-                <a:rPr lang="en-US" dirty="0" smtClean="0">
+                <a:rPr lang="en-US" dirty="0">
                   <a:solidFill>
                     <a:schemeClr val="tx1"/>
                   </a:solidFill>
                 </a:rPr>
                 <a:t>Y</a:t>
               </a:r>
-              <a:endParaRPr lang="en-US" dirty="0">
-                <a:solidFill>
-                  <a:schemeClr val="tx1"/>
-                </a:solidFill>
-              </a:endParaRPr>
             </a:p>
           </p:txBody>
         </p:sp>
@@ -3592,7 +3547,7 @@
             <a:p>
               <a:pPr algn="ctr"/>
               <a:r>
-                <a:rPr lang="en-US" altLang="zh-CN" dirty="0" smtClean="0">
+                <a:rPr lang="en-US" altLang="zh-CN" dirty="0">
                   <a:solidFill>
                     <a:schemeClr val="tx1"/>
                   </a:solidFill>
@@ -3650,18 +3605,13 @@
             <a:p>
               <a:pPr algn="ctr"/>
               <a:r>
-                <a:rPr lang="en-US" dirty="0" smtClean="0">
+                <a:rPr lang="en-US" dirty="0">
                   <a:solidFill>
                     <a:schemeClr val="tx1"/>
                   </a:solidFill>
                 </a:rPr>
                 <a:t>W</a:t>
               </a:r>
-              <a:endParaRPr lang="en-US" dirty="0">
-                <a:solidFill>
-                  <a:schemeClr val="tx1"/>
-                </a:solidFill>
-              </a:endParaRPr>
             </a:p>
           </p:txBody>
         </p:sp>
@@ -3800,18 +3750,13 @@
             <a:p>
               <a:pPr algn="ctr"/>
               <a:r>
-                <a:rPr lang="en-US" dirty="0" smtClean="0">
+                <a:rPr lang="en-US" dirty="0">
                   <a:solidFill>
                     <a:schemeClr val="tx1"/>
                   </a:solidFill>
                 </a:rPr>
                 <a:t>Y</a:t>
               </a:r>
-              <a:endParaRPr lang="en-US" dirty="0">
-                <a:solidFill>
-                  <a:schemeClr val="tx1"/>
-                </a:solidFill>
-              </a:endParaRPr>
             </a:p>
           </p:txBody>
         </p:sp>
@@ -3858,7 +3803,7 @@
             <a:p>
               <a:pPr algn="ctr"/>
               <a:r>
-                <a:rPr lang="en-US" altLang="zh-CN" dirty="0" smtClean="0">
+                <a:rPr lang="en-US" altLang="zh-CN" dirty="0">
                   <a:solidFill>
                     <a:schemeClr val="tx1"/>
                   </a:solidFill>
@@ -3916,18 +3861,13 @@
             <a:p>
               <a:pPr algn="ctr"/>
               <a:r>
-                <a:rPr lang="en-US" dirty="0" smtClean="0">
+                <a:rPr lang="en-US" dirty="0">
                   <a:solidFill>
                     <a:schemeClr val="tx1"/>
                   </a:solidFill>
                 </a:rPr>
                 <a:t>W</a:t>
               </a:r>
-              <a:endParaRPr lang="en-US" dirty="0">
-                <a:solidFill>
-                  <a:schemeClr val="tx1"/>
-                </a:solidFill>
-              </a:endParaRPr>
             </a:p>
           </p:txBody>
         </p:sp>
@@ -4052,18 +3992,13 @@
             <a:p>
               <a:pPr algn="ctr"/>
               <a:r>
-                <a:rPr lang="en-US" dirty="0" smtClean="0">
+                <a:rPr lang="en-US" dirty="0">
                   <a:solidFill>
                     <a:schemeClr val="tx1"/>
                   </a:solidFill>
                 </a:rPr>
                 <a:t>Y</a:t>
               </a:r>
-              <a:endParaRPr lang="en-US" dirty="0">
-                <a:solidFill>
-                  <a:schemeClr val="tx1"/>
-                </a:solidFill>
-              </a:endParaRPr>
             </a:p>
           </p:txBody>
         </p:sp>
@@ -4110,7 +4045,7 @@
             <a:p>
               <a:pPr algn="ctr"/>
               <a:r>
-                <a:rPr lang="en-US" altLang="zh-CN" dirty="0" smtClean="0">
+                <a:rPr lang="en-US" altLang="zh-CN" dirty="0">
                   <a:solidFill>
                     <a:schemeClr val="tx1"/>
                   </a:solidFill>
@@ -4168,18 +4103,13 @@
             <a:p>
               <a:pPr algn="ctr"/>
               <a:r>
-                <a:rPr lang="en-US" dirty="0" smtClean="0">
+                <a:rPr lang="en-US" dirty="0">
                   <a:solidFill>
                     <a:schemeClr val="tx1"/>
                   </a:solidFill>
                 </a:rPr>
                 <a:t>W</a:t>
               </a:r>
-              <a:endParaRPr lang="en-US" dirty="0">
-                <a:solidFill>
-                  <a:schemeClr val="tx1"/>
-                </a:solidFill>
-              </a:endParaRPr>
             </a:p>
           </p:txBody>
         </p:sp>
@@ -4340,18 +4270,13 @@
             <a:p>
               <a:pPr algn="ctr"/>
               <a:r>
-                <a:rPr lang="en-US" dirty="0" smtClean="0">
+                <a:rPr lang="en-US" dirty="0">
                   <a:solidFill>
                     <a:schemeClr val="tx1"/>
                   </a:solidFill>
                 </a:rPr>
                 <a:t>Z</a:t>
               </a:r>
-              <a:endParaRPr lang="en-US" dirty="0">
-                <a:solidFill>
-                  <a:schemeClr val="tx1"/>
-                </a:solidFill>
-              </a:endParaRPr>
             </a:p>
           </p:txBody>
         </p:sp>
@@ -4370,6 +4295,1421 @@
 </file>
 
 <file path=ppt/slides/slide2.xml><?xml version="1.0" encoding="utf-8"?>
+<p:sld xmlns:a="http://schemas.openxmlformats.org/drawingml/2006/main" xmlns:r="http://schemas.openxmlformats.org/officeDocument/2006/relationships" xmlns:p="http://schemas.openxmlformats.org/presentationml/2006/main">
+  <p:cSld>
+    <p:spTree>
+      <p:nvGrpSpPr>
+        <p:cNvPr id="1" name=""/>
+        <p:cNvGrpSpPr/>
+        <p:nvPr/>
+      </p:nvGrpSpPr>
+      <p:grpSpPr>
+        <a:xfrm>
+          <a:off x="0" y="0"/>
+          <a:ext cx="0" cy="0"/>
+          <a:chOff x="0" y="0"/>
+          <a:chExt cx="0" cy="0"/>
+        </a:xfrm>
+      </p:grpSpPr>
+      <p:grpSp>
+        <p:nvGrpSpPr>
+          <p:cNvPr id="18" name="Group 160">
+            <a:extLst>
+              <a:ext uri="{FF2B5EF4-FFF2-40B4-BE49-F238E27FC236}">
+                <a16:creationId xmlns:a16="http://schemas.microsoft.com/office/drawing/2014/main" id="{9F9E17E5-8F69-425C-9C7F-E176A459B0D1}"/>
+              </a:ext>
+            </a:extLst>
+          </p:cNvPr>
+          <p:cNvGrpSpPr/>
+          <p:nvPr/>
+        </p:nvGrpSpPr>
+        <p:grpSpPr>
+          <a:xfrm>
+            <a:off x="4092753" y="2898259"/>
+            <a:ext cx="4215765" cy="415290"/>
+            <a:chOff x="5593080" y="4137064"/>
+            <a:chExt cx="4215765" cy="415290"/>
+          </a:xfrm>
+        </p:grpSpPr>
+        <mc:AlternateContent xmlns:mc="http://schemas.openxmlformats.org/markup-compatibility/2006">
+          <mc:Choice xmlns:a14="http://schemas.microsoft.com/office/drawing/2010/main" Requires="a14">
+            <p:sp>
+              <p:nvSpPr>
+                <p:cNvPr id="19" name="Oval 145">
+                  <a:extLst>
+                    <a:ext uri="{FF2B5EF4-FFF2-40B4-BE49-F238E27FC236}">
+                      <a16:creationId xmlns:a16="http://schemas.microsoft.com/office/drawing/2014/main" id="{7F30FF63-DE17-4F94-AA7F-98BE03BA050B}"/>
+                    </a:ext>
+                  </a:extLst>
+                </p:cNvPr>
+                <p:cNvSpPr/>
+                <p:nvPr/>
+              </p:nvSpPr>
+              <p:spPr>
+                <a:xfrm>
+                  <a:off x="5593080" y="4137064"/>
+                  <a:ext cx="388620" cy="388620"/>
+                </a:xfrm>
+                <a:prstGeom prst="ellipse">
+                  <a:avLst/>
+                </a:prstGeom>
+                <a:noFill/>
+                <a:ln>
+                  <a:solidFill>
+                    <a:schemeClr val="tx1"/>
+                  </a:solidFill>
+                </a:ln>
+              </p:spPr>
+              <p:style>
+                <a:lnRef idx="2">
+                  <a:schemeClr val="accent1">
+                    <a:shade val="50000"/>
+                  </a:schemeClr>
+                </a:lnRef>
+                <a:fillRef idx="1">
+                  <a:schemeClr val="accent1"/>
+                </a:fillRef>
+                <a:effectRef idx="0">
+                  <a:schemeClr val="accent1"/>
+                </a:effectRef>
+                <a:fontRef idx="minor">
+                  <a:schemeClr val="lt1"/>
+                </a:fontRef>
+              </p:style>
+              <p:txBody>
+                <a:bodyPr rtlCol="0" anchor="ctr"/>
+                <a:lstStyle/>
+                <a:p>
+                  <a:pPr algn="ctr"/>
+                  <a14:m>
+                    <m:oMathPara xmlns:m="http://schemas.openxmlformats.org/officeDocument/2006/math">
+                      <m:oMathParaPr>
+                        <m:jc m:val="centerGroup"/>
+                      </m:oMathParaPr>
+                      <m:oMath xmlns:m="http://schemas.openxmlformats.org/officeDocument/2006/math">
+                        <m:sSub>
+                          <m:sSubPr>
+                            <m:ctrlPr>
+                              <a:rPr lang="en-US" b="0" i="1" smtClean="0">
+                                <a:solidFill>
+                                  <a:schemeClr val="tx1"/>
+                                </a:solidFill>
+                                <a:latin typeface="Cambria Math" panose="02040503050406030204" pitchFamily="18" charset="0"/>
+                              </a:rPr>
+                            </m:ctrlPr>
+                          </m:sSubPr>
+                          <m:e>
+                            <m:r>
+                              <a:rPr lang="en-US" b="0" i="1" smtClean="0">
+                                <a:solidFill>
+                                  <a:schemeClr val="tx1"/>
+                                </a:solidFill>
+                                <a:latin typeface="Cambria Math" panose="02040503050406030204" pitchFamily="18" charset="0"/>
+                              </a:rPr>
+                              <m:t>  </m:t>
+                            </m:r>
+                            <m:r>
+                              <a:rPr lang="en-US" b="0" i="1" smtClean="0">
+                                <a:solidFill>
+                                  <a:schemeClr val="tx1"/>
+                                </a:solidFill>
+                                <a:latin typeface="Cambria Math" panose="02040503050406030204" pitchFamily="18" charset="0"/>
+                              </a:rPr>
+                              <m:t>𝑋</m:t>
+                            </m:r>
+                          </m:e>
+                          <m:sub>
+                            <m:r>
+                              <a:rPr lang="en-US" b="0" i="1" smtClean="0">
+                                <a:solidFill>
+                                  <a:schemeClr val="tx1"/>
+                                </a:solidFill>
+                                <a:latin typeface="Cambria Math" panose="02040503050406030204" pitchFamily="18" charset="0"/>
+                              </a:rPr>
+                              <m:t>1</m:t>
+                            </m:r>
+                          </m:sub>
+                        </m:sSub>
+                      </m:oMath>
+                    </m:oMathPara>
+                  </a14:m>
+                  <a:endParaRPr lang="en-US" dirty="0">
+                    <a:solidFill>
+                      <a:schemeClr val="tx1"/>
+                    </a:solidFill>
+                  </a:endParaRPr>
+                </a:p>
+              </p:txBody>
+            </p:sp>
+          </mc:Choice>
+          <mc:Fallback>
+            <p:sp>
+              <p:nvSpPr>
+                <p:cNvPr id="19" name="Oval 145">
+                  <a:extLst>
+                    <a:ext uri="{FF2B5EF4-FFF2-40B4-BE49-F238E27FC236}">
+                      <a16:creationId xmlns:a16="http://schemas.microsoft.com/office/drawing/2014/main" id="{7F30FF63-DE17-4F94-AA7F-98BE03BA050B}"/>
+                    </a:ext>
+                  </a:extLst>
+                </p:cNvPr>
+                <p:cNvSpPr>
+                  <a:spLocks noRot="1" noChangeAspect="1" noMove="1" noResize="1" noEditPoints="1" noAdjustHandles="1" noChangeArrowheads="1" noChangeShapeType="1" noTextEdit="1"/>
+                </p:cNvSpPr>
+                <p:nvPr/>
+              </p:nvSpPr>
+              <p:spPr>
+                <a:xfrm>
+                  <a:off x="5593080" y="4137064"/>
+                  <a:ext cx="388620" cy="388620"/>
+                </a:xfrm>
+                <a:prstGeom prst="ellipse">
+                  <a:avLst/>
+                </a:prstGeom>
+                <a:blipFill>
+                  <a:blip r:embed="rId2"/>
+                  <a:stretch>
+                    <a:fillRect/>
+                  </a:stretch>
+                </a:blipFill>
+                <a:ln>
+                  <a:solidFill>
+                    <a:schemeClr val="tx1"/>
+                  </a:solidFill>
+                </a:ln>
+              </p:spPr>
+              <p:txBody>
+                <a:bodyPr/>
+                <a:lstStyle/>
+                <a:p>
+                  <a:r>
+                    <a:rPr lang="en-US">
+                      <a:noFill/>
+                    </a:rPr>
+                    <a:t> </a:t>
+                  </a:r>
+                </a:p>
+              </p:txBody>
+            </p:sp>
+          </mc:Fallback>
+        </mc:AlternateContent>
+        <mc:AlternateContent xmlns:mc="http://schemas.openxmlformats.org/markup-compatibility/2006">
+          <mc:Choice xmlns:a14="http://schemas.microsoft.com/office/drawing/2010/main" Requires="a14">
+            <p:sp>
+              <p:nvSpPr>
+                <p:cNvPr id="20" name="Oval 146">
+                  <a:extLst>
+                    <a:ext uri="{FF2B5EF4-FFF2-40B4-BE49-F238E27FC236}">
+                      <a16:creationId xmlns:a16="http://schemas.microsoft.com/office/drawing/2014/main" id="{972344AC-9DA7-4FFB-B2FB-35AE2DCEF5FA}"/>
+                    </a:ext>
+                  </a:extLst>
+                </p:cNvPr>
+                <p:cNvSpPr/>
+                <p:nvPr/>
+              </p:nvSpPr>
+              <p:spPr>
+                <a:xfrm>
+                  <a:off x="6577965" y="4144446"/>
+                  <a:ext cx="388620" cy="388620"/>
+                </a:xfrm>
+                <a:prstGeom prst="ellipse">
+                  <a:avLst/>
+                </a:prstGeom>
+                <a:noFill/>
+                <a:ln>
+                  <a:solidFill>
+                    <a:schemeClr val="tx1"/>
+                  </a:solidFill>
+                </a:ln>
+              </p:spPr>
+              <p:style>
+                <a:lnRef idx="2">
+                  <a:schemeClr val="accent1">
+                    <a:shade val="50000"/>
+                  </a:schemeClr>
+                </a:lnRef>
+                <a:fillRef idx="1">
+                  <a:schemeClr val="accent1"/>
+                </a:fillRef>
+                <a:effectRef idx="0">
+                  <a:schemeClr val="accent1"/>
+                </a:effectRef>
+                <a:fontRef idx="minor">
+                  <a:schemeClr val="lt1"/>
+                </a:fontRef>
+              </p:style>
+              <p:txBody>
+                <a:bodyPr rtlCol="0" anchor="ctr"/>
+                <a:lstStyle/>
+                <a:p>
+                  <a:pPr algn="ctr"/>
+                  <a14:m>
+                    <m:oMathPara xmlns:m="http://schemas.openxmlformats.org/officeDocument/2006/math">
+                      <m:oMathParaPr>
+                        <m:jc m:val="centerGroup"/>
+                      </m:oMathParaPr>
+                      <m:oMath xmlns:m="http://schemas.openxmlformats.org/officeDocument/2006/math">
+                        <m:sSub>
+                          <m:sSubPr>
+                            <m:ctrlPr>
+                              <a:rPr lang="en-US" b="0" i="1" smtClean="0">
+                                <a:solidFill>
+                                  <a:schemeClr val="tx1"/>
+                                </a:solidFill>
+                                <a:latin typeface="Cambria Math" panose="02040503050406030204" pitchFamily="18" charset="0"/>
+                              </a:rPr>
+                            </m:ctrlPr>
+                          </m:sSubPr>
+                          <m:e>
+                            <m:r>
+                              <a:rPr lang="en-US" b="0" i="1" smtClean="0">
+                                <a:solidFill>
+                                  <a:schemeClr val="tx1"/>
+                                </a:solidFill>
+                                <a:latin typeface="Cambria Math" panose="02040503050406030204" pitchFamily="18" charset="0"/>
+                              </a:rPr>
+                              <m:t>  </m:t>
+                            </m:r>
+                            <m:r>
+                              <a:rPr lang="en-US" b="0" i="1" smtClean="0">
+                                <a:solidFill>
+                                  <a:schemeClr val="tx1"/>
+                                </a:solidFill>
+                                <a:latin typeface="Cambria Math" panose="02040503050406030204" pitchFamily="18" charset="0"/>
+                              </a:rPr>
+                              <m:t>𝑋</m:t>
+                            </m:r>
+                          </m:e>
+                          <m:sub>
+                            <m:r>
+                              <a:rPr lang="en-US" b="0" i="1" smtClean="0">
+                                <a:solidFill>
+                                  <a:schemeClr val="tx1"/>
+                                </a:solidFill>
+                                <a:latin typeface="Cambria Math" panose="02040503050406030204" pitchFamily="18" charset="0"/>
+                              </a:rPr>
+                              <m:t>2</m:t>
+                            </m:r>
+                          </m:sub>
+                        </m:sSub>
+                      </m:oMath>
+                    </m:oMathPara>
+                  </a14:m>
+                  <a:endParaRPr lang="en-US" dirty="0">
+                    <a:solidFill>
+                      <a:schemeClr val="tx1"/>
+                    </a:solidFill>
+                  </a:endParaRPr>
+                </a:p>
+              </p:txBody>
+            </p:sp>
+          </mc:Choice>
+          <mc:Fallback>
+            <p:sp>
+              <p:nvSpPr>
+                <p:cNvPr id="20" name="Oval 146">
+                  <a:extLst>
+                    <a:ext uri="{FF2B5EF4-FFF2-40B4-BE49-F238E27FC236}">
+                      <a16:creationId xmlns:a16="http://schemas.microsoft.com/office/drawing/2014/main" id="{972344AC-9DA7-4FFB-B2FB-35AE2DCEF5FA}"/>
+                    </a:ext>
+                  </a:extLst>
+                </p:cNvPr>
+                <p:cNvSpPr>
+                  <a:spLocks noRot="1" noChangeAspect="1" noMove="1" noResize="1" noEditPoints="1" noAdjustHandles="1" noChangeArrowheads="1" noChangeShapeType="1" noTextEdit="1"/>
+                </p:cNvSpPr>
+                <p:nvPr/>
+              </p:nvSpPr>
+              <p:spPr>
+                <a:xfrm>
+                  <a:off x="6577965" y="4144446"/>
+                  <a:ext cx="388620" cy="388620"/>
+                </a:xfrm>
+                <a:prstGeom prst="ellipse">
+                  <a:avLst/>
+                </a:prstGeom>
+                <a:blipFill>
+                  <a:blip r:embed="rId3"/>
+                  <a:stretch>
+                    <a:fillRect l="-1515"/>
+                  </a:stretch>
+                </a:blipFill>
+                <a:ln>
+                  <a:solidFill>
+                    <a:schemeClr val="tx1"/>
+                  </a:solidFill>
+                </a:ln>
+              </p:spPr>
+              <p:txBody>
+                <a:bodyPr/>
+                <a:lstStyle/>
+                <a:p>
+                  <a:r>
+                    <a:rPr lang="en-US">
+                      <a:noFill/>
+                    </a:rPr>
+                    <a:t> </a:t>
+                  </a:r>
+                </a:p>
+              </p:txBody>
+            </p:sp>
+          </mc:Fallback>
+        </mc:AlternateContent>
+        <mc:AlternateContent xmlns:mc="http://schemas.openxmlformats.org/markup-compatibility/2006">
+          <mc:Choice xmlns:a14="http://schemas.microsoft.com/office/drawing/2010/main" Requires="a14">
+            <p:sp>
+              <p:nvSpPr>
+                <p:cNvPr id="21" name="Oval 147">
+                  <a:extLst>
+                    <a:ext uri="{FF2B5EF4-FFF2-40B4-BE49-F238E27FC236}">
+                      <a16:creationId xmlns:a16="http://schemas.microsoft.com/office/drawing/2014/main" id="{88F9418E-89D0-431B-AA43-B1771AC645D2}"/>
+                    </a:ext>
+                  </a:extLst>
+                </p:cNvPr>
+                <p:cNvSpPr/>
+                <p:nvPr/>
+              </p:nvSpPr>
+              <p:spPr>
+                <a:xfrm>
+                  <a:off x="9420225" y="4159686"/>
+                  <a:ext cx="388620" cy="388620"/>
+                </a:xfrm>
+                <a:prstGeom prst="ellipse">
+                  <a:avLst/>
+                </a:prstGeom>
+                <a:noFill/>
+                <a:ln>
+                  <a:solidFill>
+                    <a:schemeClr val="tx1"/>
+                  </a:solidFill>
+                </a:ln>
+              </p:spPr>
+              <p:style>
+                <a:lnRef idx="2">
+                  <a:schemeClr val="accent1">
+                    <a:shade val="50000"/>
+                  </a:schemeClr>
+                </a:lnRef>
+                <a:fillRef idx="1">
+                  <a:schemeClr val="accent1"/>
+                </a:fillRef>
+                <a:effectRef idx="0">
+                  <a:schemeClr val="accent1"/>
+                </a:effectRef>
+                <a:fontRef idx="minor">
+                  <a:schemeClr val="lt1"/>
+                </a:fontRef>
+              </p:style>
+              <p:txBody>
+                <a:bodyPr rtlCol="0" anchor="ctr"/>
+                <a:lstStyle/>
+                <a:p>
+                  <a:pPr algn="ctr"/>
+                  <a14:m>
+                    <m:oMathPara xmlns:m="http://schemas.openxmlformats.org/officeDocument/2006/math">
+                      <m:oMathParaPr>
+                        <m:jc m:val="centerGroup"/>
+                      </m:oMathParaPr>
+                      <m:oMath xmlns:m="http://schemas.openxmlformats.org/officeDocument/2006/math">
+                        <m:sSub>
+                          <m:sSubPr>
+                            <m:ctrlPr>
+                              <a:rPr lang="en-US" b="0" i="1" smtClean="0">
+                                <a:solidFill>
+                                  <a:schemeClr val="tx1"/>
+                                </a:solidFill>
+                                <a:latin typeface="Cambria Math" panose="02040503050406030204" pitchFamily="18" charset="0"/>
+                              </a:rPr>
+                            </m:ctrlPr>
+                          </m:sSubPr>
+                          <m:e>
+                            <m:r>
+                              <a:rPr lang="en-US" b="0" i="1" smtClean="0">
+                                <a:solidFill>
+                                  <a:schemeClr val="tx1"/>
+                                </a:solidFill>
+                                <a:latin typeface="Cambria Math" panose="02040503050406030204" pitchFamily="18" charset="0"/>
+                              </a:rPr>
+                              <m:t>  </m:t>
+                            </m:r>
+                            <m:r>
+                              <a:rPr lang="en-US" b="0" i="1" smtClean="0">
+                                <a:solidFill>
+                                  <a:schemeClr val="tx1"/>
+                                </a:solidFill>
+                                <a:latin typeface="Cambria Math" panose="02040503050406030204" pitchFamily="18" charset="0"/>
+                              </a:rPr>
+                              <m:t>𝑋</m:t>
+                            </m:r>
+                          </m:e>
+                          <m:sub>
+                            <m:r>
+                              <a:rPr lang="en-US" b="0" i="1" smtClean="0">
+                                <a:solidFill>
+                                  <a:schemeClr val="tx1"/>
+                                </a:solidFill>
+                                <a:latin typeface="Cambria Math" panose="02040503050406030204" pitchFamily="18" charset="0"/>
+                              </a:rPr>
+                              <m:t>𝑁</m:t>
+                            </m:r>
+                          </m:sub>
+                        </m:sSub>
+                      </m:oMath>
+                    </m:oMathPara>
+                  </a14:m>
+                  <a:endParaRPr lang="en-US" dirty="0">
+                    <a:solidFill>
+                      <a:schemeClr val="tx1"/>
+                    </a:solidFill>
+                  </a:endParaRPr>
+                </a:p>
+              </p:txBody>
+            </p:sp>
+          </mc:Choice>
+          <mc:Fallback>
+            <p:sp>
+              <p:nvSpPr>
+                <p:cNvPr id="21" name="Oval 147">
+                  <a:extLst>
+                    <a:ext uri="{FF2B5EF4-FFF2-40B4-BE49-F238E27FC236}">
+                      <a16:creationId xmlns:a16="http://schemas.microsoft.com/office/drawing/2014/main" id="{88F9418E-89D0-431B-AA43-B1771AC645D2}"/>
+                    </a:ext>
+                  </a:extLst>
+                </p:cNvPr>
+                <p:cNvSpPr>
+                  <a:spLocks noRot="1" noChangeAspect="1" noMove="1" noResize="1" noEditPoints="1" noAdjustHandles="1" noChangeArrowheads="1" noChangeShapeType="1" noTextEdit="1"/>
+                </p:cNvSpPr>
+                <p:nvPr/>
+              </p:nvSpPr>
+              <p:spPr>
+                <a:xfrm>
+                  <a:off x="9420225" y="4159686"/>
+                  <a:ext cx="388620" cy="388620"/>
+                </a:xfrm>
+                <a:prstGeom prst="ellipse">
+                  <a:avLst/>
+                </a:prstGeom>
+                <a:blipFill>
+                  <a:blip r:embed="rId4"/>
+                  <a:stretch>
+                    <a:fillRect l="-4545" r="-3030"/>
+                  </a:stretch>
+                </a:blipFill>
+                <a:ln>
+                  <a:solidFill>
+                    <a:schemeClr val="tx1"/>
+                  </a:solidFill>
+                </a:ln>
+              </p:spPr>
+              <p:txBody>
+                <a:bodyPr/>
+                <a:lstStyle/>
+                <a:p>
+                  <a:r>
+                    <a:rPr lang="en-US">
+                      <a:noFill/>
+                    </a:rPr>
+                    <a:t> </a:t>
+                  </a:r>
+                </a:p>
+              </p:txBody>
+            </p:sp>
+          </mc:Fallback>
+        </mc:AlternateContent>
+        <mc:AlternateContent xmlns:mc="http://schemas.openxmlformats.org/markup-compatibility/2006">
+          <mc:Choice xmlns:a14="http://schemas.microsoft.com/office/drawing/2010/main" Requires="a14">
+            <p:sp>
+              <p:nvSpPr>
+                <p:cNvPr id="22" name="Oval 148">
+                  <a:extLst>
+                    <a:ext uri="{FF2B5EF4-FFF2-40B4-BE49-F238E27FC236}">
+                      <a16:creationId xmlns:a16="http://schemas.microsoft.com/office/drawing/2014/main" id="{C73505A0-C949-407A-92A7-1434FE5F8D77}"/>
+                    </a:ext>
+                  </a:extLst>
+                </p:cNvPr>
+                <p:cNvSpPr/>
+                <p:nvPr/>
+              </p:nvSpPr>
+              <p:spPr>
+                <a:xfrm>
+                  <a:off x="7544456" y="4157186"/>
+                  <a:ext cx="388620" cy="388620"/>
+                </a:xfrm>
+                <a:prstGeom prst="ellipse">
+                  <a:avLst/>
+                </a:prstGeom>
+                <a:noFill/>
+                <a:ln>
+                  <a:solidFill>
+                    <a:schemeClr val="tx1"/>
+                  </a:solidFill>
+                </a:ln>
+              </p:spPr>
+              <p:style>
+                <a:lnRef idx="2">
+                  <a:schemeClr val="accent1">
+                    <a:shade val="50000"/>
+                  </a:schemeClr>
+                </a:lnRef>
+                <a:fillRef idx="1">
+                  <a:schemeClr val="accent1"/>
+                </a:fillRef>
+                <a:effectRef idx="0">
+                  <a:schemeClr val="accent1"/>
+                </a:effectRef>
+                <a:fontRef idx="minor">
+                  <a:schemeClr val="lt1"/>
+                </a:fontRef>
+              </p:style>
+              <p:txBody>
+                <a:bodyPr rtlCol="0" anchor="ctr"/>
+                <a:lstStyle/>
+                <a:p>
+                  <a:pPr algn="ctr"/>
+                  <a14:m>
+                    <m:oMathPara xmlns:m="http://schemas.openxmlformats.org/officeDocument/2006/math">
+                      <m:oMathParaPr>
+                        <m:jc m:val="centerGroup"/>
+                      </m:oMathParaPr>
+                      <m:oMath xmlns:m="http://schemas.openxmlformats.org/officeDocument/2006/math">
+                        <m:sSub>
+                          <m:sSubPr>
+                            <m:ctrlPr>
+                              <a:rPr lang="en-US" b="0" i="1" smtClean="0">
+                                <a:solidFill>
+                                  <a:schemeClr val="tx1"/>
+                                </a:solidFill>
+                                <a:latin typeface="Cambria Math" panose="02040503050406030204" pitchFamily="18" charset="0"/>
+                              </a:rPr>
+                            </m:ctrlPr>
+                          </m:sSubPr>
+                          <m:e>
+                            <m:r>
+                              <a:rPr lang="en-US" b="0" i="1" smtClean="0">
+                                <a:solidFill>
+                                  <a:schemeClr val="tx1"/>
+                                </a:solidFill>
+                                <a:latin typeface="Cambria Math" panose="02040503050406030204" pitchFamily="18" charset="0"/>
+                              </a:rPr>
+                              <m:t>  </m:t>
+                            </m:r>
+                            <m:r>
+                              <a:rPr lang="en-US" b="0" i="1" smtClean="0">
+                                <a:solidFill>
+                                  <a:schemeClr val="tx1"/>
+                                </a:solidFill>
+                                <a:latin typeface="Cambria Math" panose="02040503050406030204" pitchFamily="18" charset="0"/>
+                              </a:rPr>
+                              <m:t>𝑋</m:t>
+                            </m:r>
+                          </m:e>
+                          <m:sub>
+                            <m:r>
+                              <a:rPr lang="en-US" b="0" i="1" smtClean="0">
+                                <a:solidFill>
+                                  <a:schemeClr val="tx1"/>
+                                </a:solidFill>
+                                <a:latin typeface="Cambria Math" panose="02040503050406030204" pitchFamily="18" charset="0"/>
+                              </a:rPr>
+                              <m:t>3</m:t>
+                            </m:r>
+                          </m:sub>
+                        </m:sSub>
+                      </m:oMath>
+                    </m:oMathPara>
+                  </a14:m>
+                  <a:endParaRPr lang="en-US" dirty="0">
+                    <a:solidFill>
+                      <a:schemeClr val="tx1"/>
+                    </a:solidFill>
+                  </a:endParaRPr>
+                </a:p>
+              </p:txBody>
+            </p:sp>
+          </mc:Choice>
+          <mc:Fallback>
+            <p:sp>
+              <p:nvSpPr>
+                <p:cNvPr id="22" name="Oval 148">
+                  <a:extLst>
+                    <a:ext uri="{FF2B5EF4-FFF2-40B4-BE49-F238E27FC236}">
+                      <a16:creationId xmlns:a16="http://schemas.microsoft.com/office/drawing/2014/main" id="{C73505A0-C949-407A-92A7-1434FE5F8D77}"/>
+                    </a:ext>
+                  </a:extLst>
+                </p:cNvPr>
+                <p:cNvSpPr>
+                  <a:spLocks noRot="1" noChangeAspect="1" noMove="1" noResize="1" noEditPoints="1" noAdjustHandles="1" noChangeArrowheads="1" noChangeShapeType="1" noTextEdit="1"/>
+                </p:cNvSpPr>
+                <p:nvPr/>
+              </p:nvSpPr>
+              <p:spPr>
+                <a:xfrm>
+                  <a:off x="7544456" y="4157186"/>
+                  <a:ext cx="388620" cy="388620"/>
+                </a:xfrm>
+                <a:prstGeom prst="ellipse">
+                  <a:avLst/>
+                </a:prstGeom>
+                <a:blipFill>
+                  <a:blip r:embed="rId5"/>
+                  <a:stretch>
+                    <a:fillRect/>
+                  </a:stretch>
+                </a:blipFill>
+                <a:ln>
+                  <a:solidFill>
+                    <a:schemeClr val="tx1"/>
+                  </a:solidFill>
+                </a:ln>
+              </p:spPr>
+              <p:txBody>
+                <a:bodyPr/>
+                <a:lstStyle/>
+                <a:p>
+                  <a:r>
+                    <a:rPr lang="en-US">
+                      <a:noFill/>
+                    </a:rPr>
+                    <a:t> </a:t>
+                  </a:r>
+                </a:p>
+              </p:txBody>
+            </p:sp>
+          </mc:Fallback>
+        </mc:AlternateContent>
+        <p:cxnSp>
+          <p:nvCxnSpPr>
+            <p:cNvPr id="23" name="Straight Arrow Connector 149">
+              <a:extLst>
+                <a:ext uri="{FF2B5EF4-FFF2-40B4-BE49-F238E27FC236}">
+                  <a16:creationId xmlns:a16="http://schemas.microsoft.com/office/drawing/2014/main" id="{E81E50E7-B6E9-4A5A-A578-A4E8B6735CFB}"/>
+                </a:ext>
+              </a:extLst>
+            </p:cNvPr>
+            <p:cNvCxnSpPr>
+              <a:endCxn id="20" idx="2"/>
+            </p:cNvCxnSpPr>
+            <p:nvPr/>
+          </p:nvCxnSpPr>
+          <p:spPr>
+            <a:xfrm>
+              <a:off x="5946458" y="4331374"/>
+              <a:ext cx="631507" cy="7382"/>
+            </a:xfrm>
+            <a:prstGeom prst="straightConnector1">
+              <a:avLst/>
+            </a:prstGeom>
+            <a:ln>
+              <a:solidFill>
+                <a:schemeClr val="tx1"/>
+              </a:solidFill>
+              <a:tailEnd type="triangle"/>
+            </a:ln>
+          </p:spPr>
+          <p:style>
+            <a:lnRef idx="1">
+              <a:schemeClr val="accent1"/>
+            </a:lnRef>
+            <a:fillRef idx="0">
+              <a:schemeClr val="accent1"/>
+            </a:fillRef>
+            <a:effectRef idx="0">
+              <a:schemeClr val="accent1"/>
+            </a:effectRef>
+            <a:fontRef idx="minor">
+              <a:schemeClr val="tx1"/>
+            </a:fontRef>
+          </p:style>
+        </p:cxnSp>
+        <p:cxnSp>
+          <p:nvCxnSpPr>
+            <p:cNvPr id="24" name="Straight Arrow Connector 150">
+              <a:extLst>
+                <a:ext uri="{FF2B5EF4-FFF2-40B4-BE49-F238E27FC236}">
+                  <a16:creationId xmlns:a16="http://schemas.microsoft.com/office/drawing/2014/main" id="{9FE7D032-0EC8-48C6-84A9-155464F95A0A}"/>
+                </a:ext>
+              </a:extLst>
+            </p:cNvPr>
+            <p:cNvCxnSpPr/>
+            <p:nvPr/>
+          </p:nvCxnSpPr>
+          <p:spPr>
+            <a:xfrm>
+              <a:off x="6998376" y="4351496"/>
+              <a:ext cx="518754" cy="0"/>
+            </a:xfrm>
+            <a:prstGeom prst="straightConnector1">
+              <a:avLst/>
+            </a:prstGeom>
+            <a:ln>
+              <a:solidFill>
+                <a:schemeClr val="tx1"/>
+              </a:solidFill>
+              <a:tailEnd type="triangle"/>
+            </a:ln>
+          </p:spPr>
+          <p:style>
+            <a:lnRef idx="1">
+              <a:schemeClr val="accent1"/>
+            </a:lnRef>
+            <a:fillRef idx="0">
+              <a:schemeClr val="accent1"/>
+            </a:fillRef>
+            <a:effectRef idx="0">
+              <a:schemeClr val="accent1"/>
+            </a:effectRef>
+            <a:fontRef idx="minor">
+              <a:schemeClr val="tx1"/>
+            </a:fontRef>
+          </p:style>
+        </p:cxnSp>
+        <mc:AlternateContent xmlns:mc="http://schemas.openxmlformats.org/markup-compatibility/2006">
+          <mc:Choice xmlns:a14="http://schemas.microsoft.com/office/drawing/2010/main" Requires="a14">
+            <p:sp>
+              <p:nvSpPr>
+                <p:cNvPr id="25" name="TextBox 151">
+                  <a:extLst>
+                    <a:ext uri="{FF2B5EF4-FFF2-40B4-BE49-F238E27FC236}">
+                      <a16:creationId xmlns:a16="http://schemas.microsoft.com/office/drawing/2014/main" id="{67C06B9D-A512-4F6A-9C32-678AF680B8BC}"/>
+                    </a:ext>
+                  </a:extLst>
+                </p:cNvPr>
+                <p:cNvSpPr txBox="1"/>
+                <p:nvPr/>
+              </p:nvSpPr>
+              <p:spPr>
+                <a:xfrm>
+                  <a:off x="8897364" y="4163734"/>
+                  <a:ext cx="434734" cy="369332"/>
+                </a:xfrm>
+                <a:prstGeom prst="rect">
+                  <a:avLst/>
+                </a:prstGeom>
+                <a:noFill/>
+                <a:ln>
+                  <a:noFill/>
+                </a:ln>
+              </p:spPr>
+              <p:txBody>
+                <a:bodyPr wrap="none" rtlCol="0">
+                  <a:spAutoFit/>
+                </a:bodyPr>
+                <a:lstStyle/>
+                <a:p>
+                  <a:pPr/>
+                  <a14:m>
+                    <m:oMathPara xmlns:m="http://schemas.openxmlformats.org/officeDocument/2006/math">
+                      <m:oMathParaPr>
+                        <m:jc m:val="centerGroup"/>
+                      </m:oMathParaPr>
+                      <m:oMath xmlns:m="http://schemas.openxmlformats.org/officeDocument/2006/math">
+                        <m:r>
+                          <a:rPr lang="en-US" b="0" i="1" smtClean="0">
+                            <a:latin typeface="Cambria Math" panose="02040503050406030204" pitchFamily="18" charset="0"/>
+                          </a:rPr>
+                          <m:t>⋯</m:t>
+                        </m:r>
+                      </m:oMath>
+                    </m:oMathPara>
+                  </a14:m>
+                  <a:endParaRPr lang="en-US" dirty="0"/>
+                </a:p>
+              </p:txBody>
+            </p:sp>
+          </mc:Choice>
+          <mc:Fallback>
+            <p:sp>
+              <p:nvSpPr>
+                <p:cNvPr id="25" name="TextBox 151">
+                  <a:extLst>
+                    <a:ext uri="{FF2B5EF4-FFF2-40B4-BE49-F238E27FC236}">
+                      <a16:creationId xmlns:a16="http://schemas.microsoft.com/office/drawing/2014/main" id="{67C06B9D-A512-4F6A-9C32-678AF680B8BC}"/>
+                    </a:ext>
+                  </a:extLst>
+                </p:cNvPr>
+                <p:cNvSpPr txBox="1">
+                  <a:spLocks noRot="1" noChangeAspect="1" noMove="1" noResize="1" noEditPoints="1" noAdjustHandles="1" noChangeArrowheads="1" noChangeShapeType="1" noTextEdit="1"/>
+                </p:cNvSpPr>
+                <p:nvPr/>
+              </p:nvSpPr>
+              <p:spPr>
+                <a:xfrm>
+                  <a:off x="8897364" y="4163734"/>
+                  <a:ext cx="434734" cy="369332"/>
+                </a:xfrm>
+                <a:prstGeom prst="rect">
+                  <a:avLst/>
+                </a:prstGeom>
+                <a:blipFill>
+                  <a:blip r:embed="rId6"/>
+                  <a:stretch>
+                    <a:fillRect/>
+                  </a:stretch>
+                </a:blipFill>
+                <a:ln>
+                  <a:noFill/>
+                </a:ln>
+              </p:spPr>
+              <p:txBody>
+                <a:bodyPr/>
+                <a:lstStyle/>
+                <a:p>
+                  <a:r>
+                    <a:rPr lang="en-US">
+                      <a:noFill/>
+                    </a:rPr>
+                    <a:t> </a:t>
+                  </a:r>
+                </a:p>
+              </p:txBody>
+            </p:sp>
+          </mc:Fallback>
+        </mc:AlternateContent>
+        <p:cxnSp>
+          <p:nvCxnSpPr>
+            <p:cNvPr id="26" name="Straight Arrow Connector 154">
+              <a:extLst>
+                <a:ext uri="{FF2B5EF4-FFF2-40B4-BE49-F238E27FC236}">
+                  <a16:creationId xmlns:a16="http://schemas.microsoft.com/office/drawing/2014/main" id="{6F0D7F88-0116-4AFE-874D-576790FC1037}"/>
+                </a:ext>
+              </a:extLst>
+            </p:cNvPr>
+            <p:cNvCxnSpPr/>
+            <p:nvPr/>
+          </p:nvCxnSpPr>
+          <p:spPr>
+            <a:xfrm>
+              <a:off x="7952781" y="4348400"/>
+              <a:ext cx="518754" cy="0"/>
+            </a:xfrm>
+            <a:prstGeom prst="straightConnector1">
+              <a:avLst/>
+            </a:prstGeom>
+            <a:ln>
+              <a:solidFill>
+                <a:schemeClr val="tx1"/>
+              </a:solidFill>
+              <a:tailEnd type="triangle"/>
+            </a:ln>
+          </p:spPr>
+          <p:style>
+            <a:lnRef idx="1">
+              <a:schemeClr val="accent1"/>
+            </a:lnRef>
+            <a:fillRef idx="0">
+              <a:schemeClr val="accent1"/>
+            </a:fillRef>
+            <a:effectRef idx="0">
+              <a:schemeClr val="accent1"/>
+            </a:effectRef>
+            <a:fontRef idx="minor">
+              <a:schemeClr val="tx1"/>
+            </a:fontRef>
+          </p:style>
+        </p:cxnSp>
+        <mc:AlternateContent xmlns:mc="http://schemas.openxmlformats.org/markup-compatibility/2006">
+          <mc:Choice xmlns:a14="http://schemas.microsoft.com/office/drawing/2010/main" Requires="a14">
+            <p:sp>
+              <p:nvSpPr>
+                <p:cNvPr id="27" name="Oval 155">
+                  <a:extLst>
+                    <a:ext uri="{FF2B5EF4-FFF2-40B4-BE49-F238E27FC236}">
+                      <a16:creationId xmlns:a16="http://schemas.microsoft.com/office/drawing/2014/main" id="{FAA0CD89-0CED-467A-9E16-47DE77500CE8}"/>
+                    </a:ext>
+                  </a:extLst>
+                </p:cNvPr>
+                <p:cNvSpPr/>
+                <p:nvPr/>
+              </p:nvSpPr>
+              <p:spPr>
+                <a:xfrm>
+                  <a:off x="8471535" y="4163734"/>
+                  <a:ext cx="388620" cy="388620"/>
+                </a:xfrm>
+                <a:prstGeom prst="ellipse">
+                  <a:avLst/>
+                </a:prstGeom>
+                <a:noFill/>
+                <a:ln>
+                  <a:solidFill>
+                    <a:schemeClr val="tx1"/>
+                  </a:solidFill>
+                </a:ln>
+              </p:spPr>
+              <p:style>
+                <a:lnRef idx="2">
+                  <a:schemeClr val="accent1">
+                    <a:shade val="50000"/>
+                  </a:schemeClr>
+                </a:lnRef>
+                <a:fillRef idx="1">
+                  <a:schemeClr val="accent1"/>
+                </a:fillRef>
+                <a:effectRef idx="0">
+                  <a:schemeClr val="accent1"/>
+                </a:effectRef>
+                <a:fontRef idx="minor">
+                  <a:schemeClr val="lt1"/>
+                </a:fontRef>
+              </p:style>
+              <p:txBody>
+                <a:bodyPr rtlCol="0" anchor="ctr"/>
+                <a:lstStyle/>
+                <a:p>
+                  <a:pPr algn="ctr"/>
+                  <a14:m>
+                    <m:oMathPara xmlns:m="http://schemas.openxmlformats.org/officeDocument/2006/math">
+                      <m:oMathParaPr>
+                        <m:jc m:val="centerGroup"/>
+                      </m:oMathParaPr>
+                      <m:oMath xmlns:m="http://schemas.openxmlformats.org/officeDocument/2006/math">
+                        <m:sSub>
+                          <m:sSubPr>
+                            <m:ctrlPr>
+                              <a:rPr lang="en-US" b="0" i="1" smtClean="0">
+                                <a:solidFill>
+                                  <a:schemeClr val="tx1"/>
+                                </a:solidFill>
+                                <a:latin typeface="Cambria Math" panose="02040503050406030204" pitchFamily="18" charset="0"/>
+                              </a:rPr>
+                            </m:ctrlPr>
+                          </m:sSubPr>
+                          <m:e>
+                            <m:r>
+                              <a:rPr lang="en-US" b="0" i="1" smtClean="0">
+                                <a:solidFill>
+                                  <a:schemeClr val="tx1"/>
+                                </a:solidFill>
+                                <a:latin typeface="Cambria Math" panose="02040503050406030204" pitchFamily="18" charset="0"/>
+                              </a:rPr>
+                              <m:t>  </m:t>
+                            </m:r>
+                            <m:r>
+                              <a:rPr lang="en-US" b="0" i="1" smtClean="0">
+                                <a:solidFill>
+                                  <a:schemeClr val="tx1"/>
+                                </a:solidFill>
+                                <a:latin typeface="Cambria Math" panose="02040503050406030204" pitchFamily="18" charset="0"/>
+                              </a:rPr>
+                              <m:t>𝑋</m:t>
+                            </m:r>
+                          </m:e>
+                          <m:sub>
+                            <m:r>
+                              <a:rPr lang="en-US" b="0" i="1" smtClean="0">
+                                <a:solidFill>
+                                  <a:schemeClr val="tx1"/>
+                                </a:solidFill>
+                                <a:latin typeface="Cambria Math" panose="02040503050406030204" pitchFamily="18" charset="0"/>
+                              </a:rPr>
+                              <m:t>4</m:t>
+                            </m:r>
+                          </m:sub>
+                        </m:sSub>
+                      </m:oMath>
+                    </m:oMathPara>
+                  </a14:m>
+                  <a:endParaRPr lang="en-US" dirty="0">
+                    <a:solidFill>
+                      <a:schemeClr val="tx1"/>
+                    </a:solidFill>
+                  </a:endParaRPr>
+                </a:p>
+              </p:txBody>
+            </p:sp>
+          </mc:Choice>
+          <mc:Fallback>
+            <p:sp>
+              <p:nvSpPr>
+                <p:cNvPr id="27" name="Oval 155">
+                  <a:extLst>
+                    <a:ext uri="{FF2B5EF4-FFF2-40B4-BE49-F238E27FC236}">
+                      <a16:creationId xmlns:a16="http://schemas.microsoft.com/office/drawing/2014/main" id="{FAA0CD89-0CED-467A-9E16-47DE77500CE8}"/>
+                    </a:ext>
+                  </a:extLst>
+                </p:cNvPr>
+                <p:cNvSpPr>
+                  <a:spLocks noRot="1" noChangeAspect="1" noMove="1" noResize="1" noEditPoints="1" noAdjustHandles="1" noChangeArrowheads="1" noChangeShapeType="1" noTextEdit="1"/>
+                </p:cNvSpPr>
+                <p:nvPr/>
+              </p:nvSpPr>
+              <p:spPr>
+                <a:xfrm>
+                  <a:off x="8471535" y="4163734"/>
+                  <a:ext cx="388620" cy="388620"/>
+                </a:xfrm>
+                <a:prstGeom prst="ellipse">
+                  <a:avLst/>
+                </a:prstGeom>
+                <a:blipFill>
+                  <a:blip r:embed="rId7"/>
+                  <a:stretch>
+                    <a:fillRect l="-1538"/>
+                  </a:stretch>
+                </a:blipFill>
+                <a:ln>
+                  <a:solidFill>
+                    <a:schemeClr val="tx1"/>
+                  </a:solidFill>
+                </a:ln>
+              </p:spPr>
+              <p:txBody>
+                <a:bodyPr/>
+                <a:lstStyle/>
+                <a:p>
+                  <a:r>
+                    <a:rPr lang="en-US">
+                      <a:noFill/>
+                    </a:rPr>
+                    <a:t> </a:t>
+                  </a:r>
+                </a:p>
+              </p:txBody>
+            </p:sp>
+          </mc:Fallback>
+        </mc:AlternateContent>
+        <p:cxnSp>
+          <p:nvCxnSpPr>
+            <p:cNvPr id="28" name="Curved Connector 157">
+              <a:extLst>
+                <a:ext uri="{FF2B5EF4-FFF2-40B4-BE49-F238E27FC236}">
+                  <a16:creationId xmlns:a16="http://schemas.microsoft.com/office/drawing/2014/main" id="{CD7E5934-CB24-4333-9ABD-E4DEC25B2604}"/>
+                </a:ext>
+              </a:extLst>
+            </p:cNvPr>
+            <p:cNvCxnSpPr>
+              <a:stCxn id="19" idx="7"/>
+              <a:endCxn id="22" idx="1"/>
+            </p:cNvCxnSpPr>
+            <p:nvPr/>
+          </p:nvCxnSpPr>
+          <p:spPr>
+            <a:xfrm rot="16200000" flipH="1">
+              <a:off x="6753017" y="3365747"/>
+              <a:ext cx="20122" cy="1676580"/>
+            </a:xfrm>
+            <a:prstGeom prst="curvedConnector3">
+              <a:avLst>
+                <a:gd name="adj1" fmla="val -1418905"/>
+              </a:avLst>
+            </a:prstGeom>
+            <a:ln>
+              <a:solidFill>
+                <a:schemeClr val="tx1"/>
+              </a:solidFill>
+              <a:tailEnd type="triangle"/>
+            </a:ln>
+          </p:spPr>
+          <p:style>
+            <a:lnRef idx="1">
+              <a:schemeClr val="accent1"/>
+            </a:lnRef>
+            <a:fillRef idx="0">
+              <a:schemeClr val="accent1"/>
+            </a:fillRef>
+            <a:effectRef idx="0">
+              <a:schemeClr val="accent1"/>
+            </a:effectRef>
+            <a:fontRef idx="minor">
+              <a:schemeClr val="tx1"/>
+            </a:fontRef>
+          </p:style>
+        </p:cxnSp>
+        <p:cxnSp>
+          <p:nvCxnSpPr>
+            <p:cNvPr id="29" name="Curved Connector 159">
+              <a:extLst>
+                <a:ext uri="{FF2B5EF4-FFF2-40B4-BE49-F238E27FC236}">
+                  <a16:creationId xmlns:a16="http://schemas.microsoft.com/office/drawing/2014/main" id="{897F6D22-17D6-43B8-812B-D7FC52627979}"/>
+                </a:ext>
+              </a:extLst>
+            </p:cNvPr>
+            <p:cNvCxnSpPr>
+              <a:stCxn id="20" idx="7"/>
+              <a:endCxn id="27" idx="1"/>
+            </p:cNvCxnSpPr>
+            <p:nvPr/>
+          </p:nvCxnSpPr>
+          <p:spPr>
+            <a:xfrm rot="16200000" flipH="1">
+              <a:off x="7709416" y="3401615"/>
+              <a:ext cx="19288" cy="1618774"/>
+            </a:xfrm>
+            <a:prstGeom prst="curvedConnector3">
+              <a:avLst>
+                <a:gd name="adj1" fmla="val -1480257"/>
+              </a:avLst>
+            </a:prstGeom>
+            <a:ln>
+              <a:solidFill>
+                <a:schemeClr val="tx1"/>
+              </a:solidFill>
+              <a:tailEnd type="triangle"/>
+            </a:ln>
+          </p:spPr>
+          <p:style>
+            <a:lnRef idx="1">
+              <a:schemeClr val="accent1"/>
+            </a:lnRef>
+            <a:fillRef idx="0">
+              <a:schemeClr val="accent1"/>
+            </a:fillRef>
+            <a:effectRef idx="0">
+              <a:schemeClr val="accent1"/>
+            </a:effectRef>
+            <a:fontRef idx="minor">
+              <a:schemeClr val="tx1"/>
+            </a:fontRef>
+          </p:style>
+        </p:cxnSp>
+      </p:grpSp>
+      <p:cxnSp>
+        <p:nvCxnSpPr>
+          <p:cNvPr id="37" name="连接符: 曲线 36">
+            <a:extLst>
+              <a:ext uri="{FF2B5EF4-FFF2-40B4-BE49-F238E27FC236}">
+                <a16:creationId xmlns:a16="http://schemas.microsoft.com/office/drawing/2014/main" id="{728ABAC7-0FF2-4B68-B5EE-13023FBE1539}"/>
+              </a:ext>
+            </a:extLst>
+          </p:cNvPr>
+          <p:cNvCxnSpPr>
+            <a:stCxn id="19" idx="7"/>
+            <a:endCxn id="27" idx="0"/>
+          </p:cNvCxnSpPr>
+          <p:nvPr/>
+        </p:nvCxnSpPr>
+        <p:spPr>
+          <a:xfrm rot="5400000" flipH="1" flipV="1">
+            <a:off x="5779868" y="1569522"/>
+            <a:ext cx="30242" cy="2741057"/>
+          </a:xfrm>
+          <a:prstGeom prst="curvedConnector3">
+            <a:avLst>
+              <a:gd name="adj1" fmla="val 1501835"/>
+            </a:avLst>
+          </a:prstGeom>
+          <a:ln>
+            <a:solidFill>
+              <a:schemeClr val="tx1"/>
+            </a:solidFill>
+            <a:tailEnd type="triangle"/>
+          </a:ln>
+        </p:spPr>
+        <p:style>
+          <a:lnRef idx="1">
+            <a:schemeClr val="accent1"/>
+          </a:lnRef>
+          <a:fillRef idx="0">
+            <a:schemeClr val="accent1"/>
+          </a:fillRef>
+          <a:effectRef idx="0">
+            <a:schemeClr val="accent1"/>
+          </a:effectRef>
+          <a:fontRef idx="minor">
+            <a:schemeClr val="tx1"/>
+          </a:fontRef>
+        </p:style>
+      </p:cxnSp>
+      <p:cxnSp>
+        <p:nvCxnSpPr>
+          <p:cNvPr id="40" name="连接符: 曲线 39">
+            <a:extLst>
+              <a:ext uri="{FF2B5EF4-FFF2-40B4-BE49-F238E27FC236}">
+                <a16:creationId xmlns:a16="http://schemas.microsoft.com/office/drawing/2014/main" id="{59B41FFD-F1E0-4AB5-9354-E1CFBA7D5D09}"/>
+              </a:ext>
+            </a:extLst>
+          </p:cNvPr>
+          <p:cNvCxnSpPr>
+            <a:stCxn id="19" idx="7"/>
+            <a:endCxn id="21" idx="0"/>
+          </p:cNvCxnSpPr>
+          <p:nvPr/>
+        </p:nvCxnSpPr>
+        <p:spPr>
+          <a:xfrm rot="5400000" flipH="1" flipV="1">
+            <a:off x="6252189" y="1093153"/>
+            <a:ext cx="34290" cy="3689747"/>
+          </a:xfrm>
+          <a:prstGeom prst="curvedConnector3">
+            <a:avLst>
+              <a:gd name="adj1" fmla="val 1790560"/>
+            </a:avLst>
+          </a:prstGeom>
+          <a:ln>
+            <a:solidFill>
+              <a:schemeClr val="tx1"/>
+            </a:solidFill>
+            <a:tailEnd type="triangle"/>
+          </a:ln>
+        </p:spPr>
+        <p:style>
+          <a:lnRef idx="1">
+            <a:schemeClr val="accent1"/>
+          </a:lnRef>
+          <a:fillRef idx="0">
+            <a:schemeClr val="accent1"/>
+          </a:fillRef>
+          <a:effectRef idx="0">
+            <a:schemeClr val="accent1"/>
+          </a:effectRef>
+          <a:fontRef idx="minor">
+            <a:schemeClr val="tx1"/>
+          </a:fontRef>
+        </p:style>
+      </p:cxnSp>
+      <p:cxnSp>
+        <p:nvCxnSpPr>
+          <p:cNvPr id="45" name="连接符: 曲线 44">
+            <a:extLst>
+              <a:ext uri="{FF2B5EF4-FFF2-40B4-BE49-F238E27FC236}">
+                <a16:creationId xmlns:a16="http://schemas.microsoft.com/office/drawing/2014/main" id="{B20B8C23-0AA1-4A5C-AC35-A75F05DE82FC}"/>
+              </a:ext>
+            </a:extLst>
+          </p:cNvPr>
+          <p:cNvCxnSpPr>
+            <a:stCxn id="20" idx="4"/>
+            <a:endCxn id="21" idx="3"/>
+          </p:cNvCxnSpPr>
+          <p:nvPr/>
+        </p:nvCxnSpPr>
+        <p:spPr>
+          <a:xfrm rot="5400000" flipH="1" flipV="1">
+            <a:off x="6603543" y="1920994"/>
+            <a:ext cx="41672" cy="2704862"/>
+          </a:xfrm>
+          <a:prstGeom prst="curvedConnector3">
+            <a:avLst>
+              <a:gd name="adj1" fmla="val -585141"/>
+            </a:avLst>
+          </a:prstGeom>
+          <a:ln>
+            <a:solidFill>
+              <a:schemeClr val="tx1"/>
+            </a:solidFill>
+            <a:tailEnd type="triangle"/>
+          </a:ln>
+        </p:spPr>
+        <p:style>
+          <a:lnRef idx="1">
+            <a:schemeClr val="accent1"/>
+          </a:lnRef>
+          <a:fillRef idx="0">
+            <a:schemeClr val="accent1"/>
+          </a:fillRef>
+          <a:effectRef idx="0">
+            <a:schemeClr val="accent1"/>
+          </a:effectRef>
+          <a:fontRef idx="minor">
+            <a:schemeClr val="tx1"/>
+          </a:fontRef>
+        </p:style>
+      </p:cxnSp>
+      <p:cxnSp>
+        <p:nvCxnSpPr>
+          <p:cNvPr id="47" name="连接符: 曲线 46">
+            <a:extLst>
+              <a:ext uri="{FF2B5EF4-FFF2-40B4-BE49-F238E27FC236}">
+                <a16:creationId xmlns:a16="http://schemas.microsoft.com/office/drawing/2014/main" id="{5F4F507F-1294-49C2-B15A-5B4AEC15852D}"/>
+              </a:ext>
+            </a:extLst>
+          </p:cNvPr>
+          <p:cNvCxnSpPr>
+            <a:stCxn id="22" idx="4"/>
+            <a:endCxn id="21" idx="4"/>
+          </p:cNvCxnSpPr>
+          <p:nvPr/>
+        </p:nvCxnSpPr>
+        <p:spPr>
+          <a:xfrm rot="16200000" flipH="1">
+            <a:off x="7175073" y="2370366"/>
+            <a:ext cx="2500" cy="1875769"/>
+          </a:xfrm>
+          <a:prstGeom prst="curvedConnector3">
+            <a:avLst>
+              <a:gd name="adj1" fmla="val 9244000"/>
+            </a:avLst>
+          </a:prstGeom>
+          <a:ln>
+            <a:solidFill>
+              <a:schemeClr val="tx1"/>
+            </a:solidFill>
+            <a:tailEnd type="triangle"/>
+          </a:ln>
+        </p:spPr>
+        <p:style>
+          <a:lnRef idx="1">
+            <a:schemeClr val="accent1"/>
+          </a:lnRef>
+          <a:fillRef idx="0">
+            <a:schemeClr val="accent1"/>
+          </a:fillRef>
+          <a:effectRef idx="0">
+            <a:schemeClr val="accent1"/>
+          </a:effectRef>
+          <a:fontRef idx="minor">
+            <a:schemeClr val="tx1"/>
+          </a:fontRef>
+        </p:style>
+      </p:cxnSp>
+      <p:cxnSp>
+        <p:nvCxnSpPr>
+          <p:cNvPr id="51" name="连接符: 曲线 50">
+            <a:extLst>
+              <a:ext uri="{FF2B5EF4-FFF2-40B4-BE49-F238E27FC236}">
+                <a16:creationId xmlns:a16="http://schemas.microsoft.com/office/drawing/2014/main" id="{C4150571-CDCC-4AD2-989D-EC35E237AE56}"/>
+              </a:ext>
+            </a:extLst>
+          </p:cNvPr>
+          <p:cNvCxnSpPr>
+            <a:stCxn id="27" idx="4"/>
+            <a:endCxn id="21" idx="4"/>
+          </p:cNvCxnSpPr>
+          <p:nvPr/>
+        </p:nvCxnSpPr>
+        <p:spPr>
+          <a:xfrm rot="5400000" flipH="1" flipV="1">
+            <a:off x="7637839" y="2837180"/>
+            <a:ext cx="4048" cy="948690"/>
+          </a:xfrm>
+          <a:prstGeom prst="curvedConnector3">
+            <a:avLst>
+              <a:gd name="adj1" fmla="val -5647233"/>
+            </a:avLst>
+          </a:prstGeom>
+          <a:ln>
+            <a:solidFill>
+              <a:schemeClr val="tx1"/>
+            </a:solidFill>
+            <a:tailEnd type="triangle"/>
+          </a:ln>
+        </p:spPr>
+        <p:style>
+          <a:lnRef idx="1">
+            <a:schemeClr val="accent1"/>
+          </a:lnRef>
+          <a:fillRef idx="0">
+            <a:schemeClr val="accent1"/>
+          </a:fillRef>
+          <a:effectRef idx="0">
+            <a:schemeClr val="accent1"/>
+          </a:effectRef>
+          <a:fontRef idx="minor">
+            <a:schemeClr val="tx1"/>
+          </a:fontRef>
+        </p:style>
+      </p:cxnSp>
+    </p:spTree>
+    <p:extLst>
+      <p:ext uri="{BB962C8B-B14F-4D97-AF65-F5344CB8AC3E}">
+        <p14:creationId xmlns:p14="http://schemas.microsoft.com/office/powerpoint/2010/main" val="166633279"/>
+      </p:ext>
+    </p:extLst>
+  </p:cSld>
+  <p:clrMapOvr>
+    <a:masterClrMapping/>
+  </p:clrMapOvr>
+</p:sld>
+</file>
+
+<file path=ppt/slides/slide3.xml><?xml version="1.0" encoding="utf-8"?>
 <p:sld xmlns:a="http://schemas.openxmlformats.org/drawingml/2006/main" xmlns:r="http://schemas.openxmlformats.org/officeDocument/2006/relationships" xmlns:p="http://schemas.openxmlformats.org/presentationml/2006/main">
   <p:cSld>
     <p:spTree>
@@ -4443,18 +5783,13 @@
             <a:p>
               <a:pPr algn="ctr"/>
               <a:r>
-                <a:rPr lang="en-US" dirty="0" smtClean="0">
+                <a:rPr lang="en-US" dirty="0">
                   <a:solidFill>
                     <a:schemeClr val="tx1"/>
                   </a:solidFill>
                 </a:rPr>
                 <a:t>B</a:t>
               </a:r>
-              <a:endParaRPr lang="en-US" dirty="0">
-                <a:solidFill>
-                  <a:schemeClr val="tx1"/>
-                </a:solidFill>
-              </a:endParaRPr>
             </a:p>
           </p:txBody>
         </p:sp>
@@ -4501,18 +5836,13 @@
             <a:p>
               <a:pPr algn="ctr"/>
               <a:r>
-                <a:rPr lang="en-US" dirty="0" smtClean="0">
+                <a:rPr lang="en-US" dirty="0">
                   <a:solidFill>
                     <a:schemeClr val="tx1"/>
                   </a:solidFill>
                 </a:rPr>
                 <a:t>A</a:t>
               </a:r>
-              <a:endParaRPr lang="en-US" dirty="0">
-                <a:solidFill>
-                  <a:schemeClr val="tx1"/>
-                </a:solidFill>
-              </a:endParaRPr>
             </a:p>
           </p:txBody>
         </p:sp>
@@ -4559,18 +5889,13 @@
             <a:p>
               <a:pPr algn="ctr"/>
               <a:r>
-                <a:rPr lang="en-US" dirty="0" smtClean="0">
+                <a:rPr lang="en-US" dirty="0">
                   <a:solidFill>
                     <a:schemeClr val="tx1"/>
                   </a:solidFill>
                 </a:rPr>
                 <a:t>C</a:t>
               </a:r>
-              <a:endParaRPr lang="en-US" dirty="0">
-                <a:solidFill>
-                  <a:schemeClr val="tx1"/>
-                </a:solidFill>
-              </a:endParaRPr>
             </a:p>
           </p:txBody>
         </p:sp>
@@ -4617,18 +5942,13 @@
             <a:p>
               <a:pPr algn="ctr"/>
               <a:r>
-                <a:rPr lang="en-US" dirty="0" smtClean="0">
+                <a:rPr lang="en-US" dirty="0">
                   <a:solidFill>
                     <a:schemeClr val="tx1"/>
                   </a:solidFill>
                 </a:rPr>
                 <a:t>E</a:t>
               </a:r>
-              <a:endParaRPr lang="en-US" dirty="0">
-                <a:solidFill>
-                  <a:schemeClr val="tx1"/>
-                </a:solidFill>
-              </a:endParaRPr>
             </a:p>
           </p:txBody>
         </p:sp>
@@ -4675,18 +5995,13 @@
             <a:p>
               <a:pPr algn="ctr"/>
               <a:r>
-                <a:rPr lang="en-US" dirty="0" smtClean="0">
+                <a:rPr lang="en-US" dirty="0">
                   <a:solidFill>
                     <a:schemeClr val="tx1"/>
                   </a:solidFill>
                 </a:rPr>
                 <a:t>D</a:t>
               </a:r>
-              <a:endParaRPr lang="en-US" dirty="0">
-                <a:solidFill>
-                  <a:schemeClr val="tx1"/>
-                </a:solidFill>
-              </a:endParaRPr>
             </a:p>
           </p:txBody>
         </p:sp>
@@ -8555,7 +9870,7 @@
 </p:sld>
 </file>
 
-<file path=ppt/slides/slide3.xml><?xml version="1.0" encoding="utf-8"?>
+<file path=ppt/slides/slide4.xml><?xml version="1.0" encoding="utf-8"?>
 <p:sld xmlns:a="http://schemas.openxmlformats.org/drawingml/2006/main" xmlns:r="http://schemas.openxmlformats.org/officeDocument/2006/relationships" xmlns:p="http://schemas.openxmlformats.org/presentationml/2006/main">
   <p:cSld>
     <p:spTree>
@@ -11297,7 +12612,7 @@
 </p:sld>
 </file>
 
-<file path=ppt/slides/slide4.xml><?xml version="1.0" encoding="utf-8"?>
+<file path=ppt/slides/slide5.xml><?xml version="1.0" encoding="utf-8"?>
 <p:sld xmlns:a="http://schemas.openxmlformats.org/drawingml/2006/main" xmlns:r="http://schemas.openxmlformats.org/officeDocument/2006/relationships" xmlns:p="http://schemas.openxmlformats.org/presentationml/2006/main">
   <p:cSld>
     <p:spTree>
@@ -11409,8 +12724,8 @@
             </p:style>
           </p:cxnSp>
         </p:grpSp>
-        <mc:AlternateContent xmlns:mc="http://schemas.openxmlformats.org/markup-compatibility/2006">
-          <mc:Choice xmlns:a14="http://schemas.microsoft.com/office/drawing/2010/main" Requires="a14">
+        <mc:AlternateContent xmlns:mc="http://schemas.openxmlformats.org/markup-compatibility/2006" xmlns:a14="http://schemas.microsoft.com/office/drawing/2010/main">
+          <mc:Choice Requires="a14">
             <p:sp>
               <p:nvSpPr>
                 <p:cNvPr id="6" name="TextBox 5"/>
@@ -11433,6 +12748,7 @@
                 </a:bodyPr>
                 <a:lstStyle/>
                 <a:p>
+                  <a:pPr/>
                   <a14:m>
                     <m:oMathPara xmlns:m="http://schemas.openxmlformats.org/officeDocument/2006/math">
                       <m:oMathParaPr>
@@ -11472,7 +12788,7 @@
               </p:txBody>
             </p:sp>
           </mc:Choice>
-          <mc:Fallback>
+          <mc:Fallback xmlns="">
             <p:sp>
               <p:nvSpPr>
                 <p:cNvPr id="6" name="TextBox 5"/>
@@ -11525,7 +12841,7 @@
 </p:sld>
 </file>
 
-<file path=ppt/slides/slide5.xml><?xml version="1.0" encoding="utf-8"?>
+<file path=ppt/slides/slide6.xml><?xml version="1.0" encoding="utf-8"?>
 <p:sld xmlns:a="http://schemas.openxmlformats.org/drawingml/2006/main" xmlns:r="http://schemas.openxmlformats.org/officeDocument/2006/relationships" xmlns:p="http://schemas.openxmlformats.org/presentationml/2006/main">
   <p:cSld>
     <p:spTree>
@@ -11542,6 +12858,2227 @@
           <a:chExt cx="0" cy="0"/>
         </a:xfrm>
       </p:grpSpPr>
+      <p:grpSp>
+        <p:nvGrpSpPr>
+          <p:cNvPr id="97" name="组合 96">
+            <a:extLst>
+              <a:ext uri="{FF2B5EF4-FFF2-40B4-BE49-F238E27FC236}">
+                <a16:creationId xmlns:a16="http://schemas.microsoft.com/office/drawing/2014/main" id="{7467EE6A-3A23-4DBA-A8CF-5041A363B630}"/>
+              </a:ext>
+            </a:extLst>
+          </p:cNvPr>
+          <p:cNvGrpSpPr/>
+          <p:nvPr/>
+        </p:nvGrpSpPr>
+        <p:grpSpPr>
+          <a:xfrm>
+            <a:off x="2090057" y="680583"/>
+            <a:ext cx="7566361" cy="5165441"/>
+            <a:chOff x="1625600" y="506411"/>
+            <a:chExt cx="7566361" cy="5165441"/>
+          </a:xfrm>
+        </p:grpSpPr>
+        <p:grpSp>
+          <p:nvGrpSpPr>
+            <p:cNvPr id="30" name="组合 29">
+              <a:extLst>
+                <a:ext uri="{FF2B5EF4-FFF2-40B4-BE49-F238E27FC236}">
+                  <a16:creationId xmlns:a16="http://schemas.microsoft.com/office/drawing/2014/main" id="{A3875059-6344-4213-A85E-91D7CD758FD8}"/>
+                </a:ext>
+              </a:extLst>
+            </p:cNvPr>
+            <p:cNvGrpSpPr/>
+            <p:nvPr/>
+          </p:nvGrpSpPr>
+          <p:grpSpPr>
+            <a:xfrm>
+              <a:off x="1727427" y="637665"/>
+              <a:ext cx="3507411" cy="2043034"/>
+              <a:chOff x="698727" y="590040"/>
+              <a:chExt cx="3507411" cy="2043034"/>
+            </a:xfrm>
+          </p:grpSpPr>
+          <p:cxnSp>
+            <p:nvCxnSpPr>
+              <p:cNvPr id="3" name="直接连接符 2">
+                <a:extLst>
+                  <a:ext uri="{FF2B5EF4-FFF2-40B4-BE49-F238E27FC236}">
+                    <a16:creationId xmlns:a16="http://schemas.microsoft.com/office/drawing/2014/main" id="{4DAFAA01-18A4-4F9E-82BE-6DFC92C7885F}"/>
+                  </a:ext>
+                </a:extLst>
+              </p:cNvPr>
+              <p:cNvCxnSpPr>
+                <a:cxnSpLocks/>
+              </p:cNvCxnSpPr>
+              <p:nvPr/>
+            </p:nvCxnSpPr>
+            <p:spPr>
+              <a:xfrm>
+                <a:off x="698727" y="2573192"/>
+                <a:ext cx="3507411" cy="0"/>
+              </a:xfrm>
+              <a:prstGeom prst="line">
+                <a:avLst/>
+              </a:prstGeom>
+              <a:ln w="12700">
+                <a:solidFill>
+                  <a:schemeClr val="tx1"/>
+                </a:solidFill>
+              </a:ln>
+            </p:spPr>
+            <p:style>
+              <a:lnRef idx="1">
+                <a:schemeClr val="accent1"/>
+              </a:lnRef>
+              <a:fillRef idx="0">
+                <a:schemeClr val="accent1"/>
+              </a:fillRef>
+              <a:effectRef idx="0">
+                <a:schemeClr val="accent1"/>
+              </a:effectRef>
+              <a:fontRef idx="minor">
+                <a:schemeClr val="tx1"/>
+              </a:fontRef>
+            </p:style>
+          </p:cxnSp>
+          <p:sp>
+            <p:nvSpPr>
+              <p:cNvPr id="6" name="任意多边形: 形状 5">
+                <a:extLst>
+                  <a:ext uri="{FF2B5EF4-FFF2-40B4-BE49-F238E27FC236}">
+                    <a16:creationId xmlns:a16="http://schemas.microsoft.com/office/drawing/2014/main" id="{C7EEFE5B-F41D-4922-A0EF-3B396E41EADF}"/>
+                  </a:ext>
+                </a:extLst>
+              </p:cNvPr>
+              <p:cNvSpPr/>
+              <p:nvPr/>
+            </p:nvSpPr>
+            <p:spPr>
+              <a:xfrm rot="21310404">
+                <a:off x="778994" y="590040"/>
+                <a:ext cx="3205964" cy="2043034"/>
+              </a:xfrm>
+              <a:custGeom>
+                <a:avLst/>
+                <a:gdLst>
+                  <a:gd name="connsiteX0" fmla="*/ 0 w 3764280"/>
+                  <a:gd name="connsiteY0" fmla="*/ 1768714 h 2043034"/>
+                  <a:gd name="connsiteX1" fmla="*/ 1234440 w 3764280"/>
+                  <a:gd name="connsiteY1" fmla="*/ 1395334 h 2043034"/>
+                  <a:gd name="connsiteX2" fmla="*/ 1981200 w 3764280"/>
+                  <a:gd name="connsiteY2" fmla="*/ 874 h 2043034"/>
+                  <a:gd name="connsiteX3" fmla="*/ 2499360 w 3764280"/>
+                  <a:gd name="connsiteY3" fmla="*/ 1616314 h 2043034"/>
+                  <a:gd name="connsiteX4" fmla="*/ 3718560 w 3764280"/>
+                  <a:gd name="connsiteY4" fmla="*/ 2043034 h 2043034"/>
+                  <a:gd name="connsiteX5" fmla="*/ 3718560 w 3764280"/>
+                  <a:gd name="connsiteY5" fmla="*/ 2043034 h 2043034"/>
+                  <a:gd name="connsiteX6" fmla="*/ 3764280 w 3764280"/>
+                  <a:gd name="connsiteY6" fmla="*/ 2043034 h 2043034"/>
+                </a:gdLst>
+                <a:ahLst/>
+                <a:cxnLst>
+                  <a:cxn ang="0">
+                    <a:pos x="connsiteX0" y="connsiteY0"/>
+                  </a:cxn>
+                  <a:cxn ang="0">
+                    <a:pos x="connsiteX1" y="connsiteY1"/>
+                  </a:cxn>
+                  <a:cxn ang="0">
+                    <a:pos x="connsiteX2" y="connsiteY2"/>
+                  </a:cxn>
+                  <a:cxn ang="0">
+                    <a:pos x="connsiteX3" y="connsiteY3"/>
+                  </a:cxn>
+                  <a:cxn ang="0">
+                    <a:pos x="connsiteX4" y="connsiteY4"/>
+                  </a:cxn>
+                  <a:cxn ang="0">
+                    <a:pos x="connsiteX5" y="connsiteY5"/>
+                  </a:cxn>
+                  <a:cxn ang="0">
+                    <a:pos x="connsiteX6" y="connsiteY6"/>
+                  </a:cxn>
+                </a:cxnLst>
+                <a:rect l="l" t="t" r="r" b="b"/>
+                <a:pathLst>
+                  <a:path w="3764280" h="2043034">
+                    <a:moveTo>
+                      <a:pt x="0" y="1768714"/>
+                    </a:moveTo>
+                    <a:cubicBezTo>
+                      <a:pt x="452120" y="1729344"/>
+                      <a:pt x="904240" y="1689974"/>
+                      <a:pt x="1234440" y="1395334"/>
+                    </a:cubicBezTo>
+                    <a:cubicBezTo>
+                      <a:pt x="1564640" y="1100694"/>
+                      <a:pt x="1770380" y="-35956"/>
+                      <a:pt x="1981200" y="874"/>
+                    </a:cubicBezTo>
+                    <a:cubicBezTo>
+                      <a:pt x="2192020" y="37704"/>
+                      <a:pt x="2209800" y="1275954"/>
+                      <a:pt x="2499360" y="1616314"/>
+                    </a:cubicBezTo>
+                    <a:cubicBezTo>
+                      <a:pt x="2788920" y="1956674"/>
+                      <a:pt x="3718560" y="2043034"/>
+                      <a:pt x="3718560" y="2043034"/>
+                    </a:cubicBezTo>
+                    <a:lnTo>
+                      <a:pt x="3718560" y="2043034"/>
+                    </a:lnTo>
+                    <a:lnTo>
+                      <a:pt x="3764280" y="2043034"/>
+                    </a:lnTo>
+                  </a:path>
+                </a:pathLst>
+              </a:custGeom>
+              <a:noFill/>
+              <a:ln w="19050"/>
+            </p:spPr>
+            <p:style>
+              <a:lnRef idx="2">
+                <a:schemeClr val="accent1">
+                  <a:shade val="50000"/>
+                </a:schemeClr>
+              </a:lnRef>
+              <a:fillRef idx="1">
+                <a:schemeClr val="accent1"/>
+              </a:fillRef>
+              <a:effectRef idx="0">
+                <a:schemeClr val="accent1"/>
+              </a:effectRef>
+              <a:fontRef idx="minor">
+                <a:schemeClr val="lt1"/>
+              </a:fontRef>
+            </p:style>
+            <p:txBody>
+              <a:bodyPr rtlCol="0" anchor="ctr"/>
+              <a:lstStyle/>
+              <a:p>
+                <a:pPr algn="ctr"/>
+                <a:endParaRPr lang="en-US"/>
+              </a:p>
+            </p:txBody>
+          </p:sp>
+          <p:cxnSp>
+            <p:nvCxnSpPr>
+              <p:cNvPr id="9" name="直接连接符 8">
+                <a:extLst>
+                  <a:ext uri="{FF2B5EF4-FFF2-40B4-BE49-F238E27FC236}">
+                    <a16:creationId xmlns:a16="http://schemas.microsoft.com/office/drawing/2014/main" id="{2711577F-7F8B-4D98-8BEA-7936481FE58F}"/>
+                  </a:ext>
+                </a:extLst>
+              </p:cNvPr>
+              <p:cNvCxnSpPr/>
+              <p:nvPr/>
+            </p:nvCxnSpPr>
+            <p:spPr>
+              <a:xfrm>
+                <a:off x="3190876" y="2344290"/>
+                <a:ext cx="0" cy="225279"/>
+              </a:xfrm>
+              <a:prstGeom prst="line">
+                <a:avLst/>
+              </a:prstGeom>
+              <a:ln w="28575">
+                <a:solidFill>
+                  <a:srgbClr val="FF0000"/>
+                </a:solidFill>
+              </a:ln>
+            </p:spPr>
+            <p:style>
+              <a:lnRef idx="1">
+                <a:schemeClr val="accent1"/>
+              </a:lnRef>
+              <a:fillRef idx="0">
+                <a:schemeClr val="accent1"/>
+              </a:fillRef>
+              <a:effectRef idx="0">
+                <a:schemeClr val="accent1"/>
+              </a:effectRef>
+              <a:fontRef idx="minor">
+                <a:schemeClr val="tx1"/>
+              </a:fontRef>
+            </p:style>
+          </p:cxnSp>
+          <p:cxnSp>
+            <p:nvCxnSpPr>
+              <p:cNvPr id="10" name="直接连接符 9">
+                <a:extLst>
+                  <a:ext uri="{FF2B5EF4-FFF2-40B4-BE49-F238E27FC236}">
+                    <a16:creationId xmlns:a16="http://schemas.microsoft.com/office/drawing/2014/main" id="{F6489F1D-D686-4FAA-8FC5-3D03E9BFBB4A}"/>
+                  </a:ext>
+                </a:extLst>
+              </p:cNvPr>
+              <p:cNvCxnSpPr>
+                <a:cxnSpLocks/>
+              </p:cNvCxnSpPr>
+              <p:nvPr/>
+            </p:nvCxnSpPr>
+            <p:spPr>
+              <a:xfrm>
+                <a:off x="3281364" y="2384572"/>
+                <a:ext cx="0" cy="188620"/>
+              </a:xfrm>
+              <a:prstGeom prst="line">
+                <a:avLst/>
+              </a:prstGeom>
+              <a:ln>
+                <a:solidFill>
+                  <a:srgbClr val="FF0000"/>
+                </a:solidFill>
+              </a:ln>
+            </p:spPr>
+            <p:style>
+              <a:lnRef idx="1">
+                <a:schemeClr val="accent1"/>
+              </a:lnRef>
+              <a:fillRef idx="0">
+                <a:schemeClr val="accent1"/>
+              </a:fillRef>
+              <a:effectRef idx="0">
+                <a:schemeClr val="accent1"/>
+              </a:effectRef>
+              <a:fontRef idx="minor">
+                <a:schemeClr val="tx1"/>
+              </a:fontRef>
+            </p:style>
+          </p:cxnSp>
+          <p:cxnSp>
+            <p:nvCxnSpPr>
+              <p:cNvPr id="11" name="直接连接符 10">
+                <a:extLst>
+                  <a:ext uri="{FF2B5EF4-FFF2-40B4-BE49-F238E27FC236}">
+                    <a16:creationId xmlns:a16="http://schemas.microsoft.com/office/drawing/2014/main" id="{FDA6077B-0B31-4BD6-9014-D4A5871DBD1F}"/>
+                  </a:ext>
+                </a:extLst>
+              </p:cNvPr>
+              <p:cNvCxnSpPr>
+                <a:cxnSpLocks/>
+              </p:cNvCxnSpPr>
+              <p:nvPr/>
+            </p:nvCxnSpPr>
+            <p:spPr>
+              <a:xfrm>
+                <a:off x="3383757" y="2409521"/>
+                <a:ext cx="0" cy="163671"/>
+              </a:xfrm>
+              <a:prstGeom prst="line">
+                <a:avLst/>
+              </a:prstGeom>
+              <a:ln>
+                <a:solidFill>
+                  <a:srgbClr val="FF0000"/>
+                </a:solidFill>
+              </a:ln>
+            </p:spPr>
+            <p:style>
+              <a:lnRef idx="1">
+                <a:schemeClr val="accent1"/>
+              </a:lnRef>
+              <a:fillRef idx="0">
+                <a:schemeClr val="accent1"/>
+              </a:fillRef>
+              <a:effectRef idx="0">
+                <a:schemeClr val="accent1"/>
+              </a:effectRef>
+              <a:fontRef idx="minor">
+                <a:schemeClr val="tx1"/>
+              </a:fontRef>
+            </p:style>
+          </p:cxnSp>
+          <p:cxnSp>
+            <p:nvCxnSpPr>
+              <p:cNvPr id="12" name="直接连接符 11">
+                <a:extLst>
+                  <a:ext uri="{FF2B5EF4-FFF2-40B4-BE49-F238E27FC236}">
+                    <a16:creationId xmlns:a16="http://schemas.microsoft.com/office/drawing/2014/main" id="{F05A6E11-10EC-42EB-AEB3-C75D3E2D5B6A}"/>
+                  </a:ext>
+                </a:extLst>
+              </p:cNvPr>
+              <p:cNvCxnSpPr>
+                <a:cxnSpLocks/>
+              </p:cNvCxnSpPr>
+              <p:nvPr/>
+            </p:nvCxnSpPr>
+            <p:spPr>
+              <a:xfrm>
+                <a:off x="3483770" y="2431257"/>
+                <a:ext cx="0" cy="141935"/>
+              </a:xfrm>
+              <a:prstGeom prst="line">
+                <a:avLst/>
+              </a:prstGeom>
+              <a:ln>
+                <a:solidFill>
+                  <a:srgbClr val="FF0000"/>
+                </a:solidFill>
+              </a:ln>
+            </p:spPr>
+            <p:style>
+              <a:lnRef idx="1">
+                <a:schemeClr val="accent1"/>
+              </a:lnRef>
+              <a:fillRef idx="0">
+                <a:schemeClr val="accent1"/>
+              </a:fillRef>
+              <a:effectRef idx="0">
+                <a:schemeClr val="accent1"/>
+              </a:effectRef>
+              <a:fontRef idx="minor">
+                <a:schemeClr val="tx1"/>
+              </a:fontRef>
+            </p:style>
+          </p:cxnSp>
+          <p:cxnSp>
+            <p:nvCxnSpPr>
+              <p:cNvPr id="13" name="直接连接符 12">
+                <a:extLst>
+                  <a:ext uri="{FF2B5EF4-FFF2-40B4-BE49-F238E27FC236}">
+                    <a16:creationId xmlns:a16="http://schemas.microsoft.com/office/drawing/2014/main" id="{C0B61436-C96F-40E2-9901-34ECCCB4C8E8}"/>
+                  </a:ext>
+                </a:extLst>
+              </p:cNvPr>
+              <p:cNvCxnSpPr>
+                <a:cxnSpLocks/>
+              </p:cNvCxnSpPr>
+              <p:nvPr/>
+            </p:nvCxnSpPr>
+            <p:spPr>
+              <a:xfrm>
+                <a:off x="3581402" y="2460552"/>
+                <a:ext cx="0" cy="112640"/>
+              </a:xfrm>
+              <a:prstGeom prst="line">
+                <a:avLst/>
+              </a:prstGeom>
+              <a:ln>
+                <a:solidFill>
+                  <a:srgbClr val="FF0000"/>
+                </a:solidFill>
+              </a:ln>
+            </p:spPr>
+            <p:style>
+              <a:lnRef idx="1">
+                <a:schemeClr val="accent1"/>
+              </a:lnRef>
+              <a:fillRef idx="0">
+                <a:schemeClr val="accent1"/>
+              </a:fillRef>
+              <a:effectRef idx="0">
+                <a:schemeClr val="accent1"/>
+              </a:effectRef>
+              <a:fontRef idx="minor">
+                <a:schemeClr val="tx1"/>
+              </a:fontRef>
+            </p:style>
+          </p:cxnSp>
+          <p:cxnSp>
+            <p:nvCxnSpPr>
+              <p:cNvPr id="20" name="直接连接符 19">
+                <a:extLst>
+                  <a:ext uri="{FF2B5EF4-FFF2-40B4-BE49-F238E27FC236}">
+                    <a16:creationId xmlns:a16="http://schemas.microsoft.com/office/drawing/2014/main" id="{A3B83C8C-BA2E-4C5E-B62A-6DA11DDF5740}"/>
+                  </a:ext>
+                </a:extLst>
+              </p:cNvPr>
+              <p:cNvCxnSpPr>
+                <a:cxnSpLocks/>
+              </p:cNvCxnSpPr>
+              <p:nvPr/>
+            </p:nvCxnSpPr>
+            <p:spPr>
+              <a:xfrm>
+                <a:off x="3683795" y="2480020"/>
+                <a:ext cx="0" cy="93172"/>
+              </a:xfrm>
+              <a:prstGeom prst="line">
+                <a:avLst/>
+              </a:prstGeom>
+              <a:ln>
+                <a:solidFill>
+                  <a:srgbClr val="FF0000"/>
+                </a:solidFill>
+              </a:ln>
+            </p:spPr>
+            <p:style>
+              <a:lnRef idx="1">
+                <a:schemeClr val="accent1"/>
+              </a:lnRef>
+              <a:fillRef idx="0">
+                <a:schemeClr val="accent1"/>
+              </a:fillRef>
+              <a:effectRef idx="0">
+                <a:schemeClr val="accent1"/>
+              </a:effectRef>
+              <a:fontRef idx="minor">
+                <a:schemeClr val="tx1"/>
+              </a:fontRef>
+            </p:style>
+          </p:cxnSp>
+          <p:cxnSp>
+            <p:nvCxnSpPr>
+              <p:cNvPr id="23" name="直接连接符 22">
+                <a:extLst>
+                  <a:ext uri="{FF2B5EF4-FFF2-40B4-BE49-F238E27FC236}">
+                    <a16:creationId xmlns:a16="http://schemas.microsoft.com/office/drawing/2014/main" id="{75AE0DAF-F62F-419F-A99F-C01D14DFBA6A}"/>
+                  </a:ext>
+                </a:extLst>
+              </p:cNvPr>
+              <p:cNvCxnSpPr>
+                <a:cxnSpLocks/>
+              </p:cNvCxnSpPr>
+              <p:nvPr/>
+            </p:nvCxnSpPr>
+            <p:spPr>
+              <a:xfrm>
+                <a:off x="3779045" y="2491927"/>
+                <a:ext cx="0" cy="81265"/>
+              </a:xfrm>
+              <a:prstGeom prst="line">
+                <a:avLst/>
+              </a:prstGeom>
+              <a:ln>
+                <a:solidFill>
+                  <a:srgbClr val="FF0000"/>
+                </a:solidFill>
+              </a:ln>
+            </p:spPr>
+            <p:style>
+              <a:lnRef idx="1">
+                <a:schemeClr val="accent1"/>
+              </a:lnRef>
+              <a:fillRef idx="0">
+                <a:schemeClr val="accent1"/>
+              </a:fillRef>
+              <a:effectRef idx="0">
+                <a:schemeClr val="accent1"/>
+              </a:effectRef>
+              <a:fontRef idx="minor">
+                <a:schemeClr val="tx1"/>
+              </a:fontRef>
+            </p:style>
+          </p:cxnSp>
+          <p:cxnSp>
+            <p:nvCxnSpPr>
+              <p:cNvPr id="24" name="直接连接符 23">
+                <a:extLst>
+                  <a:ext uri="{FF2B5EF4-FFF2-40B4-BE49-F238E27FC236}">
+                    <a16:creationId xmlns:a16="http://schemas.microsoft.com/office/drawing/2014/main" id="{E3A71D15-403F-462E-97A8-B6B03CB8CDC8}"/>
+                  </a:ext>
+                </a:extLst>
+              </p:cNvPr>
+              <p:cNvCxnSpPr>
+                <a:cxnSpLocks/>
+              </p:cNvCxnSpPr>
+              <p:nvPr/>
+            </p:nvCxnSpPr>
+            <p:spPr>
+              <a:xfrm>
+                <a:off x="3871913" y="2491927"/>
+                <a:ext cx="0" cy="81265"/>
+              </a:xfrm>
+              <a:prstGeom prst="line">
+                <a:avLst/>
+              </a:prstGeom>
+              <a:ln>
+                <a:solidFill>
+                  <a:srgbClr val="FF0000"/>
+                </a:solidFill>
+              </a:ln>
+            </p:spPr>
+            <p:style>
+              <a:lnRef idx="1">
+                <a:schemeClr val="accent1"/>
+              </a:lnRef>
+              <a:fillRef idx="0">
+                <a:schemeClr val="accent1"/>
+              </a:fillRef>
+              <a:effectRef idx="0">
+                <a:schemeClr val="accent1"/>
+              </a:effectRef>
+              <a:fontRef idx="minor">
+                <a:schemeClr val="tx1"/>
+              </a:fontRef>
+            </p:style>
+          </p:cxnSp>
+          <p:cxnSp>
+            <p:nvCxnSpPr>
+              <p:cNvPr id="28" name="直接箭头连接符 27">
+                <a:extLst>
+                  <a:ext uri="{FF2B5EF4-FFF2-40B4-BE49-F238E27FC236}">
+                    <a16:creationId xmlns:a16="http://schemas.microsoft.com/office/drawing/2014/main" id="{DADE1232-5928-4234-B6AB-F3BCD0F93D75}"/>
+                  </a:ext>
+                </a:extLst>
+              </p:cNvPr>
+              <p:cNvCxnSpPr/>
+              <p:nvPr/>
+            </p:nvCxnSpPr>
+            <p:spPr>
+              <a:xfrm flipV="1">
+                <a:off x="3454220" y="2112942"/>
+                <a:ext cx="154780" cy="346222"/>
+              </a:xfrm>
+              <a:prstGeom prst="straightConnector1">
+                <a:avLst/>
+              </a:prstGeom>
+              <a:ln>
+                <a:solidFill>
+                  <a:srgbClr val="FF0000"/>
+                </a:solidFill>
+                <a:tailEnd type="triangle"/>
+              </a:ln>
+            </p:spPr>
+            <p:style>
+              <a:lnRef idx="1">
+                <a:schemeClr val="accent1"/>
+              </a:lnRef>
+              <a:fillRef idx="0">
+                <a:schemeClr val="accent1"/>
+              </a:fillRef>
+              <a:effectRef idx="0">
+                <a:schemeClr val="accent1"/>
+              </a:effectRef>
+              <a:fontRef idx="minor">
+                <a:schemeClr val="tx1"/>
+              </a:fontRef>
+            </p:style>
+          </p:cxnSp>
+          <mc:AlternateContent xmlns:mc="http://schemas.openxmlformats.org/markup-compatibility/2006" xmlns:a14="http://schemas.microsoft.com/office/drawing/2010/main">
+            <mc:Choice Requires="a14">
+              <p:sp>
+                <p:nvSpPr>
+                  <p:cNvPr id="29" name="文本框 28">
+                    <a:extLst>
+                      <a:ext uri="{FF2B5EF4-FFF2-40B4-BE49-F238E27FC236}">
+                        <a16:creationId xmlns:a16="http://schemas.microsoft.com/office/drawing/2014/main" id="{7D27BF39-833E-44D5-9516-E76F80F30B38}"/>
+                      </a:ext>
+                    </a:extLst>
+                  </p:cNvPr>
+                  <p:cNvSpPr txBox="1"/>
+                  <p:nvPr/>
+                </p:nvSpPr>
+                <p:spPr>
+                  <a:xfrm>
+                    <a:off x="3624512" y="1832556"/>
+                    <a:ext cx="74795" cy="369332"/>
+                  </a:xfrm>
+                  <a:prstGeom prst="rect">
+                    <a:avLst/>
+                  </a:prstGeom>
+                  <a:noFill/>
+                </p:spPr>
+                <p:txBody>
+                  <a:bodyPr wrap="square" rtlCol="0">
+                    <a:spAutoFit/>
+                  </a:bodyPr>
+                  <a:lstStyle/>
+                  <a:p>
+                    <a:pPr/>
+                    <a14:m>
+                      <m:oMathPara xmlns:m="http://schemas.openxmlformats.org/officeDocument/2006/math">
+                        <m:oMathParaPr>
+                          <m:jc m:val="centerGroup"/>
+                        </m:oMathParaPr>
+                        <m:oMath xmlns:m="http://schemas.openxmlformats.org/officeDocument/2006/math">
+                          <m:r>
+                            <a:rPr lang="en-US" b="0" i="1" smtClean="0">
+                              <a:solidFill>
+                                <a:srgbClr val="FF0000"/>
+                              </a:solidFill>
+                              <a:latin typeface="Cambria Math" panose="02040503050406030204" pitchFamily="18" charset="0"/>
+                            </a:rPr>
+                            <m:t>𝛼</m:t>
+                          </m:r>
+                        </m:oMath>
+                      </m:oMathPara>
+                    </a14:m>
+                    <a:endParaRPr lang="en-US" dirty="0"/>
+                  </a:p>
+                </p:txBody>
+              </p:sp>
+            </mc:Choice>
+            <mc:Fallback xmlns="">
+              <p:sp>
+                <p:nvSpPr>
+                  <p:cNvPr id="29" name="文本框 28">
+                    <a:extLst>
+                      <a:ext uri="{FF2B5EF4-FFF2-40B4-BE49-F238E27FC236}">
+                        <a16:creationId xmlns:a16="http://schemas.microsoft.com/office/drawing/2014/main" id="{7D27BF39-833E-44D5-9516-E76F80F30B38}"/>
+                      </a:ext>
+                    </a:extLst>
+                  </p:cNvPr>
+                  <p:cNvSpPr txBox="1">
+                    <a:spLocks noRot="1" noChangeAspect="1" noMove="1" noResize="1" noEditPoints="1" noAdjustHandles="1" noChangeArrowheads="1" noChangeShapeType="1" noTextEdit="1"/>
+                  </p:cNvSpPr>
+                  <p:nvPr/>
+                </p:nvSpPr>
+                <p:spPr>
+                  <a:xfrm>
+                    <a:off x="3624512" y="1832556"/>
+                    <a:ext cx="74795" cy="369332"/>
+                  </a:xfrm>
+                  <a:prstGeom prst="rect">
+                    <a:avLst/>
+                  </a:prstGeom>
+                  <a:blipFill>
+                    <a:blip r:embed="rId2"/>
+                    <a:stretch>
+                      <a:fillRect l="-33333" r="-225000"/>
+                    </a:stretch>
+                  </a:blipFill>
+                </p:spPr>
+                <p:txBody>
+                  <a:bodyPr/>
+                  <a:lstStyle/>
+                  <a:p>
+                    <a:r>
+                      <a:rPr lang="en-US">
+                        <a:noFill/>
+                      </a:rPr>
+                      <a:t> </a:t>
+                    </a:r>
+                  </a:p>
+                </p:txBody>
+              </p:sp>
+            </mc:Fallback>
+          </mc:AlternateContent>
+        </p:grpSp>
+        <p:grpSp>
+          <p:nvGrpSpPr>
+            <p:cNvPr id="31" name="组合 30">
+              <a:extLst>
+                <a:ext uri="{FF2B5EF4-FFF2-40B4-BE49-F238E27FC236}">
+                  <a16:creationId xmlns:a16="http://schemas.microsoft.com/office/drawing/2014/main" id="{0AD6163A-DBE4-46B4-AE0A-34A6335400FF}"/>
+                </a:ext>
+              </a:extLst>
+            </p:cNvPr>
+            <p:cNvGrpSpPr/>
+            <p:nvPr/>
+          </p:nvGrpSpPr>
+          <p:grpSpPr>
+            <a:xfrm>
+              <a:off x="5684550" y="637665"/>
+              <a:ext cx="3507411" cy="2043034"/>
+              <a:chOff x="698727" y="590040"/>
+              <a:chExt cx="3507411" cy="2043034"/>
+            </a:xfrm>
+          </p:grpSpPr>
+          <p:cxnSp>
+            <p:nvCxnSpPr>
+              <p:cNvPr id="32" name="直接连接符 31">
+                <a:extLst>
+                  <a:ext uri="{FF2B5EF4-FFF2-40B4-BE49-F238E27FC236}">
+                    <a16:creationId xmlns:a16="http://schemas.microsoft.com/office/drawing/2014/main" id="{1F6AF9C9-CC94-4E4C-B7CB-0E68BFFC184E}"/>
+                  </a:ext>
+                </a:extLst>
+              </p:cNvPr>
+              <p:cNvCxnSpPr>
+                <a:cxnSpLocks/>
+              </p:cNvCxnSpPr>
+              <p:nvPr/>
+            </p:nvCxnSpPr>
+            <p:spPr>
+              <a:xfrm>
+                <a:off x="698727" y="2573192"/>
+                <a:ext cx="3507411" cy="0"/>
+              </a:xfrm>
+              <a:prstGeom prst="line">
+                <a:avLst/>
+              </a:prstGeom>
+              <a:ln w="12700">
+                <a:solidFill>
+                  <a:schemeClr val="tx1"/>
+                </a:solidFill>
+              </a:ln>
+            </p:spPr>
+            <p:style>
+              <a:lnRef idx="1">
+                <a:schemeClr val="accent1"/>
+              </a:lnRef>
+              <a:fillRef idx="0">
+                <a:schemeClr val="accent1"/>
+              </a:fillRef>
+              <a:effectRef idx="0">
+                <a:schemeClr val="accent1"/>
+              </a:effectRef>
+              <a:fontRef idx="minor">
+                <a:schemeClr val="tx1"/>
+              </a:fontRef>
+            </p:style>
+          </p:cxnSp>
+          <p:sp>
+            <p:nvSpPr>
+              <p:cNvPr id="33" name="任意多边形: 形状 32">
+                <a:extLst>
+                  <a:ext uri="{FF2B5EF4-FFF2-40B4-BE49-F238E27FC236}">
+                    <a16:creationId xmlns:a16="http://schemas.microsoft.com/office/drawing/2014/main" id="{E184B5FA-186B-4564-8F39-1456F5CF8E60}"/>
+                  </a:ext>
+                </a:extLst>
+              </p:cNvPr>
+              <p:cNvSpPr/>
+              <p:nvPr/>
+            </p:nvSpPr>
+            <p:spPr>
+              <a:xfrm rot="21310404">
+                <a:off x="778994" y="590040"/>
+                <a:ext cx="3205964" cy="2043034"/>
+              </a:xfrm>
+              <a:custGeom>
+                <a:avLst/>
+                <a:gdLst>
+                  <a:gd name="connsiteX0" fmla="*/ 0 w 3764280"/>
+                  <a:gd name="connsiteY0" fmla="*/ 1768714 h 2043034"/>
+                  <a:gd name="connsiteX1" fmla="*/ 1234440 w 3764280"/>
+                  <a:gd name="connsiteY1" fmla="*/ 1395334 h 2043034"/>
+                  <a:gd name="connsiteX2" fmla="*/ 1981200 w 3764280"/>
+                  <a:gd name="connsiteY2" fmla="*/ 874 h 2043034"/>
+                  <a:gd name="connsiteX3" fmla="*/ 2499360 w 3764280"/>
+                  <a:gd name="connsiteY3" fmla="*/ 1616314 h 2043034"/>
+                  <a:gd name="connsiteX4" fmla="*/ 3718560 w 3764280"/>
+                  <a:gd name="connsiteY4" fmla="*/ 2043034 h 2043034"/>
+                  <a:gd name="connsiteX5" fmla="*/ 3718560 w 3764280"/>
+                  <a:gd name="connsiteY5" fmla="*/ 2043034 h 2043034"/>
+                  <a:gd name="connsiteX6" fmla="*/ 3764280 w 3764280"/>
+                  <a:gd name="connsiteY6" fmla="*/ 2043034 h 2043034"/>
+                </a:gdLst>
+                <a:ahLst/>
+                <a:cxnLst>
+                  <a:cxn ang="0">
+                    <a:pos x="connsiteX0" y="connsiteY0"/>
+                  </a:cxn>
+                  <a:cxn ang="0">
+                    <a:pos x="connsiteX1" y="connsiteY1"/>
+                  </a:cxn>
+                  <a:cxn ang="0">
+                    <a:pos x="connsiteX2" y="connsiteY2"/>
+                  </a:cxn>
+                  <a:cxn ang="0">
+                    <a:pos x="connsiteX3" y="connsiteY3"/>
+                  </a:cxn>
+                  <a:cxn ang="0">
+                    <a:pos x="connsiteX4" y="connsiteY4"/>
+                  </a:cxn>
+                  <a:cxn ang="0">
+                    <a:pos x="connsiteX5" y="connsiteY5"/>
+                  </a:cxn>
+                  <a:cxn ang="0">
+                    <a:pos x="connsiteX6" y="connsiteY6"/>
+                  </a:cxn>
+                </a:cxnLst>
+                <a:rect l="l" t="t" r="r" b="b"/>
+                <a:pathLst>
+                  <a:path w="3764280" h="2043034">
+                    <a:moveTo>
+                      <a:pt x="0" y="1768714"/>
+                    </a:moveTo>
+                    <a:cubicBezTo>
+                      <a:pt x="452120" y="1729344"/>
+                      <a:pt x="904240" y="1689974"/>
+                      <a:pt x="1234440" y="1395334"/>
+                    </a:cubicBezTo>
+                    <a:cubicBezTo>
+                      <a:pt x="1564640" y="1100694"/>
+                      <a:pt x="1770380" y="-35956"/>
+                      <a:pt x="1981200" y="874"/>
+                    </a:cubicBezTo>
+                    <a:cubicBezTo>
+                      <a:pt x="2192020" y="37704"/>
+                      <a:pt x="2209800" y="1275954"/>
+                      <a:pt x="2499360" y="1616314"/>
+                    </a:cubicBezTo>
+                    <a:cubicBezTo>
+                      <a:pt x="2788920" y="1956674"/>
+                      <a:pt x="3718560" y="2043034"/>
+                      <a:pt x="3718560" y="2043034"/>
+                    </a:cubicBezTo>
+                    <a:lnTo>
+                      <a:pt x="3718560" y="2043034"/>
+                    </a:lnTo>
+                    <a:lnTo>
+                      <a:pt x="3764280" y="2043034"/>
+                    </a:lnTo>
+                  </a:path>
+                </a:pathLst>
+              </a:custGeom>
+              <a:noFill/>
+              <a:ln w="19050"/>
+            </p:spPr>
+            <p:style>
+              <a:lnRef idx="2">
+                <a:schemeClr val="accent1">
+                  <a:shade val="50000"/>
+                </a:schemeClr>
+              </a:lnRef>
+              <a:fillRef idx="1">
+                <a:schemeClr val="accent1"/>
+              </a:fillRef>
+              <a:effectRef idx="0">
+                <a:schemeClr val="accent1"/>
+              </a:effectRef>
+              <a:fontRef idx="minor">
+                <a:schemeClr val="lt1"/>
+              </a:fontRef>
+            </p:style>
+            <p:txBody>
+              <a:bodyPr rtlCol="0" anchor="ctr"/>
+              <a:lstStyle/>
+              <a:p>
+                <a:pPr algn="ctr"/>
+                <a:endParaRPr lang="en-US"/>
+              </a:p>
+            </p:txBody>
+          </p:sp>
+          <p:cxnSp>
+            <p:nvCxnSpPr>
+              <p:cNvPr id="37" name="直接连接符 36">
+                <a:extLst>
+                  <a:ext uri="{FF2B5EF4-FFF2-40B4-BE49-F238E27FC236}">
+                    <a16:creationId xmlns:a16="http://schemas.microsoft.com/office/drawing/2014/main" id="{B4A2ABA2-4C6C-4934-BB85-7FB92BDD2AB6}"/>
+                  </a:ext>
+                </a:extLst>
+              </p:cNvPr>
+              <p:cNvCxnSpPr>
+                <a:cxnSpLocks/>
+              </p:cNvCxnSpPr>
+              <p:nvPr/>
+            </p:nvCxnSpPr>
+            <p:spPr>
+              <a:xfrm>
+                <a:off x="3443130" y="2409521"/>
+                <a:ext cx="0" cy="162977"/>
+              </a:xfrm>
+              <a:prstGeom prst="line">
+                <a:avLst/>
+              </a:prstGeom>
+              <a:ln w="28575">
+                <a:solidFill>
+                  <a:srgbClr val="FF0000"/>
+                </a:solidFill>
+              </a:ln>
+            </p:spPr>
+            <p:style>
+              <a:lnRef idx="1">
+                <a:schemeClr val="accent1"/>
+              </a:lnRef>
+              <a:fillRef idx="0">
+                <a:schemeClr val="accent1"/>
+              </a:fillRef>
+              <a:effectRef idx="0">
+                <a:schemeClr val="accent1"/>
+              </a:effectRef>
+              <a:fontRef idx="minor">
+                <a:schemeClr val="tx1"/>
+              </a:fontRef>
+            </p:style>
+          </p:cxnSp>
+          <p:cxnSp>
+            <p:nvCxnSpPr>
+              <p:cNvPr id="38" name="直接连接符 37">
+                <a:extLst>
+                  <a:ext uri="{FF2B5EF4-FFF2-40B4-BE49-F238E27FC236}">
+                    <a16:creationId xmlns:a16="http://schemas.microsoft.com/office/drawing/2014/main" id="{88132A0F-A4A3-45B7-8CC0-421ED6B4CC79}"/>
+                  </a:ext>
+                </a:extLst>
+              </p:cNvPr>
+              <p:cNvCxnSpPr>
+                <a:cxnSpLocks/>
+              </p:cNvCxnSpPr>
+              <p:nvPr/>
+            </p:nvCxnSpPr>
+            <p:spPr>
+              <a:xfrm>
+                <a:off x="3575052" y="2459164"/>
+                <a:ext cx="0" cy="112640"/>
+              </a:xfrm>
+              <a:prstGeom prst="line">
+                <a:avLst/>
+              </a:prstGeom>
+              <a:ln>
+                <a:solidFill>
+                  <a:srgbClr val="FF0000"/>
+                </a:solidFill>
+              </a:ln>
+            </p:spPr>
+            <p:style>
+              <a:lnRef idx="1">
+                <a:schemeClr val="accent1"/>
+              </a:lnRef>
+              <a:fillRef idx="0">
+                <a:schemeClr val="accent1"/>
+              </a:fillRef>
+              <a:effectRef idx="0">
+                <a:schemeClr val="accent1"/>
+              </a:effectRef>
+              <a:fontRef idx="minor">
+                <a:schemeClr val="tx1"/>
+              </a:fontRef>
+            </p:style>
+          </p:cxnSp>
+          <p:cxnSp>
+            <p:nvCxnSpPr>
+              <p:cNvPr id="39" name="直接连接符 38">
+                <a:extLst>
+                  <a:ext uri="{FF2B5EF4-FFF2-40B4-BE49-F238E27FC236}">
+                    <a16:creationId xmlns:a16="http://schemas.microsoft.com/office/drawing/2014/main" id="{67A362E2-9C65-41AD-AAD4-4462488662E6}"/>
+                  </a:ext>
+                </a:extLst>
+              </p:cNvPr>
+              <p:cNvCxnSpPr>
+                <a:cxnSpLocks/>
+              </p:cNvCxnSpPr>
+              <p:nvPr/>
+            </p:nvCxnSpPr>
+            <p:spPr>
+              <a:xfrm>
+                <a:off x="3683795" y="2480020"/>
+                <a:ext cx="0" cy="93172"/>
+              </a:xfrm>
+              <a:prstGeom prst="line">
+                <a:avLst/>
+              </a:prstGeom>
+              <a:ln>
+                <a:solidFill>
+                  <a:srgbClr val="FF0000"/>
+                </a:solidFill>
+              </a:ln>
+            </p:spPr>
+            <p:style>
+              <a:lnRef idx="1">
+                <a:schemeClr val="accent1"/>
+              </a:lnRef>
+              <a:fillRef idx="0">
+                <a:schemeClr val="accent1"/>
+              </a:fillRef>
+              <a:effectRef idx="0">
+                <a:schemeClr val="accent1"/>
+              </a:effectRef>
+              <a:fontRef idx="minor">
+                <a:schemeClr val="tx1"/>
+              </a:fontRef>
+            </p:style>
+          </p:cxnSp>
+          <p:cxnSp>
+            <p:nvCxnSpPr>
+              <p:cNvPr id="40" name="直接连接符 39">
+                <a:extLst>
+                  <a:ext uri="{FF2B5EF4-FFF2-40B4-BE49-F238E27FC236}">
+                    <a16:creationId xmlns:a16="http://schemas.microsoft.com/office/drawing/2014/main" id="{D34E7155-42E4-49C1-B68B-9AE8E74BE9EB}"/>
+                  </a:ext>
+                </a:extLst>
+              </p:cNvPr>
+              <p:cNvCxnSpPr>
+                <a:cxnSpLocks/>
+              </p:cNvCxnSpPr>
+              <p:nvPr/>
+            </p:nvCxnSpPr>
+            <p:spPr>
+              <a:xfrm>
+                <a:off x="3779045" y="2491927"/>
+                <a:ext cx="0" cy="81265"/>
+              </a:xfrm>
+              <a:prstGeom prst="line">
+                <a:avLst/>
+              </a:prstGeom>
+              <a:ln>
+                <a:solidFill>
+                  <a:srgbClr val="FF0000"/>
+                </a:solidFill>
+              </a:ln>
+            </p:spPr>
+            <p:style>
+              <a:lnRef idx="1">
+                <a:schemeClr val="accent1"/>
+              </a:lnRef>
+              <a:fillRef idx="0">
+                <a:schemeClr val="accent1"/>
+              </a:fillRef>
+              <a:effectRef idx="0">
+                <a:schemeClr val="accent1"/>
+              </a:effectRef>
+              <a:fontRef idx="minor">
+                <a:schemeClr val="tx1"/>
+              </a:fontRef>
+            </p:style>
+          </p:cxnSp>
+          <p:cxnSp>
+            <p:nvCxnSpPr>
+              <p:cNvPr id="41" name="直接连接符 40">
+                <a:extLst>
+                  <a:ext uri="{FF2B5EF4-FFF2-40B4-BE49-F238E27FC236}">
+                    <a16:creationId xmlns:a16="http://schemas.microsoft.com/office/drawing/2014/main" id="{A3FF7F8A-A193-4CE6-A031-6C904FF17440}"/>
+                  </a:ext>
+                </a:extLst>
+              </p:cNvPr>
+              <p:cNvCxnSpPr>
+                <a:cxnSpLocks/>
+              </p:cNvCxnSpPr>
+              <p:nvPr/>
+            </p:nvCxnSpPr>
+            <p:spPr>
+              <a:xfrm>
+                <a:off x="3871913" y="2491927"/>
+                <a:ext cx="0" cy="81265"/>
+              </a:xfrm>
+              <a:prstGeom prst="line">
+                <a:avLst/>
+              </a:prstGeom>
+              <a:ln>
+                <a:solidFill>
+                  <a:srgbClr val="FF0000"/>
+                </a:solidFill>
+              </a:ln>
+            </p:spPr>
+            <p:style>
+              <a:lnRef idx="1">
+                <a:schemeClr val="accent1"/>
+              </a:lnRef>
+              <a:fillRef idx="0">
+                <a:schemeClr val="accent1"/>
+              </a:fillRef>
+              <a:effectRef idx="0">
+                <a:schemeClr val="accent1"/>
+              </a:effectRef>
+              <a:fontRef idx="minor">
+                <a:schemeClr val="tx1"/>
+              </a:fontRef>
+            </p:style>
+          </p:cxnSp>
+          <p:cxnSp>
+            <p:nvCxnSpPr>
+              <p:cNvPr id="42" name="直接箭头连接符 41">
+                <a:extLst>
+                  <a:ext uri="{FF2B5EF4-FFF2-40B4-BE49-F238E27FC236}">
+                    <a16:creationId xmlns:a16="http://schemas.microsoft.com/office/drawing/2014/main" id="{A80FE865-CE0C-4464-98F0-695D7D7D7967}"/>
+                  </a:ext>
+                </a:extLst>
+              </p:cNvPr>
+              <p:cNvCxnSpPr/>
+              <p:nvPr/>
+            </p:nvCxnSpPr>
+            <p:spPr>
+              <a:xfrm flipV="1">
+                <a:off x="3544527" y="2138368"/>
+                <a:ext cx="154780" cy="346222"/>
+              </a:xfrm>
+              <a:prstGeom prst="straightConnector1">
+                <a:avLst/>
+              </a:prstGeom>
+              <a:ln>
+                <a:solidFill>
+                  <a:srgbClr val="FF0000"/>
+                </a:solidFill>
+                <a:tailEnd type="triangle"/>
+              </a:ln>
+            </p:spPr>
+            <p:style>
+              <a:lnRef idx="1">
+                <a:schemeClr val="accent1"/>
+              </a:lnRef>
+              <a:fillRef idx="0">
+                <a:schemeClr val="accent1"/>
+              </a:fillRef>
+              <a:effectRef idx="0">
+                <a:schemeClr val="accent1"/>
+              </a:effectRef>
+              <a:fontRef idx="minor">
+                <a:schemeClr val="tx1"/>
+              </a:fontRef>
+            </p:style>
+          </p:cxnSp>
+          <mc:AlternateContent xmlns:mc="http://schemas.openxmlformats.org/markup-compatibility/2006" xmlns:a14="http://schemas.microsoft.com/office/drawing/2010/main">
+            <mc:Choice Requires="a14">
+              <p:sp>
+                <p:nvSpPr>
+                  <p:cNvPr id="43" name="文本框 42">
+                    <a:extLst>
+                      <a:ext uri="{FF2B5EF4-FFF2-40B4-BE49-F238E27FC236}">
+                        <a16:creationId xmlns:a16="http://schemas.microsoft.com/office/drawing/2014/main" id="{A6242474-FD77-4935-81EA-63DAAA3D31BE}"/>
+                      </a:ext>
+                    </a:extLst>
+                  </p:cNvPr>
+                  <p:cNvSpPr txBox="1"/>
+                  <p:nvPr/>
+                </p:nvSpPr>
+                <p:spPr>
+                  <a:xfrm>
+                    <a:off x="3624512" y="1832556"/>
+                    <a:ext cx="74795" cy="369332"/>
+                  </a:xfrm>
+                  <a:prstGeom prst="rect">
+                    <a:avLst/>
+                  </a:prstGeom>
+                  <a:noFill/>
+                </p:spPr>
+                <p:txBody>
+                  <a:bodyPr wrap="square" rtlCol="0">
+                    <a:spAutoFit/>
+                  </a:bodyPr>
+                  <a:lstStyle/>
+                  <a:p>
+                    <a:pPr/>
+                    <a14:m>
+                      <m:oMathPara xmlns:m="http://schemas.openxmlformats.org/officeDocument/2006/math">
+                        <m:oMathParaPr>
+                          <m:jc m:val="centerGroup"/>
+                        </m:oMathParaPr>
+                        <m:oMath xmlns:m="http://schemas.openxmlformats.org/officeDocument/2006/math">
+                          <m:r>
+                            <a:rPr lang="en-US" b="0" i="1" smtClean="0">
+                              <a:solidFill>
+                                <a:srgbClr val="FF0000"/>
+                              </a:solidFill>
+                              <a:latin typeface="Cambria Math" panose="02040503050406030204" pitchFamily="18" charset="0"/>
+                            </a:rPr>
+                            <m:t>𝛼</m:t>
+                          </m:r>
+                        </m:oMath>
+                      </m:oMathPara>
+                    </a14:m>
+                    <a:endParaRPr lang="en-US" dirty="0"/>
+                  </a:p>
+                </p:txBody>
+              </p:sp>
+            </mc:Choice>
+            <mc:Fallback xmlns="">
+              <p:sp>
+                <p:nvSpPr>
+                  <p:cNvPr id="43" name="文本框 42">
+                    <a:extLst>
+                      <a:ext uri="{FF2B5EF4-FFF2-40B4-BE49-F238E27FC236}">
+                        <a16:creationId xmlns:a16="http://schemas.microsoft.com/office/drawing/2014/main" id="{A6242474-FD77-4935-81EA-63DAAA3D31BE}"/>
+                      </a:ext>
+                    </a:extLst>
+                  </p:cNvPr>
+                  <p:cNvSpPr txBox="1">
+                    <a:spLocks noRot="1" noChangeAspect="1" noMove="1" noResize="1" noEditPoints="1" noAdjustHandles="1" noChangeArrowheads="1" noChangeShapeType="1" noTextEdit="1"/>
+                  </p:cNvSpPr>
+                  <p:nvPr/>
+                </p:nvSpPr>
+                <p:spPr>
+                  <a:xfrm>
+                    <a:off x="3624512" y="1832556"/>
+                    <a:ext cx="74795" cy="369332"/>
+                  </a:xfrm>
+                  <a:prstGeom prst="rect">
+                    <a:avLst/>
+                  </a:prstGeom>
+                  <a:blipFill>
+                    <a:blip r:embed="rId3"/>
+                    <a:stretch>
+                      <a:fillRect l="-33333" r="-225000"/>
+                    </a:stretch>
+                  </a:blipFill>
+                </p:spPr>
+                <p:txBody>
+                  <a:bodyPr/>
+                  <a:lstStyle/>
+                  <a:p>
+                    <a:r>
+                      <a:rPr lang="en-US">
+                        <a:noFill/>
+                      </a:rPr>
+                      <a:t> </a:t>
+                    </a:r>
+                  </a:p>
+                </p:txBody>
+              </p:sp>
+            </mc:Fallback>
+          </mc:AlternateContent>
+        </p:grpSp>
+        <p:grpSp>
+          <p:nvGrpSpPr>
+            <p:cNvPr id="95" name="组合 94">
+              <a:extLst>
+                <a:ext uri="{FF2B5EF4-FFF2-40B4-BE49-F238E27FC236}">
+                  <a16:creationId xmlns:a16="http://schemas.microsoft.com/office/drawing/2014/main" id="{E12F21A5-83DF-4E1C-AF34-9D3BB65A5EF6}"/>
+                </a:ext>
+              </a:extLst>
+            </p:cNvPr>
+            <p:cNvGrpSpPr/>
+            <p:nvPr/>
+          </p:nvGrpSpPr>
+          <p:grpSpPr>
+            <a:xfrm>
+              <a:off x="1727427" y="3628818"/>
+              <a:ext cx="3507411" cy="2043034"/>
+              <a:chOff x="1727427" y="3261137"/>
+              <a:chExt cx="3507411" cy="2043034"/>
+            </a:xfrm>
+          </p:grpSpPr>
+          <p:cxnSp>
+            <p:nvCxnSpPr>
+              <p:cNvPr id="71" name="直接连接符 70">
+                <a:extLst>
+                  <a:ext uri="{FF2B5EF4-FFF2-40B4-BE49-F238E27FC236}">
+                    <a16:creationId xmlns:a16="http://schemas.microsoft.com/office/drawing/2014/main" id="{3B4E0B90-5D49-459A-9C17-3791C4F3FED8}"/>
+                  </a:ext>
+                </a:extLst>
+              </p:cNvPr>
+              <p:cNvCxnSpPr>
+                <a:cxnSpLocks/>
+              </p:cNvCxnSpPr>
+              <p:nvPr/>
+            </p:nvCxnSpPr>
+            <p:spPr>
+              <a:xfrm>
+                <a:off x="1727427" y="5244289"/>
+                <a:ext cx="3507411" cy="0"/>
+              </a:xfrm>
+              <a:prstGeom prst="line">
+                <a:avLst/>
+              </a:prstGeom>
+              <a:ln w="12700">
+                <a:solidFill>
+                  <a:schemeClr val="tx1"/>
+                </a:solidFill>
+              </a:ln>
+            </p:spPr>
+            <p:style>
+              <a:lnRef idx="1">
+                <a:schemeClr val="accent1"/>
+              </a:lnRef>
+              <a:fillRef idx="0">
+                <a:schemeClr val="accent1"/>
+              </a:fillRef>
+              <a:effectRef idx="0">
+                <a:schemeClr val="accent1"/>
+              </a:effectRef>
+              <a:fontRef idx="minor">
+                <a:schemeClr val="tx1"/>
+              </a:fontRef>
+            </p:style>
+          </p:cxnSp>
+          <p:sp>
+            <p:nvSpPr>
+              <p:cNvPr id="72" name="任意多边形: 形状 71">
+                <a:extLst>
+                  <a:ext uri="{FF2B5EF4-FFF2-40B4-BE49-F238E27FC236}">
+                    <a16:creationId xmlns:a16="http://schemas.microsoft.com/office/drawing/2014/main" id="{7EE133E0-1743-4F8B-8611-604F49C0496A}"/>
+                  </a:ext>
+                </a:extLst>
+              </p:cNvPr>
+              <p:cNvSpPr/>
+              <p:nvPr/>
+            </p:nvSpPr>
+            <p:spPr>
+              <a:xfrm rot="21310404">
+                <a:off x="1807694" y="3261137"/>
+                <a:ext cx="3205964" cy="2043034"/>
+              </a:xfrm>
+              <a:custGeom>
+                <a:avLst/>
+                <a:gdLst>
+                  <a:gd name="connsiteX0" fmla="*/ 0 w 3764280"/>
+                  <a:gd name="connsiteY0" fmla="*/ 1768714 h 2043034"/>
+                  <a:gd name="connsiteX1" fmla="*/ 1234440 w 3764280"/>
+                  <a:gd name="connsiteY1" fmla="*/ 1395334 h 2043034"/>
+                  <a:gd name="connsiteX2" fmla="*/ 1981200 w 3764280"/>
+                  <a:gd name="connsiteY2" fmla="*/ 874 h 2043034"/>
+                  <a:gd name="connsiteX3" fmla="*/ 2499360 w 3764280"/>
+                  <a:gd name="connsiteY3" fmla="*/ 1616314 h 2043034"/>
+                  <a:gd name="connsiteX4" fmla="*/ 3718560 w 3764280"/>
+                  <a:gd name="connsiteY4" fmla="*/ 2043034 h 2043034"/>
+                  <a:gd name="connsiteX5" fmla="*/ 3718560 w 3764280"/>
+                  <a:gd name="connsiteY5" fmla="*/ 2043034 h 2043034"/>
+                  <a:gd name="connsiteX6" fmla="*/ 3764280 w 3764280"/>
+                  <a:gd name="connsiteY6" fmla="*/ 2043034 h 2043034"/>
+                </a:gdLst>
+                <a:ahLst/>
+                <a:cxnLst>
+                  <a:cxn ang="0">
+                    <a:pos x="connsiteX0" y="connsiteY0"/>
+                  </a:cxn>
+                  <a:cxn ang="0">
+                    <a:pos x="connsiteX1" y="connsiteY1"/>
+                  </a:cxn>
+                  <a:cxn ang="0">
+                    <a:pos x="connsiteX2" y="connsiteY2"/>
+                  </a:cxn>
+                  <a:cxn ang="0">
+                    <a:pos x="connsiteX3" y="connsiteY3"/>
+                  </a:cxn>
+                  <a:cxn ang="0">
+                    <a:pos x="connsiteX4" y="connsiteY4"/>
+                  </a:cxn>
+                  <a:cxn ang="0">
+                    <a:pos x="connsiteX5" y="connsiteY5"/>
+                  </a:cxn>
+                  <a:cxn ang="0">
+                    <a:pos x="connsiteX6" y="connsiteY6"/>
+                  </a:cxn>
+                </a:cxnLst>
+                <a:rect l="l" t="t" r="r" b="b"/>
+                <a:pathLst>
+                  <a:path w="3764280" h="2043034">
+                    <a:moveTo>
+                      <a:pt x="0" y="1768714"/>
+                    </a:moveTo>
+                    <a:cubicBezTo>
+                      <a:pt x="452120" y="1729344"/>
+                      <a:pt x="904240" y="1689974"/>
+                      <a:pt x="1234440" y="1395334"/>
+                    </a:cubicBezTo>
+                    <a:cubicBezTo>
+                      <a:pt x="1564640" y="1100694"/>
+                      <a:pt x="1770380" y="-35956"/>
+                      <a:pt x="1981200" y="874"/>
+                    </a:cubicBezTo>
+                    <a:cubicBezTo>
+                      <a:pt x="2192020" y="37704"/>
+                      <a:pt x="2209800" y="1275954"/>
+                      <a:pt x="2499360" y="1616314"/>
+                    </a:cubicBezTo>
+                    <a:cubicBezTo>
+                      <a:pt x="2788920" y="1956674"/>
+                      <a:pt x="3718560" y="2043034"/>
+                      <a:pt x="3718560" y="2043034"/>
+                    </a:cubicBezTo>
+                    <a:lnTo>
+                      <a:pt x="3718560" y="2043034"/>
+                    </a:lnTo>
+                    <a:lnTo>
+                      <a:pt x="3764280" y="2043034"/>
+                    </a:lnTo>
+                  </a:path>
+                </a:pathLst>
+              </a:custGeom>
+              <a:noFill/>
+              <a:ln w="19050"/>
+            </p:spPr>
+            <p:style>
+              <a:lnRef idx="2">
+                <a:schemeClr val="accent1">
+                  <a:shade val="50000"/>
+                </a:schemeClr>
+              </a:lnRef>
+              <a:fillRef idx="1">
+                <a:schemeClr val="accent1"/>
+              </a:fillRef>
+              <a:effectRef idx="0">
+                <a:schemeClr val="accent1"/>
+              </a:effectRef>
+              <a:fontRef idx="minor">
+                <a:schemeClr val="lt1"/>
+              </a:fontRef>
+            </p:style>
+            <p:txBody>
+              <a:bodyPr rtlCol="0" anchor="ctr"/>
+              <a:lstStyle/>
+              <a:p>
+                <a:pPr algn="ctr"/>
+                <a:endParaRPr lang="en-US"/>
+              </a:p>
+            </p:txBody>
+          </p:sp>
+          <p:cxnSp>
+            <p:nvCxnSpPr>
+              <p:cNvPr id="73" name="直接连接符 72">
+                <a:extLst>
+                  <a:ext uri="{FF2B5EF4-FFF2-40B4-BE49-F238E27FC236}">
+                    <a16:creationId xmlns:a16="http://schemas.microsoft.com/office/drawing/2014/main" id="{98389FF2-BA6D-4FA9-BAFA-84B100E355D7}"/>
+                  </a:ext>
+                </a:extLst>
+              </p:cNvPr>
+              <p:cNvCxnSpPr/>
+              <p:nvPr/>
+            </p:nvCxnSpPr>
+            <p:spPr>
+              <a:xfrm>
+                <a:off x="2568576" y="4989714"/>
+                <a:ext cx="0" cy="225279"/>
+              </a:xfrm>
+              <a:prstGeom prst="line">
+                <a:avLst/>
+              </a:prstGeom>
+              <a:ln w="28575">
+                <a:solidFill>
+                  <a:srgbClr val="FF0000"/>
+                </a:solidFill>
+              </a:ln>
+            </p:spPr>
+            <p:style>
+              <a:lnRef idx="1">
+                <a:schemeClr val="accent1"/>
+              </a:lnRef>
+              <a:fillRef idx="0">
+                <a:schemeClr val="accent1"/>
+              </a:fillRef>
+              <a:effectRef idx="0">
+                <a:schemeClr val="accent1"/>
+              </a:effectRef>
+              <a:fontRef idx="minor">
+                <a:schemeClr val="tx1"/>
+              </a:fontRef>
+            </p:style>
+          </p:cxnSp>
+          <p:cxnSp>
+            <p:nvCxnSpPr>
+              <p:cNvPr id="74" name="直接连接符 73">
+                <a:extLst>
+                  <a:ext uri="{FF2B5EF4-FFF2-40B4-BE49-F238E27FC236}">
+                    <a16:creationId xmlns:a16="http://schemas.microsoft.com/office/drawing/2014/main" id="{52713785-B259-4895-A282-3CE1BFD09E77}"/>
+                  </a:ext>
+                </a:extLst>
+              </p:cNvPr>
+              <p:cNvCxnSpPr>
+                <a:cxnSpLocks/>
+              </p:cNvCxnSpPr>
+              <p:nvPr/>
+            </p:nvCxnSpPr>
+            <p:spPr>
+              <a:xfrm>
+                <a:off x="2449514" y="5029400"/>
+                <a:ext cx="0" cy="188620"/>
+              </a:xfrm>
+              <a:prstGeom prst="line">
+                <a:avLst/>
+              </a:prstGeom>
+              <a:ln>
+                <a:solidFill>
+                  <a:srgbClr val="FF0000"/>
+                </a:solidFill>
+              </a:ln>
+            </p:spPr>
+            <p:style>
+              <a:lnRef idx="1">
+                <a:schemeClr val="accent1"/>
+              </a:lnRef>
+              <a:fillRef idx="0">
+                <a:schemeClr val="accent1"/>
+              </a:fillRef>
+              <a:effectRef idx="0">
+                <a:schemeClr val="accent1"/>
+              </a:effectRef>
+              <a:fontRef idx="minor">
+                <a:schemeClr val="tx1"/>
+              </a:fontRef>
+            </p:style>
+          </p:cxnSp>
+          <p:cxnSp>
+            <p:nvCxnSpPr>
+              <p:cNvPr id="75" name="直接连接符 74">
+                <a:extLst>
+                  <a:ext uri="{FF2B5EF4-FFF2-40B4-BE49-F238E27FC236}">
+                    <a16:creationId xmlns:a16="http://schemas.microsoft.com/office/drawing/2014/main" id="{7B8DDB80-33C7-4F2E-AF27-92495A2871A3}"/>
+                  </a:ext>
+                </a:extLst>
+              </p:cNvPr>
+              <p:cNvCxnSpPr>
+                <a:cxnSpLocks/>
+              </p:cNvCxnSpPr>
+              <p:nvPr/>
+            </p:nvCxnSpPr>
+            <p:spPr>
+              <a:xfrm>
+                <a:off x="2342357" y="5056485"/>
+                <a:ext cx="0" cy="163671"/>
+              </a:xfrm>
+              <a:prstGeom prst="line">
+                <a:avLst/>
+              </a:prstGeom>
+              <a:ln>
+                <a:solidFill>
+                  <a:srgbClr val="FF0000"/>
+                </a:solidFill>
+              </a:ln>
+            </p:spPr>
+            <p:style>
+              <a:lnRef idx="1">
+                <a:schemeClr val="accent1"/>
+              </a:lnRef>
+              <a:fillRef idx="0">
+                <a:schemeClr val="accent1"/>
+              </a:fillRef>
+              <a:effectRef idx="0">
+                <a:schemeClr val="accent1"/>
+              </a:effectRef>
+              <a:fontRef idx="minor">
+                <a:schemeClr val="tx1"/>
+              </a:fontRef>
+            </p:style>
+          </p:cxnSp>
+          <p:cxnSp>
+            <p:nvCxnSpPr>
+              <p:cNvPr id="76" name="直接连接符 75">
+                <a:extLst>
+                  <a:ext uri="{FF2B5EF4-FFF2-40B4-BE49-F238E27FC236}">
+                    <a16:creationId xmlns:a16="http://schemas.microsoft.com/office/drawing/2014/main" id="{4F9C9A26-152E-4382-997F-FA1E102D4CB5}"/>
+                  </a:ext>
+                </a:extLst>
+              </p:cNvPr>
+              <p:cNvCxnSpPr>
+                <a:cxnSpLocks/>
+              </p:cNvCxnSpPr>
+              <p:nvPr/>
+            </p:nvCxnSpPr>
+            <p:spPr>
+              <a:xfrm>
+                <a:off x="2245520" y="5080149"/>
+                <a:ext cx="0" cy="141935"/>
+              </a:xfrm>
+              <a:prstGeom prst="line">
+                <a:avLst/>
+              </a:prstGeom>
+              <a:ln>
+                <a:solidFill>
+                  <a:srgbClr val="FF0000"/>
+                </a:solidFill>
+              </a:ln>
+            </p:spPr>
+            <p:style>
+              <a:lnRef idx="1">
+                <a:schemeClr val="accent1"/>
+              </a:lnRef>
+              <a:fillRef idx="0">
+                <a:schemeClr val="accent1"/>
+              </a:fillRef>
+              <a:effectRef idx="0">
+                <a:schemeClr val="accent1"/>
+              </a:effectRef>
+              <a:fontRef idx="minor">
+                <a:schemeClr val="tx1"/>
+              </a:fontRef>
+            </p:style>
+          </p:cxnSp>
+          <p:cxnSp>
+            <p:nvCxnSpPr>
+              <p:cNvPr id="77" name="直接连接符 76">
+                <a:extLst>
+                  <a:ext uri="{FF2B5EF4-FFF2-40B4-BE49-F238E27FC236}">
+                    <a16:creationId xmlns:a16="http://schemas.microsoft.com/office/drawing/2014/main" id="{B0015125-9084-4891-A031-3DF93117C572}"/>
+                  </a:ext>
+                </a:extLst>
+              </p:cNvPr>
+              <p:cNvCxnSpPr>
+                <a:cxnSpLocks/>
+              </p:cNvCxnSpPr>
+              <p:nvPr/>
+            </p:nvCxnSpPr>
+            <p:spPr>
+              <a:xfrm>
+                <a:off x="2139952" y="5109444"/>
+                <a:ext cx="0" cy="112640"/>
+              </a:xfrm>
+              <a:prstGeom prst="line">
+                <a:avLst/>
+              </a:prstGeom>
+              <a:ln>
+                <a:solidFill>
+                  <a:srgbClr val="FF0000"/>
+                </a:solidFill>
+              </a:ln>
+            </p:spPr>
+            <p:style>
+              <a:lnRef idx="1">
+                <a:schemeClr val="accent1"/>
+              </a:lnRef>
+              <a:fillRef idx="0">
+                <a:schemeClr val="accent1"/>
+              </a:fillRef>
+              <a:effectRef idx="0">
+                <a:schemeClr val="accent1"/>
+              </a:effectRef>
+              <a:fontRef idx="minor">
+                <a:schemeClr val="tx1"/>
+              </a:fontRef>
+            </p:style>
+          </p:cxnSp>
+          <p:cxnSp>
+            <p:nvCxnSpPr>
+              <p:cNvPr id="78" name="直接连接符 77">
+                <a:extLst>
+                  <a:ext uri="{FF2B5EF4-FFF2-40B4-BE49-F238E27FC236}">
+                    <a16:creationId xmlns:a16="http://schemas.microsoft.com/office/drawing/2014/main" id="{BA296834-098D-4242-ACA7-494316097C98}"/>
+                  </a:ext>
+                </a:extLst>
+              </p:cNvPr>
+              <p:cNvCxnSpPr>
+                <a:cxnSpLocks/>
+              </p:cNvCxnSpPr>
+              <p:nvPr/>
+            </p:nvCxnSpPr>
+            <p:spPr>
+              <a:xfrm>
+                <a:off x="2045495" y="5130261"/>
+                <a:ext cx="0" cy="93172"/>
+              </a:xfrm>
+              <a:prstGeom prst="line">
+                <a:avLst/>
+              </a:prstGeom>
+              <a:ln>
+                <a:solidFill>
+                  <a:srgbClr val="FF0000"/>
+                </a:solidFill>
+              </a:ln>
+            </p:spPr>
+            <p:style>
+              <a:lnRef idx="1">
+                <a:schemeClr val="accent1"/>
+              </a:lnRef>
+              <a:fillRef idx="0">
+                <a:schemeClr val="accent1"/>
+              </a:fillRef>
+              <a:effectRef idx="0">
+                <a:schemeClr val="accent1"/>
+              </a:effectRef>
+              <a:fontRef idx="minor">
+                <a:schemeClr val="tx1"/>
+              </a:fontRef>
+            </p:style>
+          </p:cxnSp>
+          <p:cxnSp>
+            <p:nvCxnSpPr>
+              <p:cNvPr id="81" name="直接箭头连接符 80">
+                <a:extLst>
+                  <a:ext uri="{FF2B5EF4-FFF2-40B4-BE49-F238E27FC236}">
+                    <a16:creationId xmlns:a16="http://schemas.microsoft.com/office/drawing/2014/main" id="{4D088568-BCC1-4BA7-AF6F-81A1242DF114}"/>
+                  </a:ext>
+                </a:extLst>
+              </p:cNvPr>
+              <p:cNvCxnSpPr>
+                <a:cxnSpLocks/>
+              </p:cNvCxnSpPr>
+              <p:nvPr/>
+            </p:nvCxnSpPr>
+            <p:spPr>
+              <a:xfrm flipH="1" flipV="1">
+                <a:off x="2281240" y="4711470"/>
+                <a:ext cx="157954" cy="368679"/>
+              </a:xfrm>
+              <a:prstGeom prst="straightConnector1">
+                <a:avLst/>
+              </a:prstGeom>
+              <a:ln>
+                <a:solidFill>
+                  <a:srgbClr val="FF0000"/>
+                </a:solidFill>
+                <a:tailEnd type="triangle"/>
+              </a:ln>
+            </p:spPr>
+            <p:style>
+              <a:lnRef idx="1">
+                <a:schemeClr val="accent1"/>
+              </a:lnRef>
+              <a:fillRef idx="0">
+                <a:schemeClr val="accent1"/>
+              </a:fillRef>
+              <a:effectRef idx="0">
+                <a:schemeClr val="accent1"/>
+              </a:effectRef>
+              <a:fontRef idx="minor">
+                <a:schemeClr val="tx1"/>
+              </a:fontRef>
+            </p:style>
+          </p:cxnSp>
+          <mc:AlternateContent xmlns:mc="http://schemas.openxmlformats.org/markup-compatibility/2006" xmlns:a14="http://schemas.microsoft.com/office/drawing/2010/main">
+            <mc:Choice Requires="a14">
+              <p:sp>
+                <p:nvSpPr>
+                  <p:cNvPr id="82" name="文本框 81">
+                    <a:extLst>
+                      <a:ext uri="{FF2B5EF4-FFF2-40B4-BE49-F238E27FC236}">
+                        <a16:creationId xmlns:a16="http://schemas.microsoft.com/office/drawing/2014/main" id="{8B240BA2-5418-4A7E-B2F8-4E7959675429}"/>
+                      </a:ext>
+                    </a:extLst>
+                  </p:cNvPr>
+                  <p:cNvSpPr txBox="1"/>
+                  <p:nvPr/>
+                </p:nvSpPr>
+                <p:spPr>
+                  <a:xfrm>
+                    <a:off x="2071508" y="4473376"/>
+                    <a:ext cx="74795" cy="369332"/>
+                  </a:xfrm>
+                  <a:prstGeom prst="rect">
+                    <a:avLst/>
+                  </a:prstGeom>
+                  <a:noFill/>
+                </p:spPr>
+                <p:txBody>
+                  <a:bodyPr wrap="square" rtlCol="0">
+                    <a:spAutoFit/>
+                  </a:bodyPr>
+                  <a:lstStyle/>
+                  <a:p>
+                    <a:pPr/>
+                    <a14:m>
+                      <m:oMathPara xmlns:m="http://schemas.openxmlformats.org/officeDocument/2006/math">
+                        <m:oMathParaPr>
+                          <m:jc m:val="centerGroup"/>
+                        </m:oMathParaPr>
+                        <m:oMath xmlns:m="http://schemas.openxmlformats.org/officeDocument/2006/math">
+                          <m:r>
+                            <a:rPr lang="en-US" b="0" i="1" smtClean="0">
+                              <a:solidFill>
+                                <a:srgbClr val="FF0000"/>
+                              </a:solidFill>
+                              <a:latin typeface="Cambria Math" panose="02040503050406030204" pitchFamily="18" charset="0"/>
+                            </a:rPr>
+                            <m:t>𝛼</m:t>
+                          </m:r>
+                        </m:oMath>
+                      </m:oMathPara>
+                    </a14:m>
+                    <a:endParaRPr lang="en-US" dirty="0"/>
+                  </a:p>
+                </p:txBody>
+              </p:sp>
+            </mc:Choice>
+            <mc:Fallback xmlns="">
+              <p:sp>
+                <p:nvSpPr>
+                  <p:cNvPr id="82" name="文本框 81">
+                    <a:extLst>
+                      <a:ext uri="{FF2B5EF4-FFF2-40B4-BE49-F238E27FC236}">
+                        <a16:creationId xmlns:a16="http://schemas.microsoft.com/office/drawing/2014/main" id="{8B240BA2-5418-4A7E-B2F8-4E7959675429}"/>
+                      </a:ext>
+                    </a:extLst>
+                  </p:cNvPr>
+                  <p:cNvSpPr txBox="1">
+                    <a:spLocks noRot="1" noChangeAspect="1" noMove="1" noResize="1" noEditPoints="1" noAdjustHandles="1" noChangeArrowheads="1" noChangeShapeType="1" noTextEdit="1"/>
+                  </p:cNvSpPr>
+                  <p:nvPr/>
+                </p:nvSpPr>
+                <p:spPr>
+                  <a:xfrm>
+                    <a:off x="2071508" y="4473376"/>
+                    <a:ext cx="74795" cy="369332"/>
+                  </a:xfrm>
+                  <a:prstGeom prst="rect">
+                    <a:avLst/>
+                  </a:prstGeom>
+                  <a:blipFill>
+                    <a:blip r:embed="rId4"/>
+                    <a:stretch>
+                      <a:fillRect l="-33333" r="-225000"/>
+                    </a:stretch>
+                  </a:blipFill>
+                </p:spPr>
+                <p:txBody>
+                  <a:bodyPr/>
+                  <a:lstStyle/>
+                  <a:p>
+                    <a:r>
+                      <a:rPr lang="en-US">
+                        <a:noFill/>
+                      </a:rPr>
+                      <a:t> </a:t>
+                    </a:r>
+                  </a:p>
+                </p:txBody>
+              </p:sp>
+            </mc:Fallback>
+          </mc:AlternateContent>
+        </p:grpSp>
+        <p:cxnSp>
+          <p:nvCxnSpPr>
+            <p:cNvPr id="84" name="直接连接符 83">
+              <a:extLst>
+                <a:ext uri="{FF2B5EF4-FFF2-40B4-BE49-F238E27FC236}">
+                  <a16:creationId xmlns:a16="http://schemas.microsoft.com/office/drawing/2014/main" id="{F5DD3E2B-1A56-497A-AEAA-76039E1A3702}"/>
+                </a:ext>
+              </a:extLst>
+            </p:cNvPr>
+            <p:cNvCxnSpPr>
+              <a:cxnSpLocks/>
+            </p:cNvCxnSpPr>
+            <p:nvPr/>
+          </p:nvCxnSpPr>
+          <p:spPr>
+            <a:xfrm>
+              <a:off x="6316445" y="2435820"/>
+              <a:ext cx="0" cy="184997"/>
+            </a:xfrm>
+            <a:prstGeom prst="line">
+              <a:avLst/>
+            </a:prstGeom>
+            <a:ln w="28575">
+              <a:solidFill>
+                <a:srgbClr val="FF0000"/>
+              </a:solidFill>
+            </a:ln>
+          </p:spPr>
+          <p:style>
+            <a:lnRef idx="1">
+              <a:schemeClr val="accent1"/>
+            </a:lnRef>
+            <a:fillRef idx="0">
+              <a:schemeClr val="accent1"/>
+            </a:fillRef>
+            <a:effectRef idx="0">
+              <a:schemeClr val="accent1"/>
+            </a:effectRef>
+            <a:fontRef idx="minor">
+              <a:schemeClr val="tx1"/>
+            </a:fontRef>
+          </p:style>
+        </p:cxnSp>
+        <p:cxnSp>
+          <p:nvCxnSpPr>
+            <p:cNvPr id="87" name="直接连接符 86">
+              <a:extLst>
+                <a:ext uri="{FF2B5EF4-FFF2-40B4-BE49-F238E27FC236}">
+                  <a16:creationId xmlns:a16="http://schemas.microsoft.com/office/drawing/2014/main" id="{EF4E6FE5-4891-49AF-AC77-4FEC120079EB}"/>
+                </a:ext>
+              </a:extLst>
+            </p:cNvPr>
+            <p:cNvCxnSpPr>
+              <a:cxnSpLocks/>
+            </p:cNvCxnSpPr>
+            <p:nvPr/>
+          </p:nvCxnSpPr>
+          <p:spPr>
+            <a:xfrm>
+              <a:off x="6206908" y="2469291"/>
+              <a:ext cx="0" cy="141935"/>
+            </a:xfrm>
+            <a:prstGeom prst="line">
+              <a:avLst/>
+            </a:prstGeom>
+            <a:ln>
+              <a:solidFill>
+                <a:srgbClr val="FF0000"/>
+              </a:solidFill>
+            </a:ln>
+          </p:spPr>
+          <p:style>
+            <a:lnRef idx="1">
+              <a:schemeClr val="accent1"/>
+            </a:lnRef>
+            <a:fillRef idx="0">
+              <a:schemeClr val="accent1"/>
+            </a:fillRef>
+            <a:effectRef idx="0">
+              <a:schemeClr val="accent1"/>
+            </a:effectRef>
+            <a:fontRef idx="minor">
+              <a:schemeClr val="tx1"/>
+            </a:fontRef>
+          </p:style>
+        </p:cxnSp>
+        <p:cxnSp>
+          <p:nvCxnSpPr>
+            <p:cNvPr id="88" name="直接连接符 87">
+              <a:extLst>
+                <a:ext uri="{FF2B5EF4-FFF2-40B4-BE49-F238E27FC236}">
+                  <a16:creationId xmlns:a16="http://schemas.microsoft.com/office/drawing/2014/main" id="{3FEA2EA6-298A-406B-88F9-3F9D0A70CCBB}"/>
+                </a:ext>
+              </a:extLst>
+            </p:cNvPr>
+            <p:cNvCxnSpPr>
+              <a:cxnSpLocks/>
+            </p:cNvCxnSpPr>
+            <p:nvPr/>
+          </p:nvCxnSpPr>
+          <p:spPr>
+            <a:xfrm>
+              <a:off x="6101340" y="2498586"/>
+              <a:ext cx="0" cy="112640"/>
+            </a:xfrm>
+            <a:prstGeom prst="line">
+              <a:avLst/>
+            </a:prstGeom>
+            <a:ln>
+              <a:solidFill>
+                <a:srgbClr val="FF0000"/>
+              </a:solidFill>
+            </a:ln>
+          </p:spPr>
+          <p:style>
+            <a:lnRef idx="1">
+              <a:schemeClr val="accent1"/>
+            </a:lnRef>
+            <a:fillRef idx="0">
+              <a:schemeClr val="accent1"/>
+            </a:fillRef>
+            <a:effectRef idx="0">
+              <a:schemeClr val="accent1"/>
+            </a:effectRef>
+            <a:fontRef idx="minor">
+              <a:schemeClr val="tx1"/>
+            </a:fontRef>
+          </p:style>
+        </p:cxnSp>
+        <p:cxnSp>
+          <p:nvCxnSpPr>
+            <p:cNvPr id="89" name="直接连接符 88">
+              <a:extLst>
+                <a:ext uri="{FF2B5EF4-FFF2-40B4-BE49-F238E27FC236}">
+                  <a16:creationId xmlns:a16="http://schemas.microsoft.com/office/drawing/2014/main" id="{3BD8BDAF-E17E-4D64-B9CE-C695F21B4F9C}"/>
+                </a:ext>
+              </a:extLst>
+            </p:cNvPr>
+            <p:cNvCxnSpPr>
+              <a:cxnSpLocks/>
+            </p:cNvCxnSpPr>
+            <p:nvPr/>
+          </p:nvCxnSpPr>
+          <p:spPr>
+            <a:xfrm>
+              <a:off x="6006883" y="2519403"/>
+              <a:ext cx="0" cy="93172"/>
+            </a:xfrm>
+            <a:prstGeom prst="line">
+              <a:avLst/>
+            </a:prstGeom>
+            <a:ln>
+              <a:solidFill>
+                <a:srgbClr val="FF0000"/>
+              </a:solidFill>
+            </a:ln>
+          </p:spPr>
+          <p:style>
+            <a:lnRef idx="1">
+              <a:schemeClr val="accent1"/>
+            </a:lnRef>
+            <a:fillRef idx="0">
+              <a:schemeClr val="accent1"/>
+            </a:fillRef>
+            <a:effectRef idx="0">
+              <a:schemeClr val="accent1"/>
+            </a:effectRef>
+            <a:fontRef idx="minor">
+              <a:schemeClr val="tx1"/>
+            </a:fontRef>
+          </p:style>
+        </p:cxnSp>
+        <p:cxnSp>
+          <p:nvCxnSpPr>
+            <p:cNvPr id="90" name="直接箭头连接符 89">
+              <a:extLst>
+                <a:ext uri="{FF2B5EF4-FFF2-40B4-BE49-F238E27FC236}">
+                  <a16:creationId xmlns:a16="http://schemas.microsoft.com/office/drawing/2014/main" id="{F91738F1-25CE-4B0F-9FD5-DA790536D1EB}"/>
+                </a:ext>
+              </a:extLst>
+            </p:cNvPr>
+            <p:cNvCxnSpPr>
+              <a:cxnSpLocks/>
+            </p:cNvCxnSpPr>
+            <p:nvPr/>
+          </p:nvCxnSpPr>
+          <p:spPr>
+            <a:xfrm flipH="1" flipV="1">
+              <a:off x="6145087" y="2194252"/>
+              <a:ext cx="119469" cy="278851"/>
+            </a:xfrm>
+            <a:prstGeom prst="straightConnector1">
+              <a:avLst/>
+            </a:prstGeom>
+            <a:ln>
+              <a:solidFill>
+                <a:srgbClr val="FF0000"/>
+              </a:solidFill>
+              <a:tailEnd type="triangle"/>
+            </a:ln>
+          </p:spPr>
+          <p:style>
+            <a:lnRef idx="1">
+              <a:schemeClr val="accent1"/>
+            </a:lnRef>
+            <a:fillRef idx="0">
+              <a:schemeClr val="accent1"/>
+            </a:fillRef>
+            <a:effectRef idx="0">
+              <a:schemeClr val="accent1"/>
+            </a:effectRef>
+            <a:fontRef idx="minor">
+              <a:schemeClr val="tx1"/>
+            </a:fontRef>
+          </p:style>
+        </p:cxnSp>
+        <mc:AlternateContent xmlns:mc="http://schemas.openxmlformats.org/markup-compatibility/2006" xmlns:a14="http://schemas.microsoft.com/office/drawing/2010/main">
+          <mc:Choice Requires="a14">
+            <p:sp>
+              <p:nvSpPr>
+                <p:cNvPr id="91" name="文本框 90">
+                  <a:extLst>
+                    <a:ext uri="{FF2B5EF4-FFF2-40B4-BE49-F238E27FC236}">
+                      <a16:creationId xmlns:a16="http://schemas.microsoft.com/office/drawing/2014/main" id="{AD4D8EC8-AC1C-4858-90E6-EC6CA0C1987A}"/>
+                    </a:ext>
+                  </a:extLst>
+                </p:cNvPr>
+                <p:cNvSpPr txBox="1"/>
+                <p:nvPr/>
+              </p:nvSpPr>
+              <p:spPr>
+                <a:xfrm>
+                  <a:off x="5792378" y="1861872"/>
+                  <a:ext cx="607243" cy="369332"/>
+                </a:xfrm>
+                <a:prstGeom prst="rect">
+                  <a:avLst/>
+                </a:prstGeom>
+                <a:noFill/>
+              </p:spPr>
+              <p:txBody>
+                <a:bodyPr wrap="square" rtlCol="0">
+                  <a:spAutoFit/>
+                </a:bodyPr>
+                <a:lstStyle/>
+                <a:p>
+                  <a:pPr/>
+                  <a14:m>
+                    <m:oMathPara xmlns:m="http://schemas.openxmlformats.org/officeDocument/2006/math">
+                      <m:oMathParaPr>
+                        <m:jc m:val="centerGroup"/>
+                      </m:oMathParaPr>
+                      <m:oMath xmlns:m="http://schemas.openxmlformats.org/officeDocument/2006/math">
+                        <m:r>
+                          <a:rPr lang="en-US" b="0" i="1" smtClean="0">
+                            <a:solidFill>
+                              <a:srgbClr val="FF0000"/>
+                            </a:solidFill>
+                            <a:latin typeface="Cambria Math" panose="02040503050406030204" pitchFamily="18" charset="0"/>
+                          </a:rPr>
+                          <m:t>𝛼</m:t>
+                        </m:r>
+                        <m:r>
+                          <a:rPr lang="en-US" b="0" i="1" smtClean="0">
+                            <a:solidFill>
+                              <a:srgbClr val="FF0000"/>
+                            </a:solidFill>
+                            <a:latin typeface="Cambria Math" panose="02040503050406030204" pitchFamily="18" charset="0"/>
+                          </a:rPr>
+                          <m:t>/2</m:t>
+                        </m:r>
+                      </m:oMath>
+                    </m:oMathPara>
+                  </a14:m>
+                  <a:endParaRPr lang="en-US" dirty="0"/>
+                </a:p>
+              </p:txBody>
+            </p:sp>
+          </mc:Choice>
+          <mc:Fallback xmlns="">
+            <p:sp>
+              <p:nvSpPr>
+                <p:cNvPr id="91" name="文本框 90">
+                  <a:extLst>
+                    <a:ext uri="{FF2B5EF4-FFF2-40B4-BE49-F238E27FC236}">
+                      <a16:creationId xmlns:a16="http://schemas.microsoft.com/office/drawing/2014/main" id="{AD4D8EC8-AC1C-4858-90E6-EC6CA0C1987A}"/>
+                    </a:ext>
+                  </a:extLst>
+                </p:cNvPr>
+                <p:cNvSpPr txBox="1">
+                  <a:spLocks noRot="1" noChangeAspect="1" noMove="1" noResize="1" noEditPoints="1" noAdjustHandles="1" noChangeArrowheads="1" noChangeShapeType="1" noTextEdit="1"/>
+                </p:cNvSpPr>
+                <p:nvPr/>
+              </p:nvSpPr>
+              <p:spPr>
+                <a:xfrm>
+                  <a:off x="5792378" y="1861872"/>
+                  <a:ext cx="607243" cy="369332"/>
+                </a:xfrm>
+                <a:prstGeom prst="rect">
+                  <a:avLst/>
+                </a:prstGeom>
+                <a:blipFill>
+                  <a:blip r:embed="rId5"/>
+                  <a:stretch>
+                    <a:fillRect b="-11475"/>
+                  </a:stretch>
+                </a:blipFill>
+              </p:spPr>
+              <p:txBody>
+                <a:bodyPr/>
+                <a:lstStyle/>
+                <a:p>
+                  <a:r>
+                    <a:rPr lang="en-US">
+                      <a:noFill/>
+                    </a:rPr>
+                    <a:t> </a:t>
+                  </a:r>
+                </a:p>
+              </p:txBody>
+            </p:sp>
+          </mc:Fallback>
+        </mc:AlternateContent>
+        <p:sp>
+          <p:nvSpPr>
+            <p:cNvPr id="96" name="文本框 95">
+              <a:extLst>
+                <a:ext uri="{FF2B5EF4-FFF2-40B4-BE49-F238E27FC236}">
+                  <a16:creationId xmlns:a16="http://schemas.microsoft.com/office/drawing/2014/main" id="{1978E8DB-A244-4884-9754-FFA508562419}"/>
+                </a:ext>
+              </a:extLst>
+            </p:cNvPr>
+            <p:cNvSpPr txBox="1"/>
+            <p:nvPr/>
+          </p:nvSpPr>
+          <p:spPr>
+            <a:xfrm>
+              <a:off x="1625600" y="506411"/>
+              <a:ext cx="4742004" cy="3539430"/>
+            </a:xfrm>
+            <a:prstGeom prst="rect">
+              <a:avLst/>
+            </a:prstGeom>
+            <a:noFill/>
+          </p:spPr>
+          <p:txBody>
+            <a:bodyPr wrap="none" rtlCol="0">
+              <a:spAutoFit/>
+            </a:bodyPr>
+            <a:lstStyle/>
+            <a:p>
+              <a:pPr marL="342900" indent="-342900">
+                <a:buAutoNum type="alphaLcParenBoth"/>
+              </a:pPr>
+              <a:r>
+                <a:rPr lang="en-US" sz="2800" dirty="0"/>
+                <a:t>                                              (b)</a:t>
+              </a:r>
+            </a:p>
+            <a:p>
+              <a:pPr marL="342900" indent="-342900">
+                <a:buAutoNum type="alphaLcParenBoth"/>
+              </a:pPr>
+              <a:endParaRPr lang="en-US" sz="2800" dirty="0"/>
+            </a:p>
+            <a:p>
+              <a:pPr marL="342900" indent="-342900">
+                <a:buAutoNum type="alphaLcParenBoth"/>
+              </a:pPr>
+              <a:endParaRPr lang="en-US" sz="2800" dirty="0"/>
+            </a:p>
+            <a:p>
+              <a:pPr marL="342900" indent="-342900">
+                <a:buAutoNum type="alphaLcParenBoth"/>
+              </a:pPr>
+              <a:endParaRPr lang="en-US" sz="2800" dirty="0"/>
+            </a:p>
+            <a:p>
+              <a:pPr marL="342900" indent="-342900">
+                <a:buAutoNum type="alphaLcParenBoth"/>
+              </a:pPr>
+              <a:endParaRPr lang="en-US" sz="2800" dirty="0"/>
+            </a:p>
+            <a:p>
+              <a:pPr marL="342900" indent="-342900">
+                <a:buAutoNum type="alphaLcParenBoth"/>
+              </a:pPr>
+              <a:endParaRPr lang="en-US" sz="2800" dirty="0"/>
+            </a:p>
+            <a:p>
+              <a:pPr marL="342900" indent="-342900">
+                <a:buAutoNum type="alphaLcParenBoth"/>
+              </a:pPr>
+              <a:endParaRPr lang="en-US" sz="2800" dirty="0"/>
+            </a:p>
+            <a:p>
+              <a:r>
+                <a:rPr lang="en-US" sz="2800" dirty="0"/>
+                <a:t>(c)</a:t>
+              </a:r>
+            </a:p>
+          </p:txBody>
+        </p:sp>
+      </p:grpSp>
     </p:spTree>
     <p:extLst>
       <p:ext uri="{BB962C8B-B14F-4D97-AF65-F5344CB8AC3E}">

--- a/figures/statisticalModeling/statisticalModelingFigures.pptx
+++ b/figures/statisticalModeling/statisticalModelingFigures.pptx
@@ -9,8 +9,10 @@
     <p:sldId id="261" r:id="rId3"/>
     <p:sldId id="256" r:id="rId4"/>
     <p:sldId id="258" r:id="rId5"/>
-    <p:sldId id="259" r:id="rId6"/>
-    <p:sldId id="260" r:id="rId7"/>
+    <p:sldId id="262" r:id="rId6"/>
+    <p:sldId id="259" r:id="rId7"/>
+    <p:sldId id="263" r:id="rId8"/>
+    <p:sldId id="260" r:id="rId9"/>
   </p:sldIdLst>
   <p:sldSz cx="12192000" cy="6858000"/>
   <p:notesSz cx="6858000" cy="9144000"/>
@@ -246,7 +248,7 @@
           <a:p>
             <a:fld id="{C7C35E5A-9A51-4AB7-A677-3D698A9948B7}" type="datetimeFigureOut">
               <a:rPr lang="en-US" smtClean="0"/>
-              <a:t>3/15/2020</a:t>
+              <a:t>6/25/2020</a:t>
             </a:fld>
             <a:endParaRPr lang="en-US"/>
           </a:p>
@@ -414,7 +416,7 @@
           <a:p>
             <a:fld id="{C7C35E5A-9A51-4AB7-A677-3D698A9948B7}" type="datetimeFigureOut">
               <a:rPr lang="en-US" smtClean="0"/>
-              <a:t>3/15/2020</a:t>
+              <a:t>6/25/2020</a:t>
             </a:fld>
             <a:endParaRPr lang="en-US"/>
           </a:p>
@@ -592,7 +594,7 @@
           <a:p>
             <a:fld id="{C7C35E5A-9A51-4AB7-A677-3D698A9948B7}" type="datetimeFigureOut">
               <a:rPr lang="en-US" smtClean="0"/>
-              <a:t>3/15/2020</a:t>
+              <a:t>6/25/2020</a:t>
             </a:fld>
             <a:endParaRPr lang="en-US"/>
           </a:p>
@@ -760,7 +762,7 @@
           <a:p>
             <a:fld id="{C7C35E5A-9A51-4AB7-A677-3D698A9948B7}" type="datetimeFigureOut">
               <a:rPr lang="en-US" smtClean="0"/>
-              <a:t>3/15/2020</a:t>
+              <a:t>6/25/2020</a:t>
             </a:fld>
             <a:endParaRPr lang="en-US"/>
           </a:p>
@@ -1005,7 +1007,7 @@
           <a:p>
             <a:fld id="{C7C35E5A-9A51-4AB7-A677-3D698A9948B7}" type="datetimeFigureOut">
               <a:rPr lang="en-US" smtClean="0"/>
-              <a:t>3/15/2020</a:t>
+              <a:t>6/25/2020</a:t>
             </a:fld>
             <a:endParaRPr lang="en-US"/>
           </a:p>
@@ -1234,7 +1236,7 @@
           <a:p>
             <a:fld id="{C7C35E5A-9A51-4AB7-A677-3D698A9948B7}" type="datetimeFigureOut">
               <a:rPr lang="en-US" smtClean="0"/>
-              <a:t>3/15/2020</a:t>
+              <a:t>6/25/2020</a:t>
             </a:fld>
             <a:endParaRPr lang="en-US"/>
           </a:p>
@@ -1598,7 +1600,7 @@
           <a:p>
             <a:fld id="{C7C35E5A-9A51-4AB7-A677-3D698A9948B7}" type="datetimeFigureOut">
               <a:rPr lang="en-US" smtClean="0"/>
-              <a:t>3/15/2020</a:t>
+              <a:t>6/25/2020</a:t>
             </a:fld>
             <a:endParaRPr lang="en-US"/>
           </a:p>
@@ -1715,7 +1717,7 @@
           <a:p>
             <a:fld id="{C7C35E5A-9A51-4AB7-A677-3D698A9948B7}" type="datetimeFigureOut">
               <a:rPr lang="en-US" smtClean="0"/>
-              <a:t>3/15/2020</a:t>
+              <a:t>6/25/2020</a:t>
             </a:fld>
             <a:endParaRPr lang="en-US"/>
           </a:p>
@@ -1810,7 +1812,7 @@
           <a:p>
             <a:fld id="{C7C35E5A-9A51-4AB7-A677-3D698A9948B7}" type="datetimeFigureOut">
               <a:rPr lang="en-US" smtClean="0"/>
-              <a:t>3/15/2020</a:t>
+              <a:t>6/25/2020</a:t>
             </a:fld>
             <a:endParaRPr lang="en-US"/>
           </a:p>
@@ -2085,7 +2087,7 @@
           <a:p>
             <a:fld id="{C7C35E5A-9A51-4AB7-A677-3D698A9948B7}" type="datetimeFigureOut">
               <a:rPr lang="en-US" smtClean="0"/>
-              <a:t>3/15/2020</a:t>
+              <a:t>6/25/2020</a:t>
             </a:fld>
             <a:endParaRPr lang="en-US"/>
           </a:p>
@@ -2337,7 +2339,7 @@
           <a:p>
             <a:fld id="{C7C35E5A-9A51-4AB7-A677-3D698A9948B7}" type="datetimeFigureOut">
               <a:rPr lang="en-US" smtClean="0"/>
-              <a:t>3/15/2020</a:t>
+              <a:t>6/25/2020</a:t>
             </a:fld>
             <a:endParaRPr lang="en-US"/>
           </a:p>
@@ -2548,7 +2550,7 @@
           <a:p>
             <a:fld id="{C7C35E5A-9A51-4AB7-A677-3D698A9948B7}" type="datetimeFigureOut">
               <a:rPr lang="en-US" smtClean="0"/>
-              <a:t>3/15/2020</a:t>
+              <a:t>6/25/2020</a:t>
             </a:fld>
             <a:endParaRPr lang="en-US"/>
           </a:p>
@@ -4331,8 +4333,8 @@
             <a:chExt cx="4215765" cy="415290"/>
           </a:xfrm>
         </p:grpSpPr>
-        <mc:AlternateContent xmlns:mc="http://schemas.openxmlformats.org/markup-compatibility/2006">
-          <mc:Choice xmlns:a14="http://schemas.microsoft.com/office/drawing/2010/main" Requires="a14">
+        <mc:AlternateContent xmlns:mc="http://schemas.openxmlformats.org/markup-compatibility/2006" xmlns:a14="http://schemas.microsoft.com/office/drawing/2010/main">
+          <mc:Choice Requires="a14">
             <p:sp>
               <p:nvSpPr>
                 <p:cNvPr id="19" name="Oval 145">
@@ -4442,7 +4444,7 @@
               </p:txBody>
             </p:sp>
           </mc:Choice>
-          <mc:Fallback>
+          <mc:Fallback xmlns="">
             <p:sp>
               <p:nvSpPr>
                 <p:cNvPr id="19" name="Oval 145">
@@ -4492,8 +4494,8 @@
             </p:sp>
           </mc:Fallback>
         </mc:AlternateContent>
-        <mc:AlternateContent xmlns:mc="http://schemas.openxmlformats.org/markup-compatibility/2006">
-          <mc:Choice xmlns:a14="http://schemas.microsoft.com/office/drawing/2010/main" Requires="a14">
+        <mc:AlternateContent xmlns:mc="http://schemas.openxmlformats.org/markup-compatibility/2006" xmlns:a14="http://schemas.microsoft.com/office/drawing/2010/main">
+          <mc:Choice Requires="a14">
             <p:sp>
               <p:nvSpPr>
                 <p:cNvPr id="20" name="Oval 146">
@@ -4603,7 +4605,7 @@
               </p:txBody>
             </p:sp>
           </mc:Choice>
-          <mc:Fallback>
+          <mc:Fallback xmlns="">
             <p:sp>
               <p:nvSpPr>
                 <p:cNvPr id="20" name="Oval 146">
@@ -4653,8 +4655,8 @@
             </p:sp>
           </mc:Fallback>
         </mc:AlternateContent>
-        <mc:AlternateContent xmlns:mc="http://schemas.openxmlformats.org/markup-compatibility/2006">
-          <mc:Choice xmlns:a14="http://schemas.microsoft.com/office/drawing/2010/main" Requires="a14">
+        <mc:AlternateContent xmlns:mc="http://schemas.openxmlformats.org/markup-compatibility/2006" xmlns:a14="http://schemas.microsoft.com/office/drawing/2010/main">
+          <mc:Choice Requires="a14">
             <p:sp>
               <p:nvSpPr>
                 <p:cNvPr id="21" name="Oval 147">
@@ -4764,7 +4766,7 @@
               </p:txBody>
             </p:sp>
           </mc:Choice>
-          <mc:Fallback>
+          <mc:Fallback xmlns="">
             <p:sp>
               <p:nvSpPr>
                 <p:cNvPr id="21" name="Oval 147">
@@ -4814,8 +4816,8 @@
             </p:sp>
           </mc:Fallback>
         </mc:AlternateContent>
-        <mc:AlternateContent xmlns:mc="http://schemas.openxmlformats.org/markup-compatibility/2006">
-          <mc:Choice xmlns:a14="http://schemas.microsoft.com/office/drawing/2010/main" Requires="a14">
+        <mc:AlternateContent xmlns:mc="http://schemas.openxmlformats.org/markup-compatibility/2006" xmlns:a14="http://schemas.microsoft.com/office/drawing/2010/main">
+          <mc:Choice Requires="a14">
             <p:sp>
               <p:nvSpPr>
                 <p:cNvPr id="22" name="Oval 148">
@@ -4925,7 +4927,7 @@
               </p:txBody>
             </p:sp>
           </mc:Choice>
-          <mc:Fallback>
+          <mc:Fallback xmlns="">
             <p:sp>
               <p:nvSpPr>
                 <p:cNvPr id="22" name="Oval 148">
@@ -5061,8 +5063,8 @@
             </a:fontRef>
           </p:style>
         </p:cxnSp>
-        <mc:AlternateContent xmlns:mc="http://schemas.openxmlformats.org/markup-compatibility/2006">
-          <mc:Choice xmlns:a14="http://schemas.microsoft.com/office/drawing/2010/main" Requires="a14">
+        <mc:AlternateContent xmlns:mc="http://schemas.openxmlformats.org/markup-compatibility/2006" xmlns:a14="http://schemas.microsoft.com/office/drawing/2010/main">
+          <mc:Choice Requires="a14">
             <p:sp>
               <p:nvSpPr>
                 <p:cNvPr id="25" name="TextBox 151">
@@ -5115,7 +5117,7 @@
               </p:txBody>
             </p:sp>
           </mc:Choice>
-          <mc:Fallback>
+          <mc:Fallback xmlns="">
             <p:sp>
               <p:nvSpPr>
                 <p:cNvPr id="25" name="TextBox 151">
@@ -5205,8 +5207,8 @@
             </a:fontRef>
           </p:style>
         </p:cxnSp>
-        <mc:AlternateContent xmlns:mc="http://schemas.openxmlformats.org/markup-compatibility/2006">
-          <mc:Choice xmlns:a14="http://schemas.microsoft.com/office/drawing/2010/main" Requires="a14">
+        <mc:AlternateContent xmlns:mc="http://schemas.openxmlformats.org/markup-compatibility/2006" xmlns:a14="http://schemas.microsoft.com/office/drawing/2010/main">
+          <mc:Choice Requires="a14">
             <p:sp>
               <p:nvSpPr>
                 <p:cNvPr id="27" name="Oval 155">
@@ -5316,7 +5318,7 @@
               </p:txBody>
             </p:sp>
           </mc:Choice>
-          <mc:Fallback>
+          <mc:Fallback xmlns="">
             <p:sp>
               <p:nvSpPr>
                 <p:cNvPr id="27" name="Oval 155">
@@ -12629,6 +12631,1071 @@
           <a:chExt cx="0" cy="0"/>
         </a:xfrm>
       </p:grpSpPr>
+      <p:pic>
+        <p:nvPicPr>
+          <p:cNvPr id="2" name="图形 1" descr="苹果色">
+            <a:extLst>
+              <a:ext uri="{FF2B5EF4-FFF2-40B4-BE49-F238E27FC236}">
+                <a16:creationId xmlns:a16="http://schemas.microsoft.com/office/drawing/2014/main" id="{72D35C99-6970-414B-91F2-D8D85A143B5F}"/>
+              </a:ext>
+            </a:extLst>
+          </p:cNvPr>
+          <p:cNvPicPr>
+            <a:picLocks noChangeAspect="1"/>
+          </p:cNvPicPr>
+          <p:nvPr/>
+        </p:nvPicPr>
+        <p:blipFill>
+          <a:blip r:embed="rId2">
+            <a:extLst>
+              <a:ext uri="{28A0092B-C50C-407E-A947-70E740481C1C}">
+                <a14:useLocalDpi xmlns:a14="http://schemas.microsoft.com/office/drawing/2010/main" val="0"/>
+              </a:ext>
+              <a:ext uri="{96DAC541-7B7A-43D3-8B79-37D633B846F1}">
+                <asvg:svgBlip xmlns:asvg="http://schemas.microsoft.com/office/drawing/2016/SVG/main" r:embed="rId3"/>
+              </a:ext>
+            </a:extLst>
+          </a:blip>
+          <a:stretch>
+            <a:fillRect/>
+          </a:stretch>
+        </p:blipFill>
+        <p:spPr>
+          <a:xfrm>
+            <a:off x="5518150" y="1092200"/>
+            <a:ext cx="504825" cy="504825"/>
+          </a:xfrm>
+          <a:prstGeom prst="rect">
+            <a:avLst/>
+          </a:prstGeom>
+        </p:spPr>
+      </p:pic>
+      <p:pic>
+        <p:nvPicPr>
+          <p:cNvPr id="3" name="图形 2" descr="苹果色">
+            <a:extLst>
+              <a:ext uri="{FF2B5EF4-FFF2-40B4-BE49-F238E27FC236}">
+                <a16:creationId xmlns:a16="http://schemas.microsoft.com/office/drawing/2014/main" id="{3CDFBC0D-B980-404D-9C0E-742644EA8024}"/>
+              </a:ext>
+            </a:extLst>
+          </p:cNvPr>
+          <p:cNvPicPr>
+            <a:picLocks noChangeAspect="1"/>
+          </p:cNvPicPr>
+          <p:nvPr/>
+        </p:nvPicPr>
+        <p:blipFill>
+          <a:blip r:embed="rId2">
+            <a:extLst>
+              <a:ext uri="{28A0092B-C50C-407E-A947-70E740481C1C}">
+                <a14:useLocalDpi xmlns:a14="http://schemas.microsoft.com/office/drawing/2010/main" val="0"/>
+              </a:ext>
+              <a:ext uri="{96DAC541-7B7A-43D3-8B79-37D633B846F1}">
+                <asvg:svgBlip xmlns:asvg="http://schemas.microsoft.com/office/drawing/2016/SVG/main" r:embed="rId3"/>
+              </a:ext>
+            </a:extLst>
+          </a:blip>
+          <a:stretch>
+            <a:fillRect/>
+          </a:stretch>
+        </p:blipFill>
+        <p:spPr>
+          <a:xfrm>
+            <a:off x="4732334" y="1858962"/>
+            <a:ext cx="504825" cy="504825"/>
+          </a:xfrm>
+          <a:prstGeom prst="rect">
+            <a:avLst/>
+          </a:prstGeom>
+        </p:spPr>
+      </p:pic>
+      <p:pic>
+        <p:nvPicPr>
+          <p:cNvPr id="4" name="图形 3" descr="苹果色">
+            <a:extLst>
+              <a:ext uri="{FF2B5EF4-FFF2-40B4-BE49-F238E27FC236}">
+                <a16:creationId xmlns:a16="http://schemas.microsoft.com/office/drawing/2014/main" id="{AC5016DF-B9FC-40FC-A8BE-8BFE1EDADE24}"/>
+              </a:ext>
+            </a:extLst>
+          </p:cNvPr>
+          <p:cNvPicPr>
+            <a:picLocks noChangeAspect="1"/>
+          </p:cNvPicPr>
+          <p:nvPr/>
+        </p:nvPicPr>
+        <p:blipFill>
+          <a:blip r:embed="rId2">
+            <a:extLst>
+              <a:ext uri="{28A0092B-C50C-407E-A947-70E740481C1C}">
+                <a14:useLocalDpi xmlns:a14="http://schemas.microsoft.com/office/drawing/2010/main" val="0"/>
+              </a:ext>
+              <a:ext uri="{96DAC541-7B7A-43D3-8B79-37D633B846F1}">
+                <asvg:svgBlip xmlns:asvg="http://schemas.microsoft.com/office/drawing/2016/SVG/main" r:embed="rId3"/>
+              </a:ext>
+            </a:extLst>
+          </a:blip>
+          <a:stretch>
+            <a:fillRect/>
+          </a:stretch>
+        </p:blipFill>
+        <p:spPr>
+          <a:xfrm>
+            <a:off x="5013325" y="1339849"/>
+            <a:ext cx="504825" cy="504825"/>
+          </a:xfrm>
+          <a:prstGeom prst="rect">
+            <a:avLst/>
+          </a:prstGeom>
+        </p:spPr>
+      </p:pic>
+      <p:pic>
+        <p:nvPicPr>
+          <p:cNvPr id="5" name="图形 4" descr="苹果色">
+            <a:extLst>
+              <a:ext uri="{FF2B5EF4-FFF2-40B4-BE49-F238E27FC236}">
+                <a16:creationId xmlns:a16="http://schemas.microsoft.com/office/drawing/2014/main" id="{15EC70F6-062C-4BAC-9BEF-2EBB6C9A76FD}"/>
+              </a:ext>
+            </a:extLst>
+          </p:cNvPr>
+          <p:cNvPicPr>
+            <a:picLocks noChangeAspect="1"/>
+          </p:cNvPicPr>
+          <p:nvPr/>
+        </p:nvPicPr>
+        <p:blipFill>
+          <a:blip r:embed="rId2">
+            <a:extLst>
+              <a:ext uri="{28A0092B-C50C-407E-A947-70E740481C1C}">
+                <a14:useLocalDpi xmlns:a14="http://schemas.microsoft.com/office/drawing/2010/main" val="0"/>
+              </a:ext>
+              <a:ext uri="{96DAC541-7B7A-43D3-8B79-37D633B846F1}">
+                <asvg:svgBlip xmlns:asvg="http://schemas.microsoft.com/office/drawing/2016/SVG/main" r:embed="rId3"/>
+              </a:ext>
+            </a:extLst>
+          </a:blip>
+          <a:stretch>
+            <a:fillRect/>
+          </a:stretch>
+        </p:blipFill>
+        <p:spPr>
+          <a:xfrm>
+            <a:off x="5851525" y="1601787"/>
+            <a:ext cx="504825" cy="504825"/>
+          </a:xfrm>
+          <a:prstGeom prst="rect">
+            <a:avLst/>
+          </a:prstGeom>
+        </p:spPr>
+      </p:pic>
+      <p:pic>
+        <p:nvPicPr>
+          <p:cNvPr id="6" name="图形 5" descr="苹果色">
+            <a:extLst>
+              <a:ext uri="{FF2B5EF4-FFF2-40B4-BE49-F238E27FC236}">
+                <a16:creationId xmlns:a16="http://schemas.microsoft.com/office/drawing/2014/main" id="{2AA05171-78DA-448F-A872-196B9306D6E4}"/>
+              </a:ext>
+            </a:extLst>
+          </p:cNvPr>
+          <p:cNvPicPr>
+            <a:picLocks noChangeAspect="1"/>
+          </p:cNvPicPr>
+          <p:nvPr/>
+        </p:nvPicPr>
+        <p:blipFill>
+          <a:blip r:embed="rId2">
+            <a:extLst>
+              <a:ext uri="{28A0092B-C50C-407E-A947-70E740481C1C}">
+                <a14:useLocalDpi xmlns:a14="http://schemas.microsoft.com/office/drawing/2010/main" val="0"/>
+              </a:ext>
+              <a:ext uri="{96DAC541-7B7A-43D3-8B79-37D633B846F1}">
+                <asvg:svgBlip xmlns:asvg="http://schemas.microsoft.com/office/drawing/2016/SVG/main" r:embed="rId3"/>
+              </a:ext>
+            </a:extLst>
+          </a:blip>
+          <a:stretch>
+            <a:fillRect/>
+          </a:stretch>
+        </p:blipFill>
+        <p:spPr>
+          <a:xfrm>
+            <a:off x="6637340" y="1325561"/>
+            <a:ext cx="504825" cy="504825"/>
+          </a:xfrm>
+          <a:prstGeom prst="rect">
+            <a:avLst/>
+          </a:prstGeom>
+        </p:spPr>
+      </p:pic>
+      <p:pic>
+        <p:nvPicPr>
+          <p:cNvPr id="7" name="图形 6" descr="苹果色">
+            <a:extLst>
+              <a:ext uri="{FF2B5EF4-FFF2-40B4-BE49-F238E27FC236}">
+                <a16:creationId xmlns:a16="http://schemas.microsoft.com/office/drawing/2014/main" id="{C788D67C-6F3E-4178-940E-912873DBD953}"/>
+              </a:ext>
+            </a:extLst>
+          </p:cNvPr>
+          <p:cNvPicPr>
+            <a:picLocks noChangeAspect="1"/>
+          </p:cNvPicPr>
+          <p:nvPr/>
+        </p:nvPicPr>
+        <p:blipFill>
+          <a:blip r:embed="rId2">
+            <a:extLst>
+              <a:ext uri="{28A0092B-C50C-407E-A947-70E740481C1C}">
+                <a14:useLocalDpi xmlns:a14="http://schemas.microsoft.com/office/drawing/2010/main" val="0"/>
+              </a:ext>
+              <a:ext uri="{96DAC541-7B7A-43D3-8B79-37D633B846F1}">
+                <asvg:svgBlip xmlns:asvg="http://schemas.microsoft.com/office/drawing/2016/SVG/main" r:embed="rId3"/>
+              </a:ext>
+            </a:extLst>
+          </a:blip>
+          <a:stretch>
+            <a:fillRect/>
+          </a:stretch>
+        </p:blipFill>
+        <p:spPr>
+          <a:xfrm>
+            <a:off x="6280150" y="1854200"/>
+            <a:ext cx="504825" cy="504825"/>
+          </a:xfrm>
+          <a:prstGeom prst="rect">
+            <a:avLst/>
+          </a:prstGeom>
+        </p:spPr>
+      </p:pic>
+      <p:pic>
+        <p:nvPicPr>
+          <p:cNvPr id="8" name="图形 7" descr="苹果色">
+            <a:extLst>
+              <a:ext uri="{FF2B5EF4-FFF2-40B4-BE49-F238E27FC236}">
+                <a16:creationId xmlns:a16="http://schemas.microsoft.com/office/drawing/2014/main" id="{93EFBA7C-B50E-46DA-B4BE-58AE2A953A30}"/>
+              </a:ext>
+            </a:extLst>
+          </p:cNvPr>
+          <p:cNvPicPr>
+            <a:picLocks noChangeAspect="1"/>
+          </p:cNvPicPr>
+          <p:nvPr/>
+        </p:nvPicPr>
+        <p:blipFill>
+          <a:blip r:embed="rId2">
+            <a:extLst>
+              <a:ext uri="{28A0092B-C50C-407E-A947-70E740481C1C}">
+                <a14:useLocalDpi xmlns:a14="http://schemas.microsoft.com/office/drawing/2010/main" val="0"/>
+              </a:ext>
+              <a:ext uri="{96DAC541-7B7A-43D3-8B79-37D633B846F1}">
+                <asvg:svgBlip xmlns:asvg="http://schemas.microsoft.com/office/drawing/2016/SVG/main" r:embed="rId3"/>
+              </a:ext>
+            </a:extLst>
+          </a:blip>
+          <a:stretch>
+            <a:fillRect/>
+          </a:stretch>
+        </p:blipFill>
+        <p:spPr>
+          <a:xfrm>
+            <a:off x="5518149" y="2058987"/>
+            <a:ext cx="504825" cy="504825"/>
+          </a:xfrm>
+          <a:prstGeom prst="rect">
+            <a:avLst/>
+          </a:prstGeom>
+        </p:spPr>
+      </p:pic>
+      <p:pic>
+        <p:nvPicPr>
+          <p:cNvPr id="9" name="图形 8" descr="苹果色">
+            <a:extLst>
+              <a:ext uri="{FF2B5EF4-FFF2-40B4-BE49-F238E27FC236}">
+                <a16:creationId xmlns:a16="http://schemas.microsoft.com/office/drawing/2014/main" id="{2A17D686-15B7-483C-910E-16D652B892B3}"/>
+              </a:ext>
+            </a:extLst>
+          </p:cNvPr>
+          <p:cNvPicPr>
+            <a:picLocks noChangeAspect="1"/>
+          </p:cNvPicPr>
+          <p:nvPr/>
+        </p:nvPicPr>
+        <p:blipFill>
+          <a:blip r:embed="rId2">
+            <a:extLst>
+              <a:ext uri="{28A0092B-C50C-407E-A947-70E740481C1C}">
+                <a14:useLocalDpi xmlns:a14="http://schemas.microsoft.com/office/drawing/2010/main" val="0"/>
+              </a:ext>
+              <a:ext uri="{96DAC541-7B7A-43D3-8B79-37D633B846F1}">
+                <asvg:svgBlip xmlns:asvg="http://schemas.microsoft.com/office/drawing/2016/SVG/main" r:embed="rId3"/>
+              </a:ext>
+            </a:extLst>
+          </a:blip>
+          <a:stretch>
+            <a:fillRect/>
+          </a:stretch>
+        </p:blipFill>
+        <p:spPr>
+          <a:xfrm>
+            <a:off x="6061076" y="2544762"/>
+            <a:ext cx="504825" cy="504825"/>
+          </a:xfrm>
+          <a:prstGeom prst="rect">
+            <a:avLst/>
+          </a:prstGeom>
+        </p:spPr>
+      </p:pic>
+      <p:pic>
+        <p:nvPicPr>
+          <p:cNvPr id="10" name="图形 9" descr="苹果色">
+            <a:extLst>
+              <a:ext uri="{FF2B5EF4-FFF2-40B4-BE49-F238E27FC236}">
+                <a16:creationId xmlns:a16="http://schemas.microsoft.com/office/drawing/2014/main" id="{7A760D3C-6917-41AD-8540-1EE23D03FFD9}"/>
+              </a:ext>
+            </a:extLst>
+          </p:cNvPr>
+          <p:cNvPicPr>
+            <a:picLocks noChangeAspect="1"/>
+          </p:cNvPicPr>
+          <p:nvPr/>
+        </p:nvPicPr>
+        <p:blipFill>
+          <a:blip r:embed="rId2">
+            <a:extLst>
+              <a:ext uri="{28A0092B-C50C-407E-A947-70E740481C1C}">
+                <a14:useLocalDpi xmlns:a14="http://schemas.microsoft.com/office/drawing/2010/main" val="0"/>
+              </a:ext>
+              <a:ext uri="{96DAC541-7B7A-43D3-8B79-37D633B846F1}">
+                <asvg:svgBlip xmlns:asvg="http://schemas.microsoft.com/office/drawing/2016/SVG/main" r:embed="rId3"/>
+              </a:ext>
+            </a:extLst>
+          </a:blip>
+          <a:stretch>
+            <a:fillRect/>
+          </a:stretch>
+        </p:blipFill>
+        <p:spPr>
+          <a:xfrm>
+            <a:off x="5284787" y="2469382"/>
+            <a:ext cx="504825" cy="504825"/>
+          </a:xfrm>
+          <a:prstGeom prst="rect">
+            <a:avLst/>
+          </a:prstGeom>
+        </p:spPr>
+      </p:pic>
+      <p:pic>
+        <p:nvPicPr>
+          <p:cNvPr id="11" name="图形 10" descr="苹果色">
+            <a:extLst>
+              <a:ext uri="{FF2B5EF4-FFF2-40B4-BE49-F238E27FC236}">
+                <a16:creationId xmlns:a16="http://schemas.microsoft.com/office/drawing/2014/main" id="{C2C43EFE-7208-4E54-A8C5-736E852CA8E0}"/>
+              </a:ext>
+            </a:extLst>
+          </p:cNvPr>
+          <p:cNvPicPr>
+            <a:picLocks noChangeAspect="1"/>
+          </p:cNvPicPr>
+          <p:nvPr/>
+        </p:nvPicPr>
+        <p:blipFill>
+          <a:blip r:embed="rId2">
+            <a:extLst>
+              <a:ext uri="{28A0092B-C50C-407E-A947-70E740481C1C}">
+                <a14:useLocalDpi xmlns:a14="http://schemas.microsoft.com/office/drawing/2010/main" val="0"/>
+              </a:ext>
+              <a:ext uri="{96DAC541-7B7A-43D3-8B79-37D633B846F1}">
+                <asvg:svgBlip xmlns:asvg="http://schemas.microsoft.com/office/drawing/2016/SVG/main" r:embed="rId3"/>
+              </a:ext>
+            </a:extLst>
+          </a:blip>
+          <a:stretch>
+            <a:fillRect/>
+          </a:stretch>
+        </p:blipFill>
+        <p:spPr>
+          <a:xfrm>
+            <a:off x="4808536" y="2359025"/>
+            <a:ext cx="504825" cy="504825"/>
+          </a:xfrm>
+          <a:prstGeom prst="rect">
+            <a:avLst/>
+          </a:prstGeom>
+        </p:spPr>
+      </p:pic>
+      <p:pic>
+        <p:nvPicPr>
+          <p:cNvPr id="12" name="图形 11" descr="苹果色">
+            <a:extLst>
+              <a:ext uri="{FF2B5EF4-FFF2-40B4-BE49-F238E27FC236}">
+                <a16:creationId xmlns:a16="http://schemas.microsoft.com/office/drawing/2014/main" id="{90ED1E34-0828-4E60-8E94-83112DC521BA}"/>
+              </a:ext>
+            </a:extLst>
+          </p:cNvPr>
+          <p:cNvPicPr>
+            <a:picLocks noChangeAspect="1"/>
+          </p:cNvPicPr>
+          <p:nvPr/>
+        </p:nvPicPr>
+        <p:blipFill>
+          <a:blip r:embed="rId2">
+            <a:extLst>
+              <a:ext uri="{28A0092B-C50C-407E-A947-70E740481C1C}">
+                <a14:useLocalDpi xmlns:a14="http://schemas.microsoft.com/office/drawing/2010/main" val="0"/>
+              </a:ext>
+              <a:ext uri="{96DAC541-7B7A-43D3-8B79-37D633B846F1}">
+                <asvg:svgBlip xmlns:asvg="http://schemas.microsoft.com/office/drawing/2016/SVG/main" r:embed="rId3"/>
+              </a:ext>
+            </a:extLst>
+          </a:blip>
+          <a:stretch>
+            <a:fillRect/>
+          </a:stretch>
+        </p:blipFill>
+        <p:spPr>
+          <a:xfrm>
+            <a:off x="5156199" y="2978148"/>
+            <a:ext cx="504825" cy="504825"/>
+          </a:xfrm>
+          <a:prstGeom prst="rect">
+            <a:avLst/>
+          </a:prstGeom>
+        </p:spPr>
+      </p:pic>
+      <p:pic>
+        <p:nvPicPr>
+          <p:cNvPr id="13" name="图形 12" descr="苹果色">
+            <a:extLst>
+              <a:ext uri="{FF2B5EF4-FFF2-40B4-BE49-F238E27FC236}">
+                <a16:creationId xmlns:a16="http://schemas.microsoft.com/office/drawing/2014/main" id="{B8F05A19-DB78-4190-BED8-7FA353520095}"/>
+              </a:ext>
+            </a:extLst>
+          </p:cNvPr>
+          <p:cNvPicPr>
+            <a:picLocks noChangeAspect="1"/>
+          </p:cNvPicPr>
+          <p:nvPr/>
+        </p:nvPicPr>
+        <p:blipFill>
+          <a:blip r:embed="rId2">
+            <a:extLst>
+              <a:ext uri="{28A0092B-C50C-407E-A947-70E740481C1C}">
+                <a14:useLocalDpi xmlns:a14="http://schemas.microsoft.com/office/drawing/2010/main" val="0"/>
+              </a:ext>
+              <a:ext uri="{96DAC541-7B7A-43D3-8B79-37D633B846F1}">
+                <asvg:svgBlip xmlns:asvg="http://schemas.microsoft.com/office/drawing/2016/SVG/main" r:embed="rId3"/>
+              </a:ext>
+            </a:extLst>
+          </a:blip>
+          <a:stretch>
+            <a:fillRect/>
+          </a:stretch>
+        </p:blipFill>
+        <p:spPr>
+          <a:xfrm>
+            <a:off x="5842000" y="3168649"/>
+            <a:ext cx="504825" cy="504825"/>
+          </a:xfrm>
+          <a:prstGeom prst="rect">
+            <a:avLst/>
+          </a:prstGeom>
+        </p:spPr>
+      </p:pic>
+      <p:pic>
+        <p:nvPicPr>
+          <p:cNvPr id="14" name="图形 13" descr="苹果色">
+            <a:extLst>
+              <a:ext uri="{FF2B5EF4-FFF2-40B4-BE49-F238E27FC236}">
+                <a16:creationId xmlns:a16="http://schemas.microsoft.com/office/drawing/2014/main" id="{8A1F2084-8DDE-41CF-8FB0-8E07AC67EB25}"/>
+              </a:ext>
+            </a:extLst>
+          </p:cNvPr>
+          <p:cNvPicPr>
+            <a:picLocks noChangeAspect="1"/>
+          </p:cNvPicPr>
+          <p:nvPr/>
+        </p:nvPicPr>
+        <p:blipFill>
+          <a:blip r:embed="rId2">
+            <a:extLst>
+              <a:ext uri="{28A0092B-C50C-407E-A947-70E740481C1C}">
+                <a14:useLocalDpi xmlns:a14="http://schemas.microsoft.com/office/drawing/2010/main" val="0"/>
+              </a:ext>
+              <a:ext uri="{96DAC541-7B7A-43D3-8B79-37D633B846F1}">
+                <asvg:svgBlip xmlns:asvg="http://schemas.microsoft.com/office/drawing/2016/SVG/main" r:embed="rId3"/>
+              </a:ext>
+            </a:extLst>
+          </a:blip>
+          <a:stretch>
+            <a:fillRect/>
+          </a:stretch>
+        </p:blipFill>
+        <p:spPr>
+          <a:xfrm>
+            <a:off x="6403976" y="2982912"/>
+            <a:ext cx="504825" cy="504825"/>
+          </a:xfrm>
+          <a:prstGeom prst="rect">
+            <a:avLst/>
+          </a:prstGeom>
+        </p:spPr>
+      </p:pic>
+      <p:pic>
+        <p:nvPicPr>
+          <p:cNvPr id="15" name="图形 14" descr="苹果色">
+            <a:extLst>
+              <a:ext uri="{FF2B5EF4-FFF2-40B4-BE49-F238E27FC236}">
+                <a16:creationId xmlns:a16="http://schemas.microsoft.com/office/drawing/2014/main" id="{962D1721-ACDF-4270-89C2-2500D49F8235}"/>
+              </a:ext>
+            </a:extLst>
+          </p:cNvPr>
+          <p:cNvPicPr>
+            <a:picLocks noChangeAspect="1"/>
+          </p:cNvPicPr>
+          <p:nvPr/>
+        </p:nvPicPr>
+        <p:blipFill>
+          <a:blip r:embed="rId2">
+            <a:extLst>
+              <a:ext uri="{28A0092B-C50C-407E-A947-70E740481C1C}">
+                <a14:useLocalDpi xmlns:a14="http://schemas.microsoft.com/office/drawing/2010/main" val="0"/>
+              </a:ext>
+              <a:ext uri="{96DAC541-7B7A-43D3-8B79-37D633B846F1}">
+                <asvg:svgBlip xmlns:asvg="http://schemas.microsoft.com/office/drawing/2016/SVG/main" r:embed="rId3"/>
+              </a:ext>
+            </a:extLst>
+          </a:blip>
+          <a:stretch>
+            <a:fillRect/>
+          </a:stretch>
+        </p:blipFill>
+        <p:spPr>
+          <a:xfrm>
+            <a:off x="6742112" y="2363787"/>
+            <a:ext cx="504825" cy="504825"/>
+          </a:xfrm>
+          <a:prstGeom prst="rect">
+            <a:avLst/>
+          </a:prstGeom>
+        </p:spPr>
+      </p:pic>
+      <p:pic>
+        <p:nvPicPr>
+          <p:cNvPr id="16" name="图形 15" descr="苹果色">
+            <a:extLst>
+              <a:ext uri="{FF2B5EF4-FFF2-40B4-BE49-F238E27FC236}">
+                <a16:creationId xmlns:a16="http://schemas.microsoft.com/office/drawing/2014/main" id="{EF38A27C-836E-441A-94BF-828C51B99FA7}"/>
+              </a:ext>
+            </a:extLst>
+          </p:cNvPr>
+          <p:cNvPicPr>
+            <a:picLocks noChangeAspect="1"/>
+          </p:cNvPicPr>
+          <p:nvPr/>
+        </p:nvPicPr>
+        <p:blipFill>
+          <a:blip r:embed="rId2">
+            <a:extLst>
+              <a:ext uri="{28A0092B-C50C-407E-A947-70E740481C1C}">
+                <a14:useLocalDpi xmlns:a14="http://schemas.microsoft.com/office/drawing/2010/main" val="0"/>
+              </a:ext>
+              <a:ext uri="{96DAC541-7B7A-43D3-8B79-37D633B846F1}">
+                <asvg:svgBlip xmlns:asvg="http://schemas.microsoft.com/office/drawing/2016/SVG/main" r:embed="rId3"/>
+              </a:ext>
+            </a:extLst>
+          </a:blip>
+          <a:stretch>
+            <a:fillRect/>
+          </a:stretch>
+        </p:blipFill>
+        <p:spPr>
+          <a:xfrm>
+            <a:off x="6027739" y="4554534"/>
+            <a:ext cx="504825" cy="504825"/>
+          </a:xfrm>
+          <a:prstGeom prst="rect">
+            <a:avLst/>
+          </a:prstGeom>
+        </p:spPr>
+      </p:pic>
+      <p:pic>
+        <p:nvPicPr>
+          <p:cNvPr id="17" name="图形 16" descr="苹果色">
+            <a:extLst>
+              <a:ext uri="{FF2B5EF4-FFF2-40B4-BE49-F238E27FC236}">
+                <a16:creationId xmlns:a16="http://schemas.microsoft.com/office/drawing/2014/main" id="{CB86DF76-BDF3-4E83-AD03-C5C0C00D7C57}"/>
+              </a:ext>
+            </a:extLst>
+          </p:cNvPr>
+          <p:cNvPicPr>
+            <a:picLocks noChangeAspect="1"/>
+          </p:cNvPicPr>
+          <p:nvPr/>
+        </p:nvPicPr>
+        <p:blipFill>
+          <a:blip r:embed="rId2">
+            <a:extLst>
+              <a:ext uri="{28A0092B-C50C-407E-A947-70E740481C1C}">
+                <a14:useLocalDpi xmlns:a14="http://schemas.microsoft.com/office/drawing/2010/main" val="0"/>
+              </a:ext>
+              <a:ext uri="{96DAC541-7B7A-43D3-8B79-37D633B846F1}">
+                <asvg:svgBlip xmlns:asvg="http://schemas.microsoft.com/office/drawing/2016/SVG/main" r:embed="rId3"/>
+              </a:ext>
+            </a:extLst>
+          </a:blip>
+          <a:stretch>
+            <a:fillRect/>
+          </a:stretch>
+        </p:blipFill>
+        <p:spPr>
+          <a:xfrm>
+            <a:off x="5313363" y="4621209"/>
+            <a:ext cx="504825" cy="504825"/>
+          </a:xfrm>
+          <a:prstGeom prst="rect">
+            <a:avLst/>
+          </a:prstGeom>
+        </p:spPr>
+      </p:pic>
+      <p:pic>
+        <p:nvPicPr>
+          <p:cNvPr id="18" name="图形 17" descr="苹果色">
+            <a:extLst>
+              <a:ext uri="{FF2B5EF4-FFF2-40B4-BE49-F238E27FC236}">
+                <a16:creationId xmlns:a16="http://schemas.microsoft.com/office/drawing/2014/main" id="{651B2A69-6CA3-4039-9CE3-5AE33A11B4CE}"/>
+              </a:ext>
+            </a:extLst>
+          </p:cNvPr>
+          <p:cNvPicPr>
+            <a:picLocks noChangeAspect="1"/>
+          </p:cNvPicPr>
+          <p:nvPr/>
+        </p:nvPicPr>
+        <p:blipFill>
+          <a:blip r:embed="rId2">
+            <a:extLst>
+              <a:ext uri="{28A0092B-C50C-407E-A947-70E740481C1C}">
+                <a14:useLocalDpi xmlns:a14="http://schemas.microsoft.com/office/drawing/2010/main" val="0"/>
+              </a:ext>
+              <a:ext uri="{96DAC541-7B7A-43D3-8B79-37D633B846F1}">
+                <asvg:svgBlip xmlns:asvg="http://schemas.microsoft.com/office/drawing/2016/SVG/main" r:embed="rId3"/>
+              </a:ext>
+            </a:extLst>
+          </a:blip>
+          <a:stretch>
+            <a:fillRect/>
+          </a:stretch>
+        </p:blipFill>
+        <p:spPr>
+          <a:xfrm>
+            <a:off x="5051423" y="5059358"/>
+            <a:ext cx="504825" cy="504825"/>
+          </a:xfrm>
+          <a:prstGeom prst="rect">
+            <a:avLst/>
+          </a:prstGeom>
+        </p:spPr>
+      </p:pic>
+      <p:pic>
+        <p:nvPicPr>
+          <p:cNvPr id="19" name="图形 18" descr="苹果色">
+            <a:extLst>
+              <a:ext uri="{FF2B5EF4-FFF2-40B4-BE49-F238E27FC236}">
+                <a16:creationId xmlns:a16="http://schemas.microsoft.com/office/drawing/2014/main" id="{693E2875-1B92-43C1-B3DD-65FFCB95B12F}"/>
+              </a:ext>
+            </a:extLst>
+          </p:cNvPr>
+          <p:cNvPicPr>
+            <a:picLocks noChangeAspect="1"/>
+          </p:cNvPicPr>
+          <p:nvPr/>
+        </p:nvPicPr>
+        <p:blipFill>
+          <a:blip r:embed="rId2">
+            <a:extLst>
+              <a:ext uri="{28A0092B-C50C-407E-A947-70E740481C1C}">
+                <a14:useLocalDpi xmlns:a14="http://schemas.microsoft.com/office/drawing/2010/main" val="0"/>
+              </a:ext>
+              <a:ext uri="{96DAC541-7B7A-43D3-8B79-37D633B846F1}">
+                <asvg:svgBlip xmlns:asvg="http://schemas.microsoft.com/office/drawing/2016/SVG/main" r:embed="rId3"/>
+              </a:ext>
+            </a:extLst>
+          </a:blip>
+          <a:stretch>
+            <a:fillRect/>
+          </a:stretch>
+        </p:blipFill>
+        <p:spPr>
+          <a:xfrm>
+            <a:off x="5808663" y="5178421"/>
+            <a:ext cx="504825" cy="504825"/>
+          </a:xfrm>
+          <a:prstGeom prst="rect">
+            <a:avLst/>
+          </a:prstGeom>
+        </p:spPr>
+      </p:pic>
+      <p:pic>
+        <p:nvPicPr>
+          <p:cNvPr id="20" name="图形 19" descr="苹果色">
+            <a:extLst>
+              <a:ext uri="{FF2B5EF4-FFF2-40B4-BE49-F238E27FC236}">
+                <a16:creationId xmlns:a16="http://schemas.microsoft.com/office/drawing/2014/main" id="{00F61CBE-4149-45D1-932C-A12D2E2F95C3}"/>
+              </a:ext>
+            </a:extLst>
+          </p:cNvPr>
+          <p:cNvPicPr>
+            <a:picLocks noChangeAspect="1"/>
+          </p:cNvPicPr>
+          <p:nvPr/>
+        </p:nvPicPr>
+        <p:blipFill>
+          <a:blip r:embed="rId2">
+            <a:extLst>
+              <a:ext uri="{28A0092B-C50C-407E-A947-70E740481C1C}">
+                <a14:useLocalDpi xmlns:a14="http://schemas.microsoft.com/office/drawing/2010/main" val="0"/>
+              </a:ext>
+              <a:ext uri="{96DAC541-7B7A-43D3-8B79-37D633B846F1}">
+                <asvg:svgBlip xmlns:asvg="http://schemas.microsoft.com/office/drawing/2016/SVG/main" r:embed="rId3"/>
+              </a:ext>
+            </a:extLst>
+          </a:blip>
+          <a:stretch>
+            <a:fillRect/>
+          </a:stretch>
+        </p:blipFill>
+        <p:spPr>
+          <a:xfrm>
+            <a:off x="6370639" y="4992684"/>
+            <a:ext cx="504825" cy="504825"/>
+          </a:xfrm>
+          <a:prstGeom prst="rect">
+            <a:avLst/>
+          </a:prstGeom>
+        </p:spPr>
+      </p:pic>
+      <p:sp>
+        <p:nvSpPr>
+          <p:cNvPr id="21" name="弧形 20">
+            <a:extLst>
+              <a:ext uri="{FF2B5EF4-FFF2-40B4-BE49-F238E27FC236}">
+                <a16:creationId xmlns:a16="http://schemas.microsoft.com/office/drawing/2014/main" id="{AFCF36C3-D8EC-4A9A-B5A5-EACF45B28BC4}"/>
+              </a:ext>
+            </a:extLst>
+          </p:cNvPr>
+          <p:cNvSpPr/>
+          <p:nvPr/>
+        </p:nvSpPr>
+        <p:spPr>
+          <a:xfrm rot="3387030">
+            <a:off x="4737100" y="2561430"/>
+            <a:ext cx="3152775" cy="2224088"/>
+          </a:xfrm>
+          <a:prstGeom prst="arc">
+            <a:avLst/>
+          </a:prstGeom>
+          <a:ln w="28575">
+            <a:headEnd type="none" w="med" len="med"/>
+            <a:tailEnd type="triangle" w="med" len="med"/>
+          </a:ln>
+        </p:spPr>
+        <p:style>
+          <a:lnRef idx="1">
+            <a:schemeClr val="accent1"/>
+          </a:lnRef>
+          <a:fillRef idx="0">
+            <a:schemeClr val="accent1"/>
+          </a:fillRef>
+          <a:effectRef idx="0">
+            <a:schemeClr val="accent1"/>
+          </a:effectRef>
+          <a:fontRef idx="minor">
+            <a:schemeClr val="tx1"/>
+          </a:fontRef>
+        </p:style>
+        <p:txBody>
+          <a:bodyPr rtlCol="0" anchor="ctr"/>
+          <a:lstStyle/>
+          <a:p>
+            <a:pPr algn="ctr"/>
+            <a:endParaRPr lang="en-US">
+              <a:ln w="28575">
+                <a:solidFill>
+                  <a:schemeClr val="tx1"/>
+                </a:solidFill>
+              </a:ln>
+            </a:endParaRPr>
+          </a:p>
+        </p:txBody>
+      </p:sp>
+      <p:sp>
+        <p:nvSpPr>
+          <p:cNvPr id="22" name="弧形 21">
+            <a:extLst>
+              <a:ext uri="{FF2B5EF4-FFF2-40B4-BE49-F238E27FC236}">
+                <a16:creationId xmlns:a16="http://schemas.microsoft.com/office/drawing/2014/main" id="{81C71196-3B5B-42D5-898D-28D6C69D90E2}"/>
+              </a:ext>
+            </a:extLst>
+          </p:cNvPr>
+          <p:cNvSpPr/>
+          <p:nvPr/>
+        </p:nvSpPr>
+        <p:spPr>
+          <a:xfrm rot="13572491">
+            <a:off x="4084636" y="3029448"/>
+            <a:ext cx="3152775" cy="2224088"/>
+          </a:xfrm>
+          <a:prstGeom prst="arc">
+            <a:avLst/>
+          </a:prstGeom>
+          <a:ln w="28575">
+            <a:solidFill>
+              <a:schemeClr val="accent1"/>
+            </a:solidFill>
+            <a:headEnd type="none" w="med" len="med"/>
+            <a:tailEnd type="triangle" w="med" len="med"/>
+          </a:ln>
+        </p:spPr>
+        <p:style>
+          <a:lnRef idx="1">
+            <a:schemeClr val="accent1"/>
+          </a:lnRef>
+          <a:fillRef idx="0">
+            <a:schemeClr val="accent1"/>
+          </a:fillRef>
+          <a:effectRef idx="0">
+            <a:schemeClr val="accent1"/>
+          </a:effectRef>
+          <a:fontRef idx="minor">
+            <a:schemeClr val="tx1"/>
+          </a:fontRef>
+        </p:style>
+        <p:txBody>
+          <a:bodyPr rtlCol="0" anchor="ctr"/>
+          <a:lstStyle/>
+          <a:p>
+            <a:pPr algn="ctr"/>
+            <a:endParaRPr lang="en-US"/>
+          </a:p>
+        </p:txBody>
+      </p:sp>
+      <p:sp>
+        <p:nvSpPr>
+          <p:cNvPr id="23" name="文本框 22">
+            <a:extLst>
+              <a:ext uri="{FF2B5EF4-FFF2-40B4-BE49-F238E27FC236}">
+                <a16:creationId xmlns:a16="http://schemas.microsoft.com/office/drawing/2014/main" id="{2CA31C18-5349-4061-A880-11AD82F8CEDC}"/>
+              </a:ext>
+            </a:extLst>
+          </p:cNvPr>
+          <p:cNvSpPr txBox="1"/>
+          <p:nvPr/>
+        </p:nvSpPr>
+        <p:spPr>
+          <a:xfrm>
+            <a:off x="4368480" y="3766102"/>
+            <a:ext cx="1070614" cy="369332"/>
+          </a:xfrm>
+          <a:prstGeom prst="rect">
+            <a:avLst/>
+          </a:prstGeom>
+          <a:noFill/>
+        </p:spPr>
+        <p:txBody>
+          <a:bodyPr wrap="none" rtlCol="0">
+            <a:spAutoFit/>
+          </a:bodyPr>
+          <a:lstStyle/>
+          <a:p>
+            <a:r>
+              <a:rPr lang="en-US" altLang="zh-CN" dirty="0"/>
+              <a:t>Inference</a:t>
+            </a:r>
+            <a:endParaRPr lang="en-US" dirty="0"/>
+          </a:p>
+        </p:txBody>
+      </p:sp>
+      <p:sp>
+        <p:nvSpPr>
+          <p:cNvPr id="24" name="文本框 23">
+            <a:extLst>
+              <a:ext uri="{FF2B5EF4-FFF2-40B4-BE49-F238E27FC236}">
+                <a16:creationId xmlns:a16="http://schemas.microsoft.com/office/drawing/2014/main" id="{97666652-8776-4BA1-A957-ADC03A4FE0F5}"/>
+              </a:ext>
+            </a:extLst>
+          </p:cNvPr>
+          <p:cNvSpPr txBox="1"/>
+          <p:nvPr/>
+        </p:nvSpPr>
+        <p:spPr>
+          <a:xfrm>
+            <a:off x="6532562" y="3766102"/>
+            <a:ext cx="1043876" cy="369332"/>
+          </a:xfrm>
+          <a:prstGeom prst="rect">
+            <a:avLst/>
+          </a:prstGeom>
+          <a:noFill/>
+        </p:spPr>
+        <p:txBody>
+          <a:bodyPr wrap="none" rtlCol="0">
+            <a:spAutoFit/>
+          </a:bodyPr>
+          <a:lstStyle/>
+          <a:p>
+            <a:r>
+              <a:rPr lang="en-US" altLang="zh-CN" dirty="0"/>
+              <a:t>Sampling</a:t>
+            </a:r>
+            <a:endParaRPr lang="en-US" dirty="0"/>
+          </a:p>
+        </p:txBody>
+      </p:sp>
+      <p:pic>
+        <p:nvPicPr>
+          <p:cNvPr id="25" name="图形 24" descr="苹果色">
+            <a:extLst>
+              <a:ext uri="{FF2B5EF4-FFF2-40B4-BE49-F238E27FC236}">
+                <a16:creationId xmlns:a16="http://schemas.microsoft.com/office/drawing/2014/main" id="{31400C11-D560-46A7-A16D-0BDB31D04B2F}"/>
+              </a:ext>
+            </a:extLst>
+          </p:cNvPr>
+          <p:cNvPicPr>
+            <a:picLocks noChangeAspect="1"/>
+          </p:cNvPicPr>
+          <p:nvPr/>
+        </p:nvPicPr>
+        <p:blipFill>
+          <a:blip r:embed="rId2">
+            <a:extLst>
+              <a:ext uri="{28A0092B-C50C-407E-A947-70E740481C1C}">
+                <a14:useLocalDpi xmlns:a14="http://schemas.microsoft.com/office/drawing/2010/main" val="0"/>
+              </a:ext>
+              <a:ext uri="{96DAC541-7B7A-43D3-8B79-37D633B846F1}">
+                <asvg:svgBlip xmlns:asvg="http://schemas.microsoft.com/office/drawing/2016/SVG/main" r:embed="rId3"/>
+              </a:ext>
+            </a:extLst>
+          </a:blip>
+          <a:stretch>
+            <a:fillRect/>
+          </a:stretch>
+        </p:blipFill>
+        <p:spPr>
+          <a:xfrm>
+            <a:off x="6947817" y="1823588"/>
+            <a:ext cx="504825" cy="504825"/>
+          </a:xfrm>
+          <a:prstGeom prst="rect">
+            <a:avLst/>
+          </a:prstGeom>
+        </p:spPr>
+      </p:pic>
+      <p:pic>
+        <p:nvPicPr>
+          <p:cNvPr id="26" name="图形 25" descr="苹果色">
+            <a:extLst>
+              <a:ext uri="{FF2B5EF4-FFF2-40B4-BE49-F238E27FC236}">
+                <a16:creationId xmlns:a16="http://schemas.microsoft.com/office/drawing/2014/main" id="{9F6DC70F-9C43-4C82-8757-4F4098756E3A}"/>
+              </a:ext>
+            </a:extLst>
+          </p:cNvPr>
+          <p:cNvPicPr>
+            <a:picLocks noChangeAspect="1"/>
+          </p:cNvPicPr>
+          <p:nvPr/>
+        </p:nvPicPr>
+        <p:blipFill>
+          <a:blip r:embed="rId2">
+            <a:extLst>
+              <a:ext uri="{28A0092B-C50C-407E-A947-70E740481C1C}">
+                <a14:useLocalDpi xmlns:a14="http://schemas.microsoft.com/office/drawing/2010/main" val="0"/>
+              </a:ext>
+              <a:ext uri="{96DAC541-7B7A-43D3-8B79-37D633B846F1}">
+                <asvg:svgBlip xmlns:asvg="http://schemas.microsoft.com/office/drawing/2016/SVG/main" r:embed="rId3"/>
+              </a:ext>
+            </a:extLst>
+          </a:blip>
+          <a:stretch>
+            <a:fillRect/>
+          </a:stretch>
+        </p:blipFill>
+        <p:spPr>
+          <a:xfrm>
+            <a:off x="5163692" y="1772021"/>
+            <a:ext cx="504825" cy="504825"/>
+          </a:xfrm>
+          <a:prstGeom prst="rect">
+            <a:avLst/>
+          </a:prstGeom>
+        </p:spPr>
+      </p:pic>
+      <p:pic>
+        <p:nvPicPr>
+          <p:cNvPr id="27" name="图形 26" descr="苹果色">
+            <a:extLst>
+              <a:ext uri="{FF2B5EF4-FFF2-40B4-BE49-F238E27FC236}">
+                <a16:creationId xmlns:a16="http://schemas.microsoft.com/office/drawing/2014/main" id="{2582C647-E12B-49E8-BCFE-88518F05C753}"/>
+              </a:ext>
+            </a:extLst>
+          </p:cNvPr>
+          <p:cNvPicPr>
+            <a:picLocks noChangeAspect="1"/>
+          </p:cNvPicPr>
+          <p:nvPr/>
+        </p:nvPicPr>
+        <p:blipFill>
+          <a:blip r:embed="rId2">
+            <a:extLst>
+              <a:ext uri="{28A0092B-C50C-407E-A947-70E740481C1C}">
+                <a14:useLocalDpi xmlns:a14="http://schemas.microsoft.com/office/drawing/2010/main" val="0"/>
+              </a:ext>
+              <a:ext uri="{96DAC541-7B7A-43D3-8B79-37D633B846F1}">
+                <asvg:svgBlip xmlns:asvg="http://schemas.microsoft.com/office/drawing/2016/SVG/main" r:embed="rId3"/>
+              </a:ext>
+            </a:extLst>
+          </a:blip>
+          <a:stretch>
+            <a:fillRect/>
+          </a:stretch>
+        </p:blipFill>
+        <p:spPr>
+          <a:xfrm>
+            <a:off x="6118226" y="1074548"/>
+            <a:ext cx="504825" cy="504825"/>
+          </a:xfrm>
+          <a:prstGeom prst="rect">
+            <a:avLst/>
+          </a:prstGeom>
+        </p:spPr>
+      </p:pic>
+    </p:spTree>
+    <p:extLst>
+      <p:ext uri="{BB962C8B-B14F-4D97-AF65-F5344CB8AC3E}">
+        <p14:creationId xmlns:p14="http://schemas.microsoft.com/office/powerpoint/2010/main" val="1567315180"/>
+      </p:ext>
+    </p:extLst>
+  </p:cSld>
+  <p:clrMapOvr>
+    <a:masterClrMapping/>
+  </p:clrMapOvr>
+</p:sld>
+</file>
+
+<file path=ppt/slides/slide6.xml><?xml version="1.0" encoding="utf-8"?>
+<p:sld xmlns:a="http://schemas.openxmlformats.org/drawingml/2006/main" xmlns:r="http://schemas.openxmlformats.org/officeDocument/2006/relationships" xmlns:p="http://schemas.openxmlformats.org/presentationml/2006/main">
+  <p:cSld>
+    <p:spTree>
+      <p:nvGrpSpPr>
+        <p:cNvPr id="1" name=""/>
+        <p:cNvGrpSpPr/>
+        <p:nvPr/>
+      </p:nvGrpSpPr>
+      <p:grpSpPr>
+        <a:xfrm>
+          <a:off x="0" y="0"/>
+          <a:ext cx="0" cy="0"/>
+          <a:chOff x="0" y="0"/>
+          <a:chExt cx="0" cy="0"/>
+        </a:xfrm>
+      </p:grpSpPr>
       <p:grpSp>
         <p:nvGrpSpPr>
           <p:cNvPr id="7" name="Group 6"/>
@@ -12841,7 +13908,97 @@
 </p:sld>
 </file>
 
-<file path=ppt/slides/slide6.xml><?xml version="1.0" encoding="utf-8"?>
+<file path=ppt/slides/slide7.xml><?xml version="1.0" encoding="utf-8"?>
+<p:sld xmlns:a="http://schemas.openxmlformats.org/drawingml/2006/main" xmlns:r="http://schemas.openxmlformats.org/officeDocument/2006/relationships" xmlns:p="http://schemas.openxmlformats.org/presentationml/2006/main">
+  <p:cSld>
+    <p:spTree>
+      <p:nvGrpSpPr>
+        <p:cNvPr id="1" name=""/>
+        <p:cNvGrpSpPr/>
+        <p:nvPr/>
+      </p:nvGrpSpPr>
+      <p:grpSpPr>
+        <a:xfrm>
+          <a:off x="0" y="0"/>
+          <a:ext cx="0" cy="0"/>
+          <a:chOff x="0" y="0"/>
+          <a:chExt cx="0" cy="0"/>
+        </a:xfrm>
+      </p:grpSpPr>
+      <p:pic>
+        <p:nvPicPr>
+          <p:cNvPr id="2" name="图片 1">
+            <a:extLst>
+              <a:ext uri="{FF2B5EF4-FFF2-40B4-BE49-F238E27FC236}">
+                <a16:creationId xmlns:a16="http://schemas.microsoft.com/office/drawing/2014/main" id="{40006D97-9BE0-4CAA-9C1F-456500680D73}"/>
+              </a:ext>
+            </a:extLst>
+          </p:cNvPr>
+          <p:cNvPicPr>
+            <a:picLocks noChangeAspect="1"/>
+          </p:cNvPicPr>
+          <p:nvPr/>
+        </p:nvPicPr>
+        <p:blipFill>
+          <a:blip r:embed="rId2"/>
+          <a:stretch>
+            <a:fillRect/>
+          </a:stretch>
+        </p:blipFill>
+        <p:spPr>
+          <a:xfrm>
+            <a:off x="1089317" y="1445996"/>
+            <a:ext cx="4562475" cy="3362325"/>
+          </a:xfrm>
+          <a:prstGeom prst="rect">
+            <a:avLst/>
+          </a:prstGeom>
+        </p:spPr>
+      </p:pic>
+      <p:pic>
+        <p:nvPicPr>
+          <p:cNvPr id="3" name="图片 2">
+            <a:extLst>
+              <a:ext uri="{FF2B5EF4-FFF2-40B4-BE49-F238E27FC236}">
+                <a16:creationId xmlns:a16="http://schemas.microsoft.com/office/drawing/2014/main" id="{BEED76E7-D3B7-4245-B094-6E77F561D2FA}"/>
+              </a:ext>
+            </a:extLst>
+          </p:cNvPr>
+          <p:cNvPicPr>
+            <a:picLocks noChangeAspect="1"/>
+          </p:cNvPicPr>
+          <p:nvPr/>
+        </p:nvPicPr>
+        <p:blipFill>
+          <a:blip r:embed="rId3"/>
+          <a:stretch>
+            <a:fillRect/>
+          </a:stretch>
+        </p:blipFill>
+        <p:spPr>
+          <a:xfrm>
+            <a:off x="6096000" y="1693693"/>
+            <a:ext cx="4924425" cy="3257550"/>
+          </a:xfrm>
+          <a:prstGeom prst="rect">
+            <a:avLst/>
+          </a:prstGeom>
+        </p:spPr>
+      </p:pic>
+    </p:spTree>
+    <p:extLst>
+      <p:ext uri="{BB962C8B-B14F-4D97-AF65-F5344CB8AC3E}">
+        <p14:creationId xmlns:p14="http://schemas.microsoft.com/office/powerpoint/2010/main" val="3975029208"/>
+      </p:ext>
+    </p:extLst>
+  </p:cSld>
+  <p:clrMapOvr>
+    <a:masterClrMapping/>
+  </p:clrMapOvr>
+</p:sld>
+</file>
+
+<file path=ppt/slides/slide8.xml><?xml version="1.0" encoding="utf-8"?>
 <p:sld xmlns:a="http://schemas.openxmlformats.org/drawingml/2006/main" xmlns:r="http://schemas.openxmlformats.org/officeDocument/2006/relationships" xmlns:p="http://schemas.openxmlformats.org/presentationml/2006/main">
   <p:cSld>
     <p:spTree>
